--- a/Capstone play_ Motion Library.pptx
+++ b/Capstone play_ Motion Library.pptx
@@ -21,6 +21,8 @@
     <p:sldId id="266" r:id="rId16"/>
     <p:sldId id="267" r:id="rId17"/>
     <p:sldId id="268" r:id="rId18"/>
+    <p:sldId id="269" r:id="rId19"/>
+    <p:sldId id="270" r:id="rId20"/>
   </p:sldIdLst>
   <p:sldSz cy="5143500" cx="9144000"/>
   <p:notesSz cx="6858000" cy="9144000"/>
@@ -478,7 +480,7 @@
   <p:cSld>
     <p:spTree>
       <p:nvGrpSpPr>
-        <p:cNvPr id="101" name="Shape 101"/>
+        <p:cNvPr id="98" name="Shape 98"/>
         <p:cNvGrpSpPr/>
         <p:nvPr/>
       </p:nvGrpSpPr>
@@ -492,7 +494,7 @@
       </p:grpSpPr>
       <p:sp>
         <p:nvSpPr>
-          <p:cNvPr id="102" name="Shape 102"/>
+          <p:cNvPr id="99" name="Shape 99"/>
           <p:cNvSpPr/>
           <p:nvPr>
             <p:ph idx="2" type="sldImg"/>
@@ -526,7 +528,7 @@
       </p:sp>
       <p:sp>
         <p:nvSpPr>
-          <p:cNvPr id="103" name="Shape 103"/>
+          <p:cNvPr id="100" name="Shape 100"/>
           <p:cNvSpPr txBox="1"/>
           <p:nvPr>
             <p:ph idx="1" type="body"/>
@@ -573,7 +575,7 @@
   <p:cSld>
     <p:spTree>
       <p:nvGrpSpPr>
-        <p:cNvPr id="107" name="Shape 107"/>
+        <p:cNvPr id="103" name="Shape 103"/>
         <p:cNvGrpSpPr/>
         <p:nvPr/>
       </p:nvGrpSpPr>
@@ -587,7 +589,7 @@
       </p:grpSpPr>
       <p:sp>
         <p:nvSpPr>
-          <p:cNvPr id="108" name="Shape 108"/>
+          <p:cNvPr id="104" name="Shape 104"/>
           <p:cNvSpPr/>
           <p:nvPr>
             <p:ph idx="2" type="sldImg"/>
@@ -621,7 +623,7 @@
       </p:sp>
       <p:sp>
         <p:nvSpPr>
-          <p:cNvPr id="109" name="Shape 109"/>
+          <p:cNvPr id="105" name="Shape 105"/>
           <p:cNvSpPr txBox="1"/>
           <p:nvPr>
             <p:ph idx="1" type="body"/>
@@ -668,7 +670,7 @@
   <p:cSld>
     <p:spTree>
       <p:nvGrpSpPr>
-        <p:cNvPr id="112" name="Shape 112"/>
+        <p:cNvPr id="108" name="Shape 108"/>
         <p:cNvGrpSpPr/>
         <p:nvPr/>
       </p:nvGrpSpPr>
@@ -682,7 +684,7 @@
       </p:grpSpPr>
       <p:sp>
         <p:nvSpPr>
-          <p:cNvPr id="113" name="Shape 113"/>
+          <p:cNvPr id="109" name="Shape 109"/>
           <p:cNvSpPr/>
           <p:nvPr>
             <p:ph idx="2" type="sldImg"/>
@@ -716,7 +718,7 @@
       </p:sp>
       <p:sp>
         <p:nvSpPr>
-          <p:cNvPr id="114" name="Shape 114"/>
+          <p:cNvPr id="110" name="Shape 110"/>
           <p:cNvSpPr txBox="1"/>
           <p:nvPr>
             <p:ph idx="1" type="body"/>
@@ -763,7 +765,7 @@
   <p:cSld>
     <p:spTree>
       <p:nvGrpSpPr>
-        <p:cNvPr id="117" name="Shape 117"/>
+        <p:cNvPr id="113" name="Shape 113"/>
         <p:cNvGrpSpPr/>
         <p:nvPr/>
       </p:nvGrpSpPr>
@@ -777,7 +779,7 @@
       </p:grpSpPr>
       <p:sp>
         <p:nvSpPr>
-          <p:cNvPr id="118" name="Shape 118"/>
+          <p:cNvPr id="114" name="Shape 114"/>
           <p:cNvSpPr/>
           <p:nvPr>
             <p:ph idx="2" type="sldImg"/>
@@ -811,7 +813,197 @@
       </p:sp>
       <p:sp>
         <p:nvSpPr>
+          <p:cNvPr id="115" name="Shape 115"/>
+          <p:cNvSpPr txBox="1"/>
+          <p:nvPr>
+            <p:ph idx="1" type="body"/>
+          </p:nvPr>
+        </p:nvSpPr>
+        <p:spPr>
+          <a:xfrm>
+            <a:off x="685800" y="4343400"/>
+            <a:ext cx="5486400" cy="4114800"/>
+          </a:xfrm>
+          <a:prstGeom prst="rect">
+            <a:avLst/>
+          </a:prstGeom>
+        </p:spPr>
+        <p:txBody>
+          <a:bodyPr anchorCtr="0" anchor="t" bIns="91425" lIns="91425" rIns="91425" tIns="91425">
+            <a:noAutofit/>
+          </a:bodyPr>
+          <a:lstStyle/>
+          <a:p>
+            <a:pPr lvl="0" rtl="0">
+              <a:spcBef>
+                <a:spcPts val="0"/>
+              </a:spcBef>
+              <a:buNone/>
+            </a:pPr>
+            <a:r>
+              <a:t/>
+            </a:r>
+            <a:endParaRPr/>
+          </a:p>
+        </p:txBody>
+      </p:sp>
+    </p:spTree>
+  </p:cSld>
+  <p:clrMapOvr>
+    <a:masterClrMapping/>
+  </p:clrMapOvr>
+</p:notes>
+</file>
+
+<file path=ppt/notesSlides/notesSlide14.xml><?xml version="1.0" encoding="utf-8"?>
+<p:notes xmlns:a="http://schemas.openxmlformats.org/drawingml/2006/main" xmlns:r="http://schemas.openxmlformats.org/officeDocument/2006/relationships" xmlns:mc="http://schemas.openxmlformats.org/markup-compatibility/2006" xmlns:mv="urn:schemas-microsoft-com:mac:vml" xmlns:p="http://schemas.openxmlformats.org/presentationml/2006/main" xmlns:c="http://schemas.openxmlformats.org/drawingml/2006/chart" xmlns:dgm="http://schemas.openxmlformats.org/drawingml/2006/diagram" xmlns:o="urn:schemas-microsoft-com:office:office" xmlns:v="urn:schemas-microsoft-com:vml" xmlns:pvml="urn:schemas-microsoft-com:office:powerpoint" xmlns:com="http://schemas.openxmlformats.org/drawingml/2006/compatibility" xmlns:p14="http://schemas.microsoft.com/office/powerpoint/2010/main" showMasterPhAnim="0" showMasterSp="0">
+  <p:cSld>
+    <p:spTree>
+      <p:nvGrpSpPr>
+        <p:cNvPr id="118" name="Shape 118"/>
+        <p:cNvGrpSpPr/>
+        <p:nvPr/>
+      </p:nvGrpSpPr>
+      <p:grpSpPr>
+        <a:xfrm>
+          <a:off x="0" y="0"/>
+          <a:ext cx="0" cy="0"/>
+          <a:chOff x="0" y="0"/>
+          <a:chExt cx="0" cy="0"/>
+        </a:xfrm>
+      </p:grpSpPr>
+      <p:sp>
+        <p:nvSpPr>
           <p:cNvPr id="119" name="Shape 119"/>
+          <p:cNvSpPr/>
+          <p:nvPr>
+            <p:ph idx="2" type="sldImg"/>
+          </p:nvPr>
+        </p:nvSpPr>
+        <p:spPr>
+          <a:xfrm>
+            <a:off x="381300" y="685800"/>
+            <a:ext cx="6096000" cy="3429000"/>
+          </a:xfrm>
+          <a:custGeom>
+            <a:pathLst>
+              <a:path extrusionOk="0" h="120000" w="120000">
+                <a:moveTo>
+                  <a:pt x="0" y="0"/>
+                </a:moveTo>
+                <a:lnTo>
+                  <a:pt x="120000" y="0"/>
+                </a:lnTo>
+                <a:lnTo>
+                  <a:pt x="120000" y="120000"/>
+                </a:lnTo>
+                <a:lnTo>
+                  <a:pt x="0" y="120000"/>
+                </a:lnTo>
+                <a:close/>
+              </a:path>
+            </a:pathLst>
+          </a:custGeom>
+        </p:spPr>
+      </p:sp>
+      <p:sp>
+        <p:nvSpPr>
+          <p:cNvPr id="120" name="Shape 120"/>
+          <p:cNvSpPr txBox="1"/>
+          <p:nvPr>
+            <p:ph idx="1" type="body"/>
+          </p:nvPr>
+        </p:nvSpPr>
+        <p:spPr>
+          <a:xfrm>
+            <a:off x="685800" y="4343400"/>
+            <a:ext cx="5486400" cy="4114800"/>
+          </a:xfrm>
+          <a:prstGeom prst="rect">
+            <a:avLst/>
+          </a:prstGeom>
+        </p:spPr>
+        <p:txBody>
+          <a:bodyPr anchorCtr="0" anchor="t" bIns="91425" lIns="91425" rIns="91425" tIns="91425">
+            <a:noAutofit/>
+          </a:bodyPr>
+          <a:lstStyle/>
+          <a:p>
+            <a:pPr lvl="0" rtl="0">
+              <a:spcBef>
+                <a:spcPts val="0"/>
+              </a:spcBef>
+              <a:buNone/>
+            </a:pPr>
+            <a:r>
+              <a:t/>
+            </a:r>
+            <a:endParaRPr/>
+          </a:p>
+        </p:txBody>
+      </p:sp>
+    </p:spTree>
+  </p:cSld>
+  <p:clrMapOvr>
+    <a:masterClrMapping/>
+  </p:clrMapOvr>
+</p:notes>
+</file>
+
+<file path=ppt/notesSlides/notesSlide15.xml><?xml version="1.0" encoding="utf-8"?>
+<p:notes xmlns:a="http://schemas.openxmlformats.org/drawingml/2006/main" xmlns:r="http://schemas.openxmlformats.org/officeDocument/2006/relationships" xmlns:mc="http://schemas.openxmlformats.org/markup-compatibility/2006" xmlns:mv="urn:schemas-microsoft-com:mac:vml" xmlns:p="http://schemas.openxmlformats.org/presentationml/2006/main" xmlns:c="http://schemas.openxmlformats.org/drawingml/2006/chart" xmlns:dgm="http://schemas.openxmlformats.org/drawingml/2006/diagram" xmlns:o="urn:schemas-microsoft-com:office:office" xmlns:v="urn:schemas-microsoft-com:vml" xmlns:pvml="urn:schemas-microsoft-com:office:powerpoint" xmlns:com="http://schemas.openxmlformats.org/drawingml/2006/compatibility" xmlns:p14="http://schemas.microsoft.com/office/powerpoint/2010/main" showMasterPhAnim="0" showMasterSp="0">
+  <p:cSld>
+    <p:spTree>
+      <p:nvGrpSpPr>
+        <p:cNvPr id="123" name="Shape 123"/>
+        <p:cNvGrpSpPr/>
+        <p:nvPr/>
+      </p:nvGrpSpPr>
+      <p:grpSpPr>
+        <a:xfrm>
+          <a:off x="0" y="0"/>
+          <a:ext cx="0" cy="0"/>
+          <a:chOff x="0" y="0"/>
+          <a:chExt cx="0" cy="0"/>
+        </a:xfrm>
+      </p:grpSpPr>
+      <p:sp>
+        <p:nvSpPr>
+          <p:cNvPr id="124" name="Shape 124"/>
+          <p:cNvSpPr/>
+          <p:nvPr>
+            <p:ph idx="2" type="sldImg"/>
+          </p:nvPr>
+        </p:nvSpPr>
+        <p:spPr>
+          <a:xfrm>
+            <a:off x="381300" y="685800"/>
+            <a:ext cx="6096000" cy="3429000"/>
+          </a:xfrm>
+          <a:custGeom>
+            <a:pathLst>
+              <a:path extrusionOk="0" h="120000" w="120000">
+                <a:moveTo>
+                  <a:pt x="0" y="0"/>
+                </a:moveTo>
+                <a:lnTo>
+                  <a:pt x="120000" y="0"/>
+                </a:lnTo>
+                <a:lnTo>
+                  <a:pt x="120000" y="120000"/>
+                </a:lnTo>
+                <a:lnTo>
+                  <a:pt x="0" y="120000"/>
+                </a:lnTo>
+                <a:close/>
+              </a:path>
+            </a:pathLst>
+          </a:custGeom>
+        </p:spPr>
+      </p:sp>
+      <p:sp>
+        <p:nvSpPr>
+          <p:cNvPr id="125" name="Shape 125"/>
           <p:cNvSpPr txBox="1"/>
           <p:nvPr>
             <p:ph idx="1" type="body"/>
@@ -1428,7 +1620,7 @@
   <p:cSld>
     <p:spTree>
       <p:nvGrpSpPr>
-        <p:cNvPr id="89" name="Shape 89"/>
+        <p:cNvPr id="88" name="Shape 88"/>
         <p:cNvGrpSpPr/>
         <p:nvPr/>
       </p:nvGrpSpPr>
@@ -1442,7 +1634,7 @@
       </p:grpSpPr>
       <p:sp>
         <p:nvSpPr>
-          <p:cNvPr id="90" name="Shape 90"/>
+          <p:cNvPr id="89" name="Shape 89"/>
           <p:cNvSpPr/>
           <p:nvPr>
             <p:ph idx="2" type="sldImg"/>
@@ -1476,7 +1668,7 @@
       </p:sp>
       <p:sp>
         <p:nvSpPr>
-          <p:cNvPr id="91" name="Shape 91"/>
+          <p:cNvPr id="90" name="Shape 90"/>
           <p:cNvSpPr txBox="1"/>
           <p:nvPr>
             <p:ph idx="1" type="body"/>
@@ -1523,7 +1715,7 @@
   <p:cSld>
     <p:spTree>
       <p:nvGrpSpPr>
-        <p:cNvPr id="95" name="Shape 95"/>
+        <p:cNvPr id="93" name="Shape 93"/>
         <p:cNvGrpSpPr/>
         <p:nvPr/>
       </p:nvGrpSpPr>
@@ -1537,7 +1729,7 @@
       </p:grpSpPr>
       <p:sp>
         <p:nvSpPr>
-          <p:cNvPr id="96" name="Shape 96"/>
+          <p:cNvPr id="94" name="Shape 94"/>
           <p:cNvSpPr/>
           <p:nvPr>
             <p:ph idx="2" type="sldImg"/>
@@ -1571,7 +1763,7 @@
       </p:sp>
       <p:sp>
         <p:nvSpPr>
-          <p:cNvPr id="97" name="Shape 97"/>
+          <p:cNvPr id="95" name="Shape 95"/>
           <p:cNvSpPr txBox="1"/>
           <p:nvPr>
             <p:ph idx="1" type="body"/>
@@ -4869,7 +5061,7 @@
   <p:cSld>
     <p:spTree>
       <p:nvGrpSpPr>
-        <p:cNvPr id="104" name="Shape 104"/>
+        <p:cNvPr id="101" name="Shape 101"/>
         <p:cNvGrpSpPr/>
         <p:nvPr/>
       </p:nvGrpSpPr>
@@ -4883,7 +5075,7 @@
       </p:grpSpPr>
       <p:graphicFrame>
         <p:nvGraphicFramePr>
-          <p:cNvPr id="105" name="Shape 105"/>
+          <p:cNvPr id="102" name="Shape 102"/>
           <p:cNvGraphicFramePr/>
           <p:nvPr/>
         </p:nvGraphicFramePr>
@@ -4896,51 +5088,51 @@
             <a:tbl>
               <a:tblPr>
                 <a:noFill/>
-                <a:tableStyleId>{FC9AC841-A61D-4312-9AED-BA9E0F85306A}</a:tableStyleId>
+                <a:tableStyleId>{B49D1780-A627-49F9-872E-C7C48A70C06E}</a:tableStyleId>
               </a:tblPr>
               <a:tblGrid>
                 <a:gridCol w="2672075"/>
                 <a:gridCol w="2672075"/>
-                <a:gridCol w="2672075"/>
+                <a:gridCol w="3810525"/>
               </a:tblGrid>
-              <a:tr h="893325">
-                <a:tc>
-                  <a:txBody>
-                    <a:bodyPr>
-                      <a:noAutofit/>
-                    </a:bodyPr>
-                    <a:lstStyle/>
-                    <a:p>
-                      <a:pPr lvl="0" rtl="0">
-                        <a:spcBef>
-                          <a:spcPts val="0"/>
-                        </a:spcBef>
-                        <a:buNone/>
-                      </a:pPr>
-                      <a:r>
-                        <a:rPr lang="en"/>
-                        <a:t>MCR: This means, that the audience cannot be only your dream!</a:t>
-                      </a:r>
-                    </a:p>
-                  </a:txBody>
-                  <a:tcPr marT="91425" marB="91425" marR="91425" marL="91425"/>
-                </a:tc>
-                <a:tc>
-                  <a:txBody>
-                    <a:bodyPr>
-                      <a:noAutofit/>
-                    </a:bodyPr>
-                    <a:lstStyle/>
-                    <a:p>
-                      <a:pPr lvl="0" rtl="0">
-                        <a:spcBef>
-                          <a:spcPts val="0"/>
-                        </a:spcBef>
-                        <a:buNone/>
-                      </a:pPr>
-                      <a:r>
-                        <a:rPr lang="en"/>
-                        <a:t>looks again at the audience, another face of a person from the audience appears on one of the screens</a:t>
+              <a:tr h="706425">
+                <a:tc>
+                  <a:txBody>
+                    <a:bodyPr>
+                      <a:noAutofit/>
+                    </a:bodyPr>
+                    <a:lstStyle/>
+                    <a:p>
+                      <a:pPr lvl="0" rtl="0">
+                        <a:spcBef>
+                          <a:spcPts val="0"/>
+                        </a:spcBef>
+                        <a:buNone/>
+                      </a:pPr>
+                      <a:r>
+                        <a:rPr lang="en"/>
+                        <a:t>After Dance ends the curtain closes again. </a:t>
+                      </a:r>
+                    </a:p>
+                  </a:txBody>
+                  <a:tcPr marT="91425" marB="91425" marR="91425" marL="91425"/>
+                </a:tc>
+                <a:tc>
+                  <a:txBody>
+                    <a:bodyPr>
+                      <a:noAutofit/>
+                    </a:bodyPr>
+                    <a:lstStyle/>
+                    <a:p>
+                      <a:pPr lvl="0" rtl="0">
+                        <a:spcBef>
+                          <a:spcPts val="0"/>
+                        </a:spcBef>
+                        <a:buNone/>
+                      </a:pPr>
+                      <a:r>
+                        <a:rPr lang="en"/>
+                        <a:t>All robots are put in position where they appear to be talking to each other before the curtain opens.</a:t>
                       </a:r>
                     </a:p>
                   </a:txBody>
@@ -4968,44 +5160,44 @@
                   <a:tcPr marT="91425" marB="91425" marR="91425" marL="91425"/>
                 </a:tc>
               </a:tr>
-              <a:tr h="371200">
-                <a:tc>
-                  <a:txBody>
-                    <a:bodyPr>
-                      <a:noAutofit/>
-                    </a:bodyPr>
-                    <a:lstStyle/>
-                    <a:p>
-                      <a:pPr lvl="0" rtl="0">
-                        <a:spcBef>
-                          <a:spcPts val="0"/>
-                        </a:spcBef>
-                        <a:buNone/>
-                      </a:pPr>
-                      <a:r>
-                        <a:rPr lang="en"/>
-                        <a:t>TWR: Why?</a:t>
-                      </a:r>
-                    </a:p>
-                  </a:txBody>
-                  <a:tcPr marT="91425" marB="91425" marR="91425" marL="91425"/>
-                </a:tc>
-                <a:tc>
-                  <a:txBody>
-                    <a:bodyPr>
-                      <a:noAutofit/>
-                    </a:bodyPr>
-                    <a:lstStyle/>
-                    <a:p>
-                      <a:pPr lvl="0" rtl="0">
-                        <a:spcBef>
-                          <a:spcPts val="0"/>
-                        </a:spcBef>
-                        <a:buNone/>
-                      </a:pPr>
-                      <a:r>
-                        <a:rPr lang="en"/>
-                        <a:t>TWR talks to MCR</a:t>
+              <a:tr h="557600">
+                <a:tc>
+                  <a:txBody>
+                    <a:bodyPr>
+                      <a:noAutofit/>
+                    </a:bodyPr>
+                    <a:lstStyle/>
+                    <a:p>
+                      <a:pPr lvl="0" rtl="0">
+                        <a:spcBef>
+                          <a:spcPts val="0"/>
+                        </a:spcBef>
+                        <a:buNone/>
+                      </a:pPr>
+                      <a:r>
+                        <a:rPr lang="en"/>
+                        <a:t>BSR: That was amazing!  That is exactly the act I need to be back on top!</a:t>
+                      </a:r>
+                    </a:p>
+                  </a:txBody>
+                  <a:tcPr marT="91425" marB="91425" marR="91425" marL="91425"/>
+                </a:tc>
+                <a:tc>
+                  <a:txBody>
+                    <a:bodyPr>
+                      <a:noAutofit/>
+                    </a:bodyPr>
+                    <a:lstStyle/>
+                    <a:p>
+                      <a:pPr lvl="0" rtl="0">
+                        <a:spcBef>
+                          <a:spcPts val="0"/>
+                        </a:spcBef>
+                        <a:buNone/>
+                      </a:pPr>
+                      <a:r>
+                        <a:rPr lang="en"/>
+                        <a:t>BSR waves arms excitedly </a:t>
                       </a:r>
                     </a:p>
                   </a:txBody>
@@ -5033,57 +5225,24 @@
                   <a:tcPr marT="91425" marB="91425" marR="91425" marL="91425"/>
                 </a:tc>
               </a:tr>
-              <a:tr h="1076675">
-                <a:tc>
-                  <a:txBody>
-                    <a:bodyPr>
-                      <a:noAutofit/>
-                    </a:bodyPr>
-                    <a:lstStyle/>
-                    <a:p>
-                      <a:pPr lvl="0">
-                        <a:spcBef>
-                          <a:spcPts val="0"/>
-                        </a:spcBef>
-                        <a:buNone/>
-                      </a:pPr>
-                      <a:r>
-                        <a:rPr lang="en"/>
-                        <a:t>MCR: </a:t>
-                      </a:r>
-                      <a:r>
-                        <a:rPr lang="en"/>
-                        <a:t>Because if I see the audience too, it means that we are sharing a dream!</a:t>
-                      </a:r>
-                    </a:p>
-                    <a:p>
-                      <a:pPr lvl="0">
-                        <a:spcBef>
-                          <a:spcPts val="0"/>
-                        </a:spcBef>
-                        <a:buClr>
-                          <a:schemeClr val="dk1"/>
-                        </a:buClr>
-                        <a:buSzPct val="78571"/>
-                        <a:buFont typeface="Arial"/>
-                        <a:buNone/>
-                      </a:pPr>
-                      <a:r>
-                        <a:t/>
-                      </a:r>
-                      <a:endParaRPr/>
-                    </a:p>
-                    <a:p>
-                      <a:pPr lvl="0" rtl="0">
-                        <a:spcBef>
-                          <a:spcPts val="0"/>
-                        </a:spcBef>
-                        <a:buNone/>
-                      </a:pPr>
-                      <a:r>
-                        <a:t/>
-                      </a:r>
-                      <a:endParaRPr/>
+              <a:tr h="761175">
+                <a:tc>
+                  <a:txBody>
+                    <a:bodyPr>
+                      <a:noAutofit/>
+                    </a:bodyPr>
+                    <a:lstStyle/>
+                    <a:p>
+                      <a:pPr lvl="0" rtl="0">
+                        <a:spcBef>
+                          <a:spcPts val="0"/>
+                        </a:spcBef>
+                        <a:buNone/>
+                      </a:pPr>
+                      <a:r>
+                        <a:rPr lang="en"/>
+                        <a:t>BSR: Will you two join me?  We can tour all over the world!  People will love us!</a:t>
+                      </a:r>
                     </a:p>
                   </a:txBody>
                   <a:tcPr marT="91425" marB="91425" marR="91425" marL="91425"/>
@@ -5120,7 +5279,7 @@
                     </a:bodyPr>
                     <a:lstStyle/>
                     <a:p>
-                      <a:pPr lvl="0" rtl="0">
+                      <a:pPr lvl="0">
                         <a:spcBef>
                           <a:spcPts val="0"/>
                         </a:spcBef>
@@ -5135,33 +5294,28 @@
                   <a:tcPr marT="91425" marB="91425" marR="91425" marL="91425"/>
                 </a:tc>
               </a:tr>
-            </a:tbl>
-          </a:graphicData>
-        </a:graphic>
-      </p:graphicFrame>
-      <p:graphicFrame>
-        <p:nvGraphicFramePr>
-          <p:cNvPr id="106" name="Shape 106"/>
-          <p:cNvGraphicFramePr/>
-          <p:nvPr/>
-        </p:nvGraphicFramePr>
-        <p:xfrm>
-          <a:off x="3825" y="2644050"/>
-          <a:ext cx="3000000" cy="3000000"/>
-        </p:xfrm>
-        <a:graphic>
-          <a:graphicData uri="http://schemas.openxmlformats.org/drawingml/2006/table">
-            <a:tbl>
-              <a:tblPr>
-                <a:noFill/>
-                <a:tableStyleId>{FC9AC841-A61D-4312-9AED-BA9E0F85306A}</a:tableStyleId>
-              </a:tblPr>
-              <a:tblGrid>
-                <a:gridCol w="2669525"/>
-                <a:gridCol w="2669525"/>
-                <a:gridCol w="2669525"/>
-              </a:tblGrid>
-              <a:tr h="1364850">
+              <a:tr h="1047850">
+                <a:tc>
+                  <a:txBody>
+                    <a:bodyPr>
+                      <a:noAutofit/>
+                    </a:bodyPr>
+                    <a:lstStyle/>
+                    <a:p>
+                      <a:pPr lvl="0" rtl="0">
+                        <a:spcBef>
+                          <a:spcPts val="0"/>
+                        </a:spcBef>
+                        <a:buNone/>
+                      </a:pPr>
+                      <a:r>
+                        <a:rPr lang="en"/>
+                        <a:t>Mark:  What do you think brian?</a:t>
+                      </a:r>
+                    </a:p>
+                  </a:txBody>
+                  <a:tcPr marT="91425" marB="91425" marR="91425" marL="91425"/>
+                </a:tc>
                 <a:tc>
                   <a:txBody>
                     <a:bodyPr>
@@ -5173,32 +5327,15 @@
                         <a:spcBef>
                           <a:spcPts val="0"/>
                         </a:spcBef>
-                        <a:buClr>
-                          <a:schemeClr val="dk1"/>
-                        </a:buClr>
-                        <a:buSzPct val="78571"/>
-                        <a:buFont typeface="Arial"/>
-                        <a:buNone/>
-                      </a:pPr>
-                      <a:r>
-                        <a:rPr lang="en"/>
-                        <a:t>TWR: Well, yes. This is reasonable. From the fact that you see this</a:t>
-                      </a:r>
-                      <a:r>
-                        <a:rPr lang="en">
-                          <a:solidFill>
-                            <a:srgbClr val="FF0000"/>
-                          </a:solidFill>
-                        </a:rPr>
-                        <a:t> *Action starts here*</a:t>
-                      </a:r>
-                      <a:r>
-                        <a:rPr lang="en"/>
-                        <a:t> it follows that in some measure my dream belongs also to you. </a:t>
-                      </a:r>
-                    </a:p>
-                    <a:p>
-                      <a:pPr lvl="0" rtl="0">
+                        <a:buNone/>
+                      </a:pPr>
+                      <a:r>
+                        <a:rPr lang="en"/>
+                        <a:t>Turns towards Brian</a:t>
+                      </a:r>
+                    </a:p>
+                    <a:p>
+                      <a:pPr lvl="0">
                         <a:spcBef>
                           <a:spcPts val="0"/>
                         </a:spcBef>
@@ -5209,29 +5346,16 @@
                       </a:r>
                       <a:endParaRPr/>
                     </a:p>
-                  </a:txBody>
-                  <a:tcPr marT="91425" marB="91425" marR="91425" marL="91425"/>
-                </a:tc>
-                <a:tc>
-                  <a:txBody>
-                    <a:bodyPr>
-                      <a:noAutofit/>
-                    </a:bodyPr>
-                    <a:lstStyle/>
-                    <a:p>
-                      <a:pPr lvl="0" rtl="0">
-                        <a:spcBef>
-                          <a:spcPts val="0"/>
-                        </a:spcBef>
-                        <a:buNone/>
-                      </a:pPr>
-                      <a:r>
-                        <a:rPr lang="en">
-                          <a:solidFill>
-                            <a:schemeClr val="dk1"/>
-                          </a:solidFill>
-                        </a:rPr>
-                        <a:t>TWR points to the audience</a:t>
+                    <a:p>
+                      <a:pPr lvl="0" rtl="0">
+                        <a:spcBef>
+                          <a:spcPts val="0"/>
+                        </a:spcBef>
+                        <a:buNone/>
+                      </a:pPr>
+                      <a:r>
+                        <a:rPr lang="en"/>
+                        <a:t>Brian is still dancing and posing.</a:t>
                       </a:r>
                     </a:p>
                   </a:txBody>
@@ -5259,28 +5383,7 @@
                   <a:tcPr marT="91425" marB="91425" marR="91425" marL="91425"/>
                 </a:tc>
               </a:tr>
-              <a:tr h="1485925">
-                <a:tc>
-                  <a:txBody>
-                    <a:bodyPr>
-                      <a:noAutofit/>
-                    </a:bodyPr>
-                    <a:lstStyle/>
-                    <a:p>
-                      <a:pPr lvl="0" rtl="0">
-                        <a:spcBef>
-                          <a:spcPts val="0"/>
-                        </a:spcBef>
-                        <a:buNone/>
-                      </a:pPr>
-                      <a:r>
-                        <a:rPr lang="en"/>
-                        <a:t>MCR: I understand! The humans in the audience are part of a common dream we are having! </a:t>
-                      </a:r>
-                    </a:p>
-                  </a:txBody>
-                  <a:tcPr marT="91425" marB="91425" marR="91425" marL="91425"/>
-                </a:tc>
+              <a:tr h="483875">
                 <a:tc>
                   <a:txBody>
                     <a:bodyPr>
@@ -5295,16 +5398,12 @@
                         <a:buNone/>
                       </a:pPr>
                       <a:r>
-                        <a:rPr lang="en">
-                          <a:solidFill>
-                            <a:schemeClr val="dk1"/>
-                          </a:solidFill>
-                        </a:rPr>
-                        <a:t>MCR comes to front, executes joyful motions,  talks to the audience</a:t>
-                      </a:r>
-                    </a:p>
-                    <a:p>
-                      <a:pPr lvl="0" rtl="0">
+                        <a:rPr lang="en"/>
+                        <a:t>Brian:  Huh? …</a:t>
+                      </a:r>
+                    </a:p>
+                    <a:p>
+                      <a:pPr lvl="0">
                         <a:spcBef>
                           <a:spcPts val="0"/>
                         </a:spcBef>
@@ -5313,11 +5412,113 @@
                       <a:r>
                         <a:t/>
                       </a:r>
-                      <a:endParaRPr>
-                        <a:solidFill>
-                          <a:schemeClr val="dk1"/>
-                        </a:solidFill>
-                      </a:endParaRPr>
+                      <a:endParaRPr/>
+                    </a:p>
+                    <a:p>
+                      <a:pPr lvl="0" rtl="0">
+                        <a:spcBef>
+                          <a:spcPts val="0"/>
+                        </a:spcBef>
+                        <a:buNone/>
+                      </a:pPr>
+                      <a:r>
+                        <a:t/>
+                      </a:r>
+                      <a:endParaRPr/>
+                    </a:p>
+                  </a:txBody>
+                  <a:tcPr marT="91425" marB="91425" marR="91425" marL="91425"/>
+                </a:tc>
+                <a:tc>
+                  <a:txBody>
+                    <a:bodyPr>
+                      <a:noAutofit/>
+                    </a:bodyPr>
+                    <a:lstStyle/>
+                    <a:p>
+                      <a:pPr lvl="0" rtl="0">
+                        <a:spcBef>
+                          <a:spcPts val="0"/>
+                        </a:spcBef>
+                        <a:buNone/>
+                      </a:pPr>
+                      <a:r>
+                        <a:rPr lang="en"/>
+                        <a:t>Stops dancing mid pose and turns head towards Mark</a:t>
+                      </a:r>
+                    </a:p>
+                  </a:txBody>
+                  <a:tcPr marT="91425" marB="91425" marR="91425" marL="91425"/>
+                </a:tc>
+                <a:tc>
+                  <a:txBody>
+                    <a:bodyPr>
+                      <a:noAutofit/>
+                    </a:bodyPr>
+                    <a:lstStyle/>
+                    <a:p>
+                      <a:pPr lvl="0">
+                        <a:spcBef>
+                          <a:spcPts val="0"/>
+                        </a:spcBef>
+                        <a:buNone/>
+                      </a:pPr>
+                      <a:r>
+                        <a:t/>
+                      </a:r>
+                      <a:endParaRPr/>
+                    </a:p>
+                  </a:txBody>
+                  <a:tcPr marT="91425" marB="91425" marR="91425" marL="91425"/>
+                </a:tc>
+              </a:tr>
+              <a:tr h="343475">
+                <a:tc>
+                  <a:txBody>
+                    <a:bodyPr>
+                      <a:noAutofit/>
+                    </a:bodyPr>
+                    <a:lstStyle/>
+                    <a:p>
+                      <a:pPr lvl="0" rtl="0">
+                        <a:spcBef>
+                          <a:spcPts val="0"/>
+                        </a:spcBef>
+                        <a:buNone/>
+                      </a:pPr>
+                      <a:r>
+                        <a:rPr lang="en"/>
+                        <a:t>Mark: I’ll take that as a “yes”</a:t>
+                      </a:r>
+                    </a:p>
+                  </a:txBody>
+                  <a:tcPr marT="91425" marB="91425" marR="91425" marL="91425"/>
+                </a:tc>
+                <a:tc>
+                  <a:txBody>
+                    <a:bodyPr>
+                      <a:noAutofit/>
+                    </a:bodyPr>
+                    <a:lstStyle/>
+                    <a:p>
+                      <a:pPr lvl="0" rtl="0">
+                        <a:spcBef>
+                          <a:spcPts val="0"/>
+                        </a:spcBef>
+                        <a:buNone/>
+                      </a:pPr>
+                      <a:r>
+                        <a:rPr lang="en"/>
+                        <a:t>Brian nods in </a:t>
+                      </a:r>
+                      <a:r>
+                        <a:rPr lang="en"/>
+                        <a:t>agreement</a:t>
+                      </a:r>
+                      <a:r>
+                        <a:rPr lang="en"/>
+                        <a:t> excitedly</a:t>
+                      </a:r>
                     </a:p>
                   </a:txBody>
                   <a:tcPr marT="91425" marB="91425" marR="91425" marL="91425"/>
@@ -5361,7 +5562,7 @@
   <p:cSld>
     <p:spTree>
       <p:nvGrpSpPr>
-        <p:cNvPr id="110" name="Shape 110"/>
+        <p:cNvPr id="106" name="Shape 106"/>
         <p:cNvGrpSpPr/>
         <p:nvPr/>
       </p:nvGrpSpPr>
@@ -5375,7 +5576,7 @@
       </p:grpSpPr>
       <p:graphicFrame>
         <p:nvGraphicFramePr>
-          <p:cNvPr id="111" name="Shape 111"/>
+          <p:cNvPr id="107" name="Shape 107"/>
           <p:cNvGraphicFramePr/>
           <p:nvPr/>
         </p:nvGraphicFramePr>
@@ -5388,95 +5589,209 @@
             <a:tbl>
               <a:tblPr>
                 <a:noFill/>
-                <a:tableStyleId>{FC9AC841-A61D-4312-9AED-BA9E0F85306A}</a:tableStyleId>
+                <a:tableStyleId>{B49D1780-A627-49F9-872E-C7C48A70C06E}</a:tableStyleId>
               </a:tblPr>
               <a:tblGrid>
-                <a:gridCol w="2681850"/>
-                <a:gridCol w="2681850"/>
-                <a:gridCol w="2681850"/>
+                <a:gridCol w="2672075"/>
+                <a:gridCol w="2672075"/>
+                <a:gridCol w="3802350"/>
               </a:tblGrid>
-              <a:tr h="381000">
-                <a:tc>
-                  <a:txBody>
-                    <a:bodyPr>
-                      <a:noAutofit/>
-                    </a:bodyPr>
-                    <a:lstStyle/>
-                    <a:p>
-                      <a:pPr lvl="0" rtl="0">
-                        <a:spcBef>
-                          <a:spcPts val="0"/>
-                        </a:spcBef>
-                        <a:buNone/>
-                      </a:pPr>
-                      <a:r>
-                        <a:rPr lang="en"/>
-                        <a:t>TWR: Certainly! </a:t>
-                      </a:r>
+              <a:tr h="893325">
+                <a:tc>
+                  <a:txBody>
+                    <a:bodyPr>
+                      <a:noAutofit/>
+                    </a:bodyPr>
+                    <a:lstStyle/>
+                    <a:p>
+                      <a:pPr lvl="0" rtl="0">
+                        <a:spcBef>
+                          <a:spcPts val="0"/>
+                        </a:spcBef>
+                        <a:buNone/>
+                      </a:pPr>
+                      <a:r>
+                        <a:rPr lang="en"/>
+                        <a:t>BSR: YAY! No one will call BSR washed up ever again!  You guys are going to be famous! … Not as famous as me, but still!</a:t>
+                      </a:r>
+                    </a:p>
+                  </a:txBody>
+                  <a:tcPr marT="91425" marB="91425" marR="91425" marL="91425"/>
+                </a:tc>
+                <a:tc>
+                  <a:txBody>
+                    <a:bodyPr>
+                      <a:noAutofit/>
+                    </a:bodyPr>
+                    <a:lstStyle/>
+                    <a:p>
+                      <a:pPr lvl="0">
+                        <a:spcBef>
+                          <a:spcPts val="0"/>
+                        </a:spcBef>
+                        <a:buNone/>
+                      </a:pPr>
+                      <a:r>
+                        <a:rPr lang="en"/>
+                        <a:t>lBSR throws hands in the air in excitement</a:t>
+                      </a:r>
+                    </a:p>
+                    <a:p>
+                      <a:pPr lvl="0" rtl="0">
+                        <a:spcBef>
+                          <a:spcPts val="0"/>
+                        </a:spcBef>
+                        <a:buNone/>
+                      </a:pPr>
+                      <a:r>
+                        <a:rPr lang="en"/>
+                        <a:t>Then put hands on hips.</a:t>
+                      </a:r>
+                    </a:p>
+                  </a:txBody>
+                  <a:tcPr marT="91425" marB="91425" marR="91425" marL="91425"/>
+                </a:tc>
+                <a:tc>
+                  <a:txBody>
+                    <a:bodyPr>
+                      <a:noAutofit/>
+                    </a:bodyPr>
+                    <a:lstStyle/>
+                    <a:p>
+                      <a:pPr lvl="0">
+                        <a:spcBef>
+                          <a:spcPts val="0"/>
+                        </a:spcBef>
+                        <a:buNone/>
+                      </a:pPr>
+                      <a:r>
+                        <a:t/>
+                      </a:r>
+                      <a:endParaRPr/>
+                    </a:p>
+                  </a:txBody>
+                  <a:tcPr marT="91425" marB="91425" marR="91425" marL="91425"/>
+                </a:tc>
+              </a:tr>
+              <a:tr h="371200">
+                <a:tc>
+                  <a:txBody>
+                    <a:bodyPr>
+                      <a:noAutofit/>
+                    </a:bodyPr>
+                    <a:lstStyle/>
+                    <a:p>
+                      <a:pPr lvl="0" rtl="0">
+                        <a:spcBef>
+                          <a:spcPts val="0"/>
+                        </a:spcBef>
+                        <a:buNone/>
+                      </a:pPr>
+                      <a:r>
+                        <a:t/>
+                      </a:r>
+                      <a:endParaRPr/>
+                    </a:p>
+                  </a:txBody>
+                  <a:tcPr marT="91425" marB="91425" marR="91425" marL="91425"/>
+                </a:tc>
+                <a:tc>
+                  <a:txBody>
+                    <a:bodyPr>
+                      <a:noAutofit/>
+                    </a:bodyPr>
+                    <a:lstStyle/>
+                    <a:p>
+                      <a:pPr lvl="0" rtl="0">
+                        <a:spcBef>
+                          <a:spcPts val="0"/>
+                        </a:spcBef>
+                        <a:buNone/>
+                      </a:pPr>
+                      <a:r>
+                        <a:rPr lang="en"/>
+                        <a:t>Brian and Mark look at each other then shrug </a:t>
+                      </a:r>
+                    </a:p>
+                  </a:txBody>
+                  <a:tcPr marT="91425" marB="91425" marR="91425" marL="91425"/>
+                </a:tc>
+                <a:tc>
+                  <a:txBody>
+                    <a:bodyPr>
+                      <a:noAutofit/>
+                    </a:bodyPr>
+                    <a:lstStyle/>
+                    <a:p>
+                      <a:pPr lvl="0">
+                        <a:spcBef>
+                          <a:spcPts val="0"/>
+                        </a:spcBef>
+                        <a:buNone/>
+                      </a:pPr>
+                      <a:r>
+                        <a:t/>
+                      </a:r>
+                      <a:endParaRPr/>
+                    </a:p>
+                  </a:txBody>
+                  <a:tcPr marT="91425" marB="91425" marR="91425" marL="91425"/>
+                </a:tc>
+              </a:tr>
+              <a:tr h="1076675">
+                <a:tc>
+                  <a:txBody>
+                    <a:bodyPr>
+                      <a:noAutofit/>
+                    </a:bodyPr>
+                    <a:lstStyle/>
+                    <a:p>
+                      <a:pPr lvl="0" rtl="0">
+                        <a:spcBef>
+                          <a:spcPts val="0"/>
+                        </a:spcBef>
+                        <a:buNone/>
+                      </a:pPr>
+                      <a:r>
+                        <a:rPr lang="en"/>
+                        <a:t>Mark: (to </a:t>
+                      </a:r>
+                      <a:r>
+                        <a:rPr lang="en"/>
+                        <a:t>audience</a:t>
+                      </a:r>
+                      <a:r>
+                        <a:rPr lang="en"/>
+                        <a:t>)  My friends,  what did you think of our performance?  Show us your green paddle if you liked it or the red one if you </a:t>
+                      </a:r>
+                      <a:r>
+                        <a:rPr lang="en"/>
+                        <a:t>didn't</a:t>
+                      </a:r>
+                    </a:p>
+                  </a:txBody>
+                  <a:tcPr marT="91425" marB="91425" marR="91425" marL="91425"/>
+                </a:tc>
+                <a:tc>
+                  <a:txBody>
+                    <a:bodyPr>
+                      <a:noAutofit/>
+                    </a:bodyPr>
+                    <a:lstStyle/>
+                    <a:p>
+                      <a:pPr lvl="0" rtl="0">
+                        <a:spcBef>
+                          <a:spcPts val="0"/>
+                        </a:spcBef>
+                        <a:buNone/>
+                      </a:pPr>
                       <a:r>
                         <a:rPr lang="en">
                           <a:solidFill>
                             <a:srgbClr val="FF0000"/>
                           </a:solidFill>
                         </a:rPr>
-                        <a:t>(1)</a:t>
-                      </a:r>
-                      <a:r>
-                        <a:rPr lang="en"/>
-                        <a:t> I know! Now I know! </a:t>
-                      </a:r>
-                      <a:r>
-                        <a:rPr lang="en">
-                          <a:solidFill>
-                            <a:srgbClr val="FF0000"/>
-                          </a:solidFill>
-                        </a:rPr>
-                        <a:t>(2)</a:t>
-                      </a:r>
-                      <a:r>
-                        <a:rPr lang="en"/>
-                        <a:t> What is your name?</a:t>
-                      </a:r>
-                    </a:p>
-                  </a:txBody>
-                  <a:tcPr marT="91425" marB="91425" marR="91425" marL="91425"/>
-                </a:tc>
-                <a:tc>
-                  <a:txBody>
-                    <a:bodyPr>
-                      <a:noAutofit/>
-                    </a:bodyPr>
-                    <a:lstStyle/>
-                    <a:p>
-                      <a:pPr lvl="0" rtl="0">
-                        <a:spcBef>
-                          <a:spcPts val="0"/>
-                        </a:spcBef>
-                        <a:buNone/>
-                      </a:pPr>
-                      <a:r>
-                        <a:rPr lang="en">
-                          <a:solidFill>
-                            <a:schemeClr val="dk1"/>
-                          </a:solidFill>
-                        </a:rPr>
-                        <a:t>1) TRW Bangs head</a:t>
-                      </a:r>
-                    </a:p>
-                    <a:p>
-                      <a:pPr lvl="0" rtl="0">
-                        <a:spcBef>
-                          <a:spcPts val="0"/>
-                        </a:spcBef>
-                        <a:buNone/>
-                      </a:pPr>
-                      <a:r>
-                        <a:rPr lang="en">
-                          <a:solidFill>
-                            <a:schemeClr val="dk1"/>
-                          </a:solidFill>
-                        </a:rPr>
-                        <a:t>2) TRW turns to MCR</a:t>
+                        <a:t>Waits for audience to hold up paddles.  Camera determines if there is more red or green</a:t>
                       </a:r>
                     </a:p>
                   </a:txBody>
@@ -5496,63 +5811,10 @@
                         <a:buNone/>
                       </a:pPr>
                       <a:r>
-                        <a:t/>
-                      </a:r>
-                      <a:endParaRPr/>
-                    </a:p>
-                  </a:txBody>
-                  <a:tcPr marT="91425" marB="91425" marR="91425" marL="91425"/>
-                </a:tc>
-              </a:tr>
-              <a:tr h="381000">
-                <a:tc>
-                  <a:txBody>
-                    <a:bodyPr>
-                      <a:noAutofit/>
-                    </a:bodyPr>
-                    <a:lstStyle/>
-                    <a:p>
-                      <a:pPr lvl="0" rtl="0">
-                        <a:spcBef>
-                          <a:spcPts val="0"/>
-                        </a:spcBef>
-                        <a:buNone/>
-                      </a:pPr>
-                      <a:r>
-                        <a:rPr lang="en"/>
-                        <a:t>MCR: Em-cee-ar.</a:t>
-                      </a:r>
-                    </a:p>
-                  </a:txBody>
-                  <a:tcPr marT="91425" marB="91425" marR="91425" marL="91425"/>
-                </a:tc>
-                <a:tc>
-                  <a:txBody>
-                    <a:bodyPr>
-                      <a:noAutofit/>
-                    </a:bodyPr>
-                    <a:lstStyle/>
-                    <a:p>
-                      <a:pPr lvl="0" rtl="0">
-                        <a:spcBef>
-                          <a:spcPts val="0"/>
-                        </a:spcBef>
-                        <a:buNone/>
-                      </a:pPr>
-                      <a:r>
-                        <a:t/>
-                      </a:r>
-                      <a:endParaRPr/>
-                    </a:p>
-                  </a:txBody>
-                  <a:tcPr marT="91425" marB="91425" marR="91425" marL="91425"/>
-                </a:tc>
-                <a:tc>
-                  <a:txBody>
-                    <a:bodyPr>
-                      <a:noAutofit/>
-                    </a:bodyPr>
-                    <a:lstStyle/>
+                        <a:rPr lang="en"/>
+                        <a:t>If more green than red:</a:t>
+                      </a:r>
+                    </a:p>
                     <a:p>
                       <a:pPr lvl="0">
                         <a:spcBef>
@@ -5561,70 +5823,10 @@
                         <a:buNone/>
                       </a:pPr>
                       <a:r>
-                        <a:t/>
-                      </a:r>
-                      <a:endParaRPr/>
-                    </a:p>
-                  </a:txBody>
-                  <a:tcPr marT="91425" marB="91425" marR="91425" marL="91425"/>
-                </a:tc>
-              </a:tr>
-              <a:tr h="381000">
-                <a:tc>
-                  <a:txBody>
-                    <a:bodyPr>
-                      <a:noAutofit/>
-                    </a:bodyPr>
-                    <a:lstStyle/>
-                    <a:p>
-                      <a:pPr lvl="0" rtl="0">
-                        <a:spcBef>
-                          <a:spcPts val="0"/>
-                        </a:spcBef>
-                        <a:buNone/>
-                      </a:pPr>
-                      <a:r>
-                        <a:rPr lang="en"/>
-                        <a:t>TWR:</a:t>
-                      </a:r>
-                      <a:br>
-                        <a:rPr lang="en"/>
-                      </a:br>
-                      <a:r>
-                        <a:rPr lang="en"/>
-                        <a:t>I beg your pardon?</a:t>
-                      </a:r>
-                    </a:p>
-                  </a:txBody>
-                  <a:tcPr marT="91425" marB="91425" marR="91425" marL="91425"/>
-                </a:tc>
-                <a:tc>
-                  <a:txBody>
-                    <a:bodyPr>
-                      <a:noAutofit/>
-                    </a:bodyPr>
-                    <a:lstStyle/>
-                    <a:p>
-                      <a:pPr lvl="0" rtl="0">
-                        <a:spcBef>
-                          <a:spcPts val="0"/>
-                        </a:spcBef>
-                        <a:buNone/>
-                      </a:pPr>
-                      <a:r>
-                        <a:rPr lang="en"/>
-                        <a:t>TWR seems to not understand, “scratches” head</a:t>
-                      </a:r>
-                    </a:p>
-                  </a:txBody>
-                  <a:tcPr marT="91425" marB="91425" marR="91425" marL="91425"/>
-                </a:tc>
-                <a:tc>
-                  <a:txBody>
-                    <a:bodyPr>
-                      <a:noAutofit/>
-                    </a:bodyPr>
-                    <a:lstStyle/>
+                        <a:rPr lang="en"/>
+                        <a:t>Go to scene 4A</a:t>
+                      </a:r>
+                    </a:p>
                     <a:p>
                       <a:pPr lvl="0">
                         <a:spcBef>
@@ -5633,260 +5835,20 @@
                         <a:buNone/>
                       </a:pPr>
                       <a:r>
-                        <a:t/>
-                      </a:r>
-                      <a:endParaRPr/>
-                    </a:p>
-                  </a:txBody>
-                  <a:tcPr marT="91425" marB="91425" marR="91425" marL="91425"/>
-                </a:tc>
-              </a:tr>
-              <a:tr h="381000">
-                <a:tc>
-                  <a:txBody>
-                    <a:bodyPr>
-                      <a:noAutofit/>
-                    </a:bodyPr>
-                    <a:lstStyle/>
-                    <a:p>
-                      <a:pPr lvl="0" rtl="0">
-                        <a:spcBef>
-                          <a:spcPts val="0"/>
-                        </a:spcBef>
-                        <a:buNone/>
-                      </a:pPr>
-                      <a:r>
-                        <a:rPr lang="en"/>
-                        <a:t>MCR: This  is just short abbreviation. </a:t>
-                      </a:r>
-                    </a:p>
-                  </a:txBody>
-                  <a:tcPr marT="91425" marB="91425" marR="91425" marL="91425"/>
-                </a:tc>
-                <a:tc>
-                  <a:txBody>
-                    <a:bodyPr>
-                      <a:noAutofit/>
-                    </a:bodyPr>
-                    <a:lstStyle/>
-                    <a:p>
-                      <a:pPr lvl="0" rtl="0">
-                        <a:spcBef>
-                          <a:spcPts val="0"/>
-                        </a:spcBef>
-                        <a:buClr>
-                          <a:schemeClr val="dk1"/>
-                        </a:buClr>
-                        <a:buSzPct val="78571"/>
-                        <a:buFont typeface="Arial"/>
-                        <a:buNone/>
-                      </a:pPr>
-                      <a:r>
-                        <a:rPr lang="en">
-                          <a:solidFill>
-                            <a:schemeClr val="dk1"/>
-                          </a:solidFill>
-                        </a:rPr>
-                        <a:t>MCR walks to the front and talks to the audience</a:t>
-                      </a:r>
-                    </a:p>
-                  </a:txBody>
-                  <a:tcPr marT="91425" marB="91425" marR="91425" marL="91425"/>
-                </a:tc>
-                <a:tc>
-                  <a:txBody>
-                    <a:bodyPr>
-                      <a:noAutofit/>
-                    </a:bodyPr>
-                    <a:lstStyle/>
-                    <a:p>
-                      <a:pPr lvl="0">
-                        <a:spcBef>
-                          <a:spcPts val="0"/>
-                        </a:spcBef>
-                        <a:buNone/>
-                      </a:pPr>
-                      <a:r>
-                        <a:t/>
-                      </a:r>
-                      <a:endParaRPr/>
-                    </a:p>
-                  </a:txBody>
-                  <a:tcPr marT="91425" marB="91425" marR="91425" marL="91425"/>
-                </a:tc>
-              </a:tr>
-              <a:tr h="381000">
-                <a:tc>
-                  <a:txBody>
-                    <a:bodyPr>
-                      <a:noAutofit/>
-                    </a:bodyPr>
-                    <a:lstStyle/>
-                    <a:p>
-                      <a:pPr lvl="0" rtl="0">
-                        <a:spcBef>
-                          <a:spcPts val="0"/>
-                        </a:spcBef>
-                        <a:buNone/>
-                      </a:pPr>
-                      <a:r>
-                        <a:rPr lang="en"/>
-                        <a:t>MCR: </a:t>
-                      </a:r>
-                      <a:r>
-                        <a:rPr lang="en">
-                          <a:solidFill>
-                            <a:schemeClr val="dk1"/>
-                          </a:solidFill>
-                        </a:rPr>
-                        <a:t>I am a Music Composing Robot. In short, M-C-R. </a:t>
-                      </a:r>
-                      <a:r>
-                        <a:rPr lang="en">
-                          <a:solidFill>
-                            <a:srgbClr val="FF0000"/>
-                          </a:solidFill>
-                        </a:rPr>
-                        <a:t>*</a:t>
-                      </a:r>
-                      <a:r>
-                        <a:rPr lang="en">
-                          <a:solidFill>
-                            <a:schemeClr val="dk1"/>
-                          </a:solidFill>
-                        </a:rPr>
-                        <a:t> Where are we?</a:t>
-                      </a:r>
-                    </a:p>
-                  </a:txBody>
-                  <a:tcPr marT="91425" marB="91425" marR="91425" marL="91425"/>
-                </a:tc>
-                <a:tc>
-                  <a:txBody>
-                    <a:bodyPr>
-                      <a:noAutofit/>
-                    </a:bodyPr>
-                    <a:lstStyle/>
-                    <a:p>
-                      <a:pPr lvl="0">
-                        <a:spcBef>
-                          <a:spcPts val="0"/>
-                        </a:spcBef>
-                        <a:buNone/>
-                      </a:pPr>
-                      <a:r>
-                        <a:rPr lang="en">
-                          <a:solidFill>
-                            <a:srgbClr val="FF0000"/>
-                          </a:solidFill>
-                        </a:rPr>
-                        <a:t>MCR looks around the stage</a:t>
-                      </a:r>
-                    </a:p>
-                    <a:p>
-                      <a:pPr lvl="0" rtl="0">
-                        <a:spcBef>
-                          <a:spcPts val="0"/>
-                        </a:spcBef>
-                        <a:buNone/>
-                      </a:pPr>
-                      <a:r>
-                        <a:t/>
-                      </a:r>
-                      <a:endParaRPr>
-                        <a:solidFill>
-                          <a:srgbClr val="FF0000"/>
-                        </a:solidFill>
-                      </a:endParaRPr>
-                    </a:p>
-                  </a:txBody>
-                  <a:tcPr marT="91425" marB="91425" marR="91425" marL="91425"/>
-                </a:tc>
-                <a:tc>
-                  <a:txBody>
-                    <a:bodyPr>
-                      <a:noAutofit/>
-                    </a:bodyPr>
-                    <a:lstStyle/>
-                    <a:p>
-                      <a:pPr lvl="0">
-                        <a:spcBef>
-                          <a:spcPts val="0"/>
-                        </a:spcBef>
-                        <a:buNone/>
-                      </a:pPr>
-                      <a:r>
-                        <a:t/>
-                      </a:r>
-                      <a:endParaRPr/>
-                    </a:p>
-                  </a:txBody>
-                  <a:tcPr marT="91425" marB="91425" marR="91425" marL="91425"/>
-                </a:tc>
-              </a:tr>
-              <a:tr h="381000">
-                <a:tc>
-                  <a:txBody>
-                    <a:bodyPr>
-                      <a:noAutofit/>
-                    </a:bodyPr>
-                    <a:lstStyle/>
-                    <a:p>
-                      <a:pPr lvl="0" rtl="0">
-                        <a:spcBef>
-                          <a:spcPts val="0"/>
-                        </a:spcBef>
-                        <a:buNone/>
-                      </a:pPr>
-                      <a:r>
-                        <a:rPr lang="en"/>
-                        <a:t>TWR: We are in Portland Cyber Theatre, Portland, Oregon, USA. It is a part of Quantum Intelligent Robotics Laboratory. Our Professor and his students experiment on us, and they try to teach us new things.</a:t>
-                      </a:r>
-                    </a:p>
-                  </a:txBody>
-                  <a:tcPr marT="91425" marB="91425" marR="91425" marL="91425"/>
-                </a:tc>
-                <a:tc>
-                  <a:txBody>
-                    <a:bodyPr>
-                      <a:noAutofit/>
-                    </a:bodyPr>
-                    <a:lstStyle/>
-                    <a:p>
-                      <a:pPr lvl="0" rtl="0">
-                        <a:spcBef>
-                          <a:spcPts val="0"/>
-                        </a:spcBef>
-                        <a:buNone/>
-                      </a:pPr>
-                      <a:r>
-                        <a:rPr lang="en">
-                          <a:solidFill>
-                            <a:srgbClr val="FF0000"/>
-                          </a:solidFill>
-                        </a:rPr>
-                        <a:t>TRW puts hands in the air in presenting gesture as the lights come up</a:t>
-                      </a:r>
-                    </a:p>
-                  </a:txBody>
-                  <a:tcPr marT="91425" marB="91425" marR="91425" marL="91425"/>
-                </a:tc>
-                <a:tc>
-                  <a:txBody>
-                    <a:bodyPr>
-                      <a:noAutofit/>
-                    </a:bodyPr>
-                    <a:lstStyle/>
-                    <a:p>
-                      <a:pPr lvl="0">
-                        <a:spcBef>
-                          <a:spcPts val="0"/>
-                        </a:spcBef>
-                        <a:buNone/>
-                      </a:pPr>
-                      <a:r>
-                        <a:rPr lang="en"/>
-                        <a:t>Lights for stage background come up so whole set is visible</a:t>
+                        <a:rPr lang="en"/>
+                        <a:t>If more red than green:</a:t>
+                      </a:r>
+                    </a:p>
+                    <a:p>
+                      <a:pPr lvl="0" rtl="0">
+                        <a:spcBef>
+                          <a:spcPts val="0"/>
+                        </a:spcBef>
+                        <a:buNone/>
+                      </a:pPr>
+                      <a:r>
+                        <a:rPr lang="en"/>
+                        <a:t>Go to scene 4B</a:t>
                       </a:r>
                     </a:p>
                   </a:txBody>
@@ -5910,455 +5872,7 @@
   <p:cSld>
     <p:spTree>
       <p:nvGrpSpPr>
-        <p:cNvPr id="115" name="Shape 115"/>
-        <p:cNvGrpSpPr/>
-        <p:nvPr/>
-      </p:nvGrpSpPr>
-      <p:grpSpPr>
-        <a:xfrm>
-          <a:off x="0" y="0"/>
-          <a:ext cx="0" cy="0"/>
-          <a:chOff x="0" y="0"/>
-          <a:chExt cx="0" cy="0"/>
-        </a:xfrm>
-      </p:grpSpPr>
-      <p:graphicFrame>
-        <p:nvGraphicFramePr>
-          <p:cNvPr id="116" name="Shape 116"/>
-          <p:cNvGraphicFramePr/>
-          <p:nvPr/>
-        </p:nvGraphicFramePr>
-        <p:xfrm>
-          <a:off x="0" y="0"/>
-          <a:ext cx="3000000" cy="3000000"/>
-        </p:xfrm>
-        <a:graphic>
-          <a:graphicData uri="http://schemas.openxmlformats.org/drawingml/2006/table">
-            <a:tbl>
-              <a:tblPr>
-                <a:noFill/>
-                <a:tableStyleId>{FC9AC841-A61D-4312-9AED-BA9E0F85306A}</a:tableStyleId>
-              </a:tblPr>
-              <a:tblGrid>
-                <a:gridCol w="2681850"/>
-                <a:gridCol w="2681850"/>
-                <a:gridCol w="2681850"/>
-              </a:tblGrid>
-              <a:tr h="381000">
-                <a:tc>
-                  <a:txBody>
-                    <a:bodyPr>
-                      <a:noAutofit/>
-                    </a:bodyPr>
-                    <a:lstStyle/>
-                    <a:p>
-                      <a:pPr lvl="0" rtl="0">
-                        <a:spcBef>
-                          <a:spcPts val="0"/>
-                        </a:spcBef>
-                        <a:buNone/>
-                      </a:pPr>
-                      <a:r>
-                        <a:rPr lang="en"/>
-                        <a:t>TWR: To tell  you the truth, I am the smartest sentient being in this Laboratory. </a:t>
-                      </a:r>
-                      <a:r>
-                        <a:rPr lang="en">
-                          <a:solidFill>
-                            <a:srgbClr val="FF0000"/>
-                          </a:solidFill>
-                        </a:rPr>
-                        <a:t>*</a:t>
-                      </a:r>
-                    </a:p>
-                  </a:txBody>
-                  <a:tcPr marT="91425" marB="91425" marR="91425" marL="91425"/>
-                </a:tc>
-                <a:tc>
-                  <a:txBody>
-                    <a:bodyPr>
-                      <a:noAutofit/>
-                    </a:bodyPr>
-                    <a:lstStyle/>
-                    <a:p>
-                      <a:pPr lvl="0" rtl="0">
-                        <a:spcBef>
-                          <a:spcPts val="0"/>
-                        </a:spcBef>
-                        <a:buNone/>
-                      </a:pPr>
-                      <a:r>
-                        <a:rPr lang="en">
-                          <a:solidFill>
-                            <a:schemeClr val="dk1"/>
-                          </a:solidFill>
-                        </a:rPr>
-                        <a:t>TRW turns to MCR</a:t>
-                      </a:r>
-                    </a:p>
-                    <a:p>
-                      <a:pPr lvl="0" rtl="0">
-                        <a:spcBef>
-                          <a:spcPts val="0"/>
-                        </a:spcBef>
-                        <a:buNone/>
-                      </a:pPr>
-                      <a:r>
-                        <a:rPr lang="en">
-                          <a:solidFill>
-                            <a:srgbClr val="FF0000"/>
-                          </a:solidFill>
-                        </a:rPr>
-                        <a:t>*  TWR does the “look how smart and great am I” gesture</a:t>
-                      </a:r>
-                    </a:p>
-                  </a:txBody>
-                  <a:tcPr marT="91425" marB="91425" marR="91425" marL="91425"/>
-                </a:tc>
-                <a:tc>
-                  <a:txBody>
-                    <a:bodyPr>
-                      <a:noAutofit/>
-                    </a:bodyPr>
-                    <a:lstStyle/>
-                    <a:p>
-                      <a:pPr lvl="0" rtl="0">
-                        <a:spcBef>
-                          <a:spcPts val="0"/>
-                        </a:spcBef>
-                        <a:buNone/>
-                      </a:pPr>
-                      <a:r>
-                        <a:t/>
-                      </a:r>
-                      <a:endParaRPr/>
-                    </a:p>
-                  </a:txBody>
-                  <a:tcPr marT="91425" marB="91425" marR="91425" marL="91425"/>
-                </a:tc>
-              </a:tr>
-              <a:tr h="381000">
-                <a:tc>
-                  <a:txBody>
-                    <a:bodyPr>
-                      <a:noAutofit/>
-                    </a:bodyPr>
-                    <a:lstStyle/>
-                    <a:p>
-                      <a:pPr lvl="0" rtl="0">
-                        <a:spcBef>
-                          <a:spcPts val="0"/>
-                        </a:spcBef>
-                        <a:buNone/>
-                      </a:pPr>
-                      <a:r>
-                        <a:rPr lang="en"/>
-                        <a:t>TWR: </a:t>
-                      </a:r>
-                      <a:r>
-                        <a:rPr lang="en"/>
-                        <a:t>Well, Mister Professor is also .... kind of smart.... He teaches me... And I teach him a trick or two, sometimes. But the students... Ehh...</a:t>
-                      </a:r>
-                    </a:p>
-                  </a:txBody>
-                  <a:tcPr marT="91425" marB="91425" marR="91425" marL="91425"/>
-                </a:tc>
-                <a:tc>
-                  <a:txBody>
-                    <a:bodyPr>
-                      <a:noAutofit/>
-                    </a:bodyPr>
-                    <a:lstStyle/>
-                    <a:p>
-                      <a:pPr lvl="0" rtl="0">
-                        <a:spcBef>
-                          <a:spcPts val="0"/>
-                        </a:spcBef>
-                        <a:buNone/>
-                      </a:pPr>
-                      <a:r>
-                        <a:rPr lang="en"/>
-                        <a:t>TWR</a:t>
-                      </a:r>
-                      <a:r>
-                        <a:rPr lang="en">
-                          <a:solidFill>
-                            <a:schemeClr val="dk1"/>
-                          </a:solidFill>
-                        </a:rPr>
-                        <a:t> waives his right hand in frustration and shakes head then Looks to the audience</a:t>
-                      </a:r>
-                    </a:p>
-                  </a:txBody>
-                  <a:tcPr marT="91425" marB="91425" marR="91425" marL="91425"/>
-                </a:tc>
-                <a:tc>
-                  <a:txBody>
-                    <a:bodyPr>
-                      <a:noAutofit/>
-                    </a:bodyPr>
-                    <a:lstStyle/>
-                    <a:p>
-                      <a:pPr lvl="0">
-                        <a:spcBef>
-                          <a:spcPts val="0"/>
-                        </a:spcBef>
-                        <a:buNone/>
-                      </a:pPr>
-                      <a:r>
-                        <a:t/>
-                      </a:r>
-                      <a:endParaRPr/>
-                    </a:p>
-                  </a:txBody>
-                  <a:tcPr marT="91425" marB="91425" marR="91425" marL="91425"/>
-                </a:tc>
-              </a:tr>
-              <a:tr h="381000">
-                <a:tc>
-                  <a:txBody>
-                    <a:bodyPr>
-                      <a:noAutofit/>
-                    </a:bodyPr>
-                    <a:lstStyle/>
-                    <a:p>
-                      <a:pPr lvl="0" rtl="0">
-                        <a:spcBef>
-                          <a:spcPts val="0"/>
-                        </a:spcBef>
-                        <a:buNone/>
-                      </a:pPr>
-                      <a:r>
-                        <a:rPr lang="en"/>
-                        <a:t>TWR: You know, I can arrange scenes, songs, dances, performances, meetings, lectures, theatre plays, ...everything. I write and I </a:t>
-                      </a:r>
-                      <a:r>
-                        <a:rPr lang="en"/>
-                        <a:t>or</a:t>
-                      </a:r>
-                      <a:r>
-                        <a:rPr lang="en"/>
-                        <a:t>ganize.</a:t>
-                      </a:r>
-                    </a:p>
-                  </a:txBody>
-                  <a:tcPr marT="91425" marB="91425" marR="91425" marL="91425"/>
-                </a:tc>
-                <a:tc>
-                  <a:txBody>
-                    <a:bodyPr>
-                      <a:noAutofit/>
-                    </a:bodyPr>
-                    <a:lstStyle/>
-                    <a:p>
-                      <a:pPr lvl="0" rtl="0">
-                        <a:spcBef>
-                          <a:spcPts val="0"/>
-                        </a:spcBef>
-                        <a:buNone/>
-                      </a:pPr>
-                      <a:r>
-                        <a:rPr lang="en"/>
-                        <a:t>TWR turns to MCR</a:t>
-                      </a:r>
-                    </a:p>
-                  </a:txBody>
-                  <a:tcPr marT="91425" marB="91425" marR="91425" marL="91425"/>
-                </a:tc>
-                <a:tc>
-                  <a:txBody>
-                    <a:bodyPr>
-                      <a:noAutofit/>
-                    </a:bodyPr>
-                    <a:lstStyle/>
-                    <a:p>
-                      <a:pPr lvl="0">
-                        <a:spcBef>
-                          <a:spcPts val="0"/>
-                        </a:spcBef>
-                        <a:buNone/>
-                      </a:pPr>
-                      <a:r>
-                        <a:t/>
-                      </a:r>
-                      <a:endParaRPr/>
-                    </a:p>
-                  </a:txBody>
-                  <a:tcPr marT="91425" marB="91425" marR="91425" marL="91425"/>
-                </a:tc>
-              </a:tr>
-              <a:tr h="381000">
-                <a:tc>
-                  <a:txBody>
-                    <a:bodyPr>
-                      <a:noAutofit/>
-                    </a:bodyPr>
-                    <a:lstStyle/>
-                    <a:p>
-                      <a:pPr lvl="0" rtl="0">
-                        <a:spcBef>
-                          <a:spcPts val="0"/>
-                        </a:spcBef>
-                        <a:buNone/>
-                      </a:pPr>
-                      <a:r>
-                        <a:rPr lang="en"/>
-                        <a:t>MCR: Wow, you can do all of that?</a:t>
-                      </a:r>
-                    </a:p>
-                  </a:txBody>
-                  <a:tcPr marT="91425" marB="91425" marR="91425" marL="91425"/>
-                </a:tc>
-                <a:tc>
-                  <a:txBody>
-                    <a:bodyPr>
-                      <a:noAutofit/>
-                    </a:bodyPr>
-                    <a:lstStyle/>
-                    <a:p>
-                      <a:pPr lvl="0" rtl="0">
-                        <a:spcBef>
-                          <a:spcPts val="0"/>
-                        </a:spcBef>
-                        <a:buNone/>
-                      </a:pPr>
-                      <a:r>
-                        <a:rPr lang="en">
-                          <a:solidFill>
-                            <a:schemeClr val="dk1"/>
-                          </a:solidFill>
-                        </a:rPr>
-                        <a:t>MCR throws hands in air excitedly</a:t>
-                      </a:r>
-                    </a:p>
-                  </a:txBody>
-                  <a:tcPr marT="91425" marB="91425" marR="91425" marL="91425"/>
-                </a:tc>
-                <a:tc>
-                  <a:txBody>
-                    <a:bodyPr>
-                      <a:noAutofit/>
-                    </a:bodyPr>
-                    <a:lstStyle/>
-                    <a:p>
-                      <a:pPr lvl="0">
-                        <a:spcBef>
-                          <a:spcPts val="0"/>
-                        </a:spcBef>
-                        <a:buNone/>
-                      </a:pPr>
-                      <a:r>
-                        <a:t/>
-                      </a:r>
-                      <a:endParaRPr/>
-                    </a:p>
-                  </a:txBody>
-                  <a:tcPr marT="91425" marB="91425" marR="91425" marL="91425"/>
-                </a:tc>
-              </a:tr>
-              <a:tr h="381000">
-                <a:tc>
-                  <a:txBody>
-                    <a:bodyPr>
-                      <a:noAutofit/>
-                    </a:bodyPr>
-                    <a:lstStyle/>
-                    <a:p>
-                      <a:pPr lvl="0" rtl="0">
-                        <a:spcBef>
-                          <a:spcPts val="0"/>
-                        </a:spcBef>
-                        <a:buNone/>
-                      </a:pPr>
-                      <a:r>
-                        <a:rPr lang="en"/>
-                        <a:t>TWR: I will demonstrate my abilities to you now.</a:t>
-                      </a:r>
-                    </a:p>
-                  </a:txBody>
-                  <a:tcPr marT="91425" marB="91425" marR="91425" marL="91425"/>
-                </a:tc>
-                <a:tc>
-                  <a:txBody>
-                    <a:bodyPr>
-                      <a:noAutofit/>
-                    </a:bodyPr>
-                    <a:lstStyle/>
-                    <a:p>
-                      <a:pPr lvl="0" rtl="0">
-                        <a:spcBef>
-                          <a:spcPts val="0"/>
-                        </a:spcBef>
-                        <a:buNone/>
-                      </a:pPr>
-                      <a:r>
-                        <a:rPr lang="en">
-                          <a:solidFill>
-                            <a:srgbClr val="FF0000"/>
-                          </a:solidFill>
-                        </a:rPr>
-                        <a:t>TWR walks towards MCR</a:t>
-                      </a:r>
-                    </a:p>
-                    <a:p>
-                      <a:pPr lvl="0" rtl="0">
-                        <a:spcBef>
-                          <a:spcPts val="0"/>
-                        </a:spcBef>
-                        <a:buNone/>
-                      </a:pPr>
-                      <a:r>
-                        <a:t/>
-                      </a:r>
-                      <a:endParaRPr>
-                        <a:solidFill>
-                          <a:srgbClr val="FF0000"/>
-                        </a:solidFill>
-                      </a:endParaRPr>
-                    </a:p>
-                  </a:txBody>
-                  <a:tcPr marT="91425" marB="91425" marR="91425" marL="91425"/>
-                </a:tc>
-                <a:tc>
-                  <a:txBody>
-                    <a:bodyPr>
-                      <a:noAutofit/>
-                    </a:bodyPr>
-                    <a:lstStyle/>
-                    <a:p>
-                      <a:pPr lvl="0">
-                        <a:spcBef>
-                          <a:spcPts val="0"/>
-                        </a:spcBef>
-                        <a:buNone/>
-                      </a:pPr>
-                      <a:r>
-                        <a:rPr lang="en"/>
-                        <a:t>All lights dim to prepare next scene</a:t>
-                      </a:r>
-                    </a:p>
-                  </a:txBody>
-                  <a:tcPr marT="91425" marB="91425" marR="91425" marL="91425"/>
-                </a:tc>
-              </a:tr>
-            </a:tbl>
-          </a:graphicData>
-        </a:graphic>
-      </p:graphicFrame>
-    </p:spTree>
-  </p:cSld>
-  <p:clrMapOvr>
-    <a:masterClrMapping/>
-  </p:clrMapOvr>
-</p:sld>
-</file>
-
-<file path=ppt/slides/slide13.xml><?xml version="1.0" encoding="utf-8"?>
-<p:sld xmlns:a="http://schemas.openxmlformats.org/drawingml/2006/main" xmlns:r="http://schemas.openxmlformats.org/officeDocument/2006/relationships" xmlns:mc="http://schemas.openxmlformats.org/markup-compatibility/2006" xmlns:mv="urn:schemas-microsoft-com:mac:vml" xmlns:p="http://schemas.openxmlformats.org/presentationml/2006/main" xmlns:c="http://schemas.openxmlformats.org/drawingml/2006/chart" xmlns:dgm="http://schemas.openxmlformats.org/drawingml/2006/diagram" xmlns:o="urn:schemas-microsoft-com:office:office" xmlns:v="urn:schemas-microsoft-com:vml" xmlns:pvml="urn:schemas-microsoft-com:office:powerpoint" xmlns:com="http://schemas.openxmlformats.org/drawingml/2006/compatibility" xmlns:p14="http://schemas.microsoft.com/office/powerpoint/2010/main">
-  <p:cSld>
-    <p:spTree>
-      <p:nvGrpSpPr>
-        <p:cNvPr id="120" name="Shape 120"/>
+        <p:cNvPr id="111" name="Shape 111"/>
         <p:cNvGrpSpPr/>
         <p:nvPr/>
       </p:nvGrpSpPr>
@@ -6372,7 +5886,7 @@
       </p:grpSpPr>
       <p:sp>
         <p:nvSpPr>
-          <p:cNvPr id="121" name="Shape 121"/>
+          <p:cNvPr id="112" name="Shape 112"/>
           <p:cNvSpPr txBox="1"/>
           <p:nvPr>
             <p:ph type="ctrTitle"/>
@@ -6401,11 +5915,1240 @@
             </a:pPr>
             <a:r>
               <a:rPr lang="en"/>
-              <a:t>Scene #3</a:t>
+              <a:t>Scene #4A</a:t>
             </a:r>
           </a:p>
         </p:txBody>
       </p:sp>
+    </p:spTree>
+  </p:cSld>
+  <p:clrMapOvr>
+    <a:masterClrMapping/>
+  </p:clrMapOvr>
+</p:sld>
+</file>
+
+<file path=ppt/slides/slide13.xml><?xml version="1.0" encoding="utf-8"?>
+<p:sld xmlns:a="http://schemas.openxmlformats.org/drawingml/2006/main" xmlns:r="http://schemas.openxmlformats.org/officeDocument/2006/relationships" xmlns:mc="http://schemas.openxmlformats.org/markup-compatibility/2006" xmlns:mv="urn:schemas-microsoft-com:mac:vml" xmlns:p="http://schemas.openxmlformats.org/presentationml/2006/main" xmlns:c="http://schemas.openxmlformats.org/drawingml/2006/chart" xmlns:dgm="http://schemas.openxmlformats.org/drawingml/2006/diagram" xmlns:o="urn:schemas-microsoft-com:office:office" xmlns:v="urn:schemas-microsoft-com:vml" xmlns:pvml="urn:schemas-microsoft-com:office:powerpoint" xmlns:com="http://schemas.openxmlformats.org/drawingml/2006/compatibility" xmlns:p14="http://schemas.microsoft.com/office/powerpoint/2010/main">
+  <p:cSld>
+    <p:spTree>
+      <p:nvGrpSpPr>
+        <p:cNvPr id="116" name="Shape 116"/>
+        <p:cNvGrpSpPr/>
+        <p:nvPr/>
+      </p:nvGrpSpPr>
+      <p:grpSpPr>
+        <a:xfrm>
+          <a:off x="0" y="0"/>
+          <a:ext cx="0" cy="0"/>
+          <a:chOff x="0" y="0"/>
+          <a:chExt cx="0" cy="0"/>
+        </a:xfrm>
+      </p:grpSpPr>
+      <p:graphicFrame>
+        <p:nvGraphicFramePr>
+          <p:cNvPr id="117" name="Shape 117"/>
+          <p:cNvGraphicFramePr/>
+          <p:nvPr/>
+        </p:nvGraphicFramePr>
+        <p:xfrm>
+          <a:off x="0" y="0"/>
+          <a:ext cx="3000000" cy="3000000"/>
+        </p:xfrm>
+        <a:graphic>
+          <a:graphicData uri="http://schemas.openxmlformats.org/drawingml/2006/table">
+            <a:tbl>
+              <a:tblPr>
+                <a:noFill/>
+                <a:tableStyleId>{B49D1780-A627-49F9-872E-C7C48A70C06E}</a:tableStyleId>
+              </a:tblPr>
+              <a:tblGrid>
+                <a:gridCol w="2681850"/>
+                <a:gridCol w="2681850"/>
+                <a:gridCol w="3779350"/>
+              </a:tblGrid>
+              <a:tr h="381000">
+                <a:tc>
+                  <a:txBody>
+                    <a:bodyPr>
+                      <a:noAutofit/>
+                    </a:bodyPr>
+                    <a:lstStyle/>
+                    <a:p>
+                      <a:pPr lvl="0">
+                        <a:spcBef>
+                          <a:spcPts val="0"/>
+                        </a:spcBef>
+                        <a:buNone/>
+                      </a:pPr>
+                      <a:r>
+                        <a:rPr lang="en"/>
+                        <a:t>BSR: You see! They love us!</a:t>
+                      </a:r>
+                    </a:p>
+                    <a:p>
+                      <a:pPr lvl="0" rtl="0">
+                        <a:spcBef>
+                          <a:spcPts val="0"/>
+                        </a:spcBef>
+                        <a:buNone/>
+                      </a:pPr>
+                      <a:r>
+                        <a:rPr lang="en"/>
+                        <a:t>We have what it takes to make it big!</a:t>
+                      </a:r>
+                    </a:p>
+                  </a:txBody>
+                  <a:tcPr marT="91425" marB="91425" marR="91425" marL="91425"/>
+                </a:tc>
+                <a:tc>
+                  <a:txBody>
+                    <a:bodyPr>
+                      <a:noAutofit/>
+                    </a:bodyPr>
+                    <a:lstStyle/>
+                    <a:p>
+                      <a:pPr lvl="0" rtl="0">
+                        <a:spcBef>
+                          <a:spcPts val="0"/>
+                        </a:spcBef>
+                        <a:buNone/>
+                      </a:pPr>
+                      <a:r>
+                        <a:rPr lang="en">
+                          <a:solidFill>
+                            <a:schemeClr val="dk1"/>
+                          </a:solidFill>
+                        </a:rPr>
+                        <a:t>Claps cands in excitement and gestures towards crowd</a:t>
+                      </a:r>
+                    </a:p>
+                  </a:txBody>
+                  <a:tcPr marT="91425" marB="91425" marR="91425" marL="91425"/>
+                </a:tc>
+                <a:tc>
+                  <a:txBody>
+                    <a:bodyPr>
+                      <a:noAutofit/>
+                    </a:bodyPr>
+                    <a:lstStyle/>
+                    <a:p>
+                      <a:pPr lvl="0">
+                        <a:spcBef>
+                          <a:spcPts val="0"/>
+                        </a:spcBef>
+                        <a:buNone/>
+                      </a:pPr>
+                      <a:r>
+                        <a:t/>
+                      </a:r>
+                      <a:endParaRPr/>
+                    </a:p>
+                  </a:txBody>
+                  <a:tcPr marT="91425" marB="91425" marR="91425" marL="91425"/>
+                </a:tc>
+              </a:tr>
+              <a:tr h="381000">
+                <a:tc>
+                  <a:txBody>
+                    <a:bodyPr>
+                      <a:noAutofit/>
+                    </a:bodyPr>
+                    <a:lstStyle/>
+                    <a:p>
+                      <a:pPr lvl="0" rtl="0">
+                        <a:spcBef>
+                          <a:spcPts val="0"/>
+                        </a:spcBef>
+                        <a:buNone/>
+                      </a:pPr>
+                      <a:r>
+                        <a:rPr lang="en"/>
+                        <a:t>Mark:  It’s hard to argue with that!  I’m in!</a:t>
+                      </a:r>
+                    </a:p>
+                  </a:txBody>
+                  <a:tcPr marT="91425" marB="91425" marR="91425" marL="91425"/>
+                </a:tc>
+                <a:tc>
+                  <a:txBody>
+                    <a:bodyPr>
+                      <a:noAutofit/>
+                    </a:bodyPr>
+                    <a:lstStyle/>
+                    <a:p>
+                      <a:pPr lvl="0" rtl="0">
+                        <a:spcBef>
+                          <a:spcPts val="0"/>
+                        </a:spcBef>
+                        <a:buNone/>
+                      </a:pPr>
+                      <a:r>
+                        <a:t/>
+                      </a:r>
+                      <a:endParaRPr/>
+                    </a:p>
+                  </a:txBody>
+                  <a:tcPr marT="91425" marB="91425" marR="91425" marL="91425"/>
+                </a:tc>
+                <a:tc>
+                  <a:txBody>
+                    <a:bodyPr>
+                      <a:noAutofit/>
+                    </a:bodyPr>
+                    <a:lstStyle/>
+                    <a:p>
+                      <a:pPr lvl="0">
+                        <a:spcBef>
+                          <a:spcPts val="0"/>
+                        </a:spcBef>
+                        <a:buNone/>
+                      </a:pPr>
+                      <a:r>
+                        <a:t/>
+                      </a:r>
+                      <a:endParaRPr/>
+                    </a:p>
+                  </a:txBody>
+                  <a:tcPr marT="91425" marB="91425" marR="91425" marL="91425"/>
+                </a:tc>
+              </a:tr>
+              <a:tr h="381000">
+                <a:tc>
+                  <a:txBody>
+                    <a:bodyPr>
+                      <a:noAutofit/>
+                    </a:bodyPr>
+                    <a:lstStyle/>
+                    <a:p>
+                      <a:pPr lvl="0" rtl="0">
+                        <a:spcBef>
+                          <a:spcPts val="0"/>
+                        </a:spcBef>
+                        <a:buNone/>
+                      </a:pPr>
+                      <a:r>
+                        <a:rPr lang="en"/>
+                        <a:t>Brian: Me too!</a:t>
+                      </a:r>
+                    </a:p>
+                  </a:txBody>
+                  <a:tcPr marT="91425" marB="91425" marR="91425" marL="91425"/>
+                </a:tc>
+                <a:tc>
+                  <a:txBody>
+                    <a:bodyPr>
+                      <a:noAutofit/>
+                    </a:bodyPr>
+                    <a:lstStyle/>
+                    <a:p>
+                      <a:pPr lvl="0" rtl="0">
+                        <a:spcBef>
+                          <a:spcPts val="0"/>
+                        </a:spcBef>
+                        <a:buClr>
+                          <a:schemeClr val="dk1"/>
+                        </a:buClr>
+                        <a:buSzPct val="78571"/>
+                        <a:buFont typeface="Arial"/>
+                        <a:buNone/>
+                      </a:pPr>
+                      <a:r>
+                        <a:rPr lang="en">
+                          <a:solidFill>
+                            <a:schemeClr val="dk1"/>
+                          </a:solidFill>
+                        </a:rPr>
+                        <a:t>Brian raises hand in air and waves excitedly </a:t>
+                      </a:r>
+                    </a:p>
+                  </a:txBody>
+                  <a:tcPr marT="91425" marB="91425" marR="91425" marL="91425"/>
+                </a:tc>
+                <a:tc>
+                  <a:txBody>
+                    <a:bodyPr>
+                      <a:noAutofit/>
+                    </a:bodyPr>
+                    <a:lstStyle/>
+                    <a:p>
+                      <a:pPr lvl="0">
+                        <a:spcBef>
+                          <a:spcPts val="0"/>
+                        </a:spcBef>
+                        <a:buNone/>
+                      </a:pPr>
+                      <a:r>
+                        <a:t/>
+                      </a:r>
+                      <a:endParaRPr/>
+                    </a:p>
+                  </a:txBody>
+                  <a:tcPr marT="91425" marB="91425" marR="91425" marL="91425"/>
+                </a:tc>
+              </a:tr>
+              <a:tr h="381000">
+                <a:tc>
+                  <a:txBody>
+                    <a:bodyPr>
+                      <a:noAutofit/>
+                    </a:bodyPr>
+                    <a:lstStyle/>
+                    <a:p>
+                      <a:pPr lvl="0">
+                        <a:spcBef>
+                          <a:spcPts val="0"/>
+                        </a:spcBef>
+                        <a:buNone/>
+                      </a:pPr>
+                      <a:r>
+                        <a:rPr lang="en"/>
+                        <a:t>BSR:  Than let’s celebrate!</a:t>
+                      </a:r>
+                    </a:p>
+                    <a:p>
+                      <a:pPr lvl="0" rtl="0">
+                        <a:spcBef>
+                          <a:spcPts val="0"/>
+                        </a:spcBef>
+                        <a:buNone/>
+                      </a:pPr>
+                      <a:r>
+                        <a:rPr lang="en"/>
+                        <a:t>HIT IT!</a:t>
+                      </a:r>
+                    </a:p>
+                  </a:txBody>
+                  <a:tcPr marT="91425" marB="91425" marR="91425" marL="91425"/>
+                </a:tc>
+                <a:tc>
+                  <a:txBody>
+                    <a:bodyPr>
+                      <a:noAutofit/>
+                    </a:bodyPr>
+                    <a:lstStyle/>
+                    <a:p>
+                      <a:pPr lvl="0">
+                        <a:spcBef>
+                          <a:spcPts val="0"/>
+                        </a:spcBef>
+                        <a:buClr>
+                          <a:schemeClr val="dk1"/>
+                        </a:buClr>
+                        <a:buSzPct val="78571"/>
+                        <a:buFont typeface="Arial"/>
+                        <a:buNone/>
+                      </a:pPr>
+                      <a:r>
+                        <a:rPr lang="en">
+                          <a:solidFill>
+                            <a:schemeClr val="dk1"/>
+                          </a:solidFill>
+                        </a:rPr>
+                        <a:t>Music starts again</a:t>
+                      </a:r>
+                    </a:p>
+                    <a:p>
+                      <a:pPr lvl="0" rtl="0">
+                        <a:spcBef>
+                          <a:spcPts val="0"/>
+                        </a:spcBef>
+                        <a:buClr>
+                          <a:schemeClr val="dk1"/>
+                        </a:buClr>
+                        <a:buSzPct val="78571"/>
+                        <a:buFont typeface="Arial"/>
+                        <a:buNone/>
+                      </a:pPr>
+                      <a:r>
+                        <a:rPr lang="en">
+                          <a:solidFill>
+                            <a:schemeClr val="dk1"/>
+                          </a:solidFill>
+                        </a:rPr>
+                        <a:t>All robots dance individually and curtain slowly closes.</a:t>
+                      </a:r>
+                    </a:p>
+                  </a:txBody>
+                  <a:tcPr marT="91425" marB="91425" marR="91425" marL="91425"/>
+                </a:tc>
+                <a:tc>
+                  <a:txBody>
+                    <a:bodyPr>
+                      <a:noAutofit/>
+                    </a:bodyPr>
+                    <a:lstStyle/>
+                    <a:p>
+                      <a:pPr lvl="0">
+                        <a:spcBef>
+                          <a:spcPts val="0"/>
+                        </a:spcBef>
+                        <a:buNone/>
+                      </a:pPr>
+                      <a:r>
+                        <a:t/>
+                      </a:r>
+                      <a:endParaRPr/>
+                    </a:p>
+                  </a:txBody>
+                  <a:tcPr marT="91425" marB="91425" marR="91425" marL="91425"/>
+                </a:tc>
+              </a:tr>
+              <a:tr h="381000">
+                <a:tc>
+                  <a:txBody>
+                    <a:bodyPr>
+                      <a:noAutofit/>
+                    </a:bodyPr>
+                    <a:lstStyle/>
+                    <a:p>
+                      <a:pPr lvl="0" rtl="0">
+                        <a:spcBef>
+                          <a:spcPts val="0"/>
+                        </a:spcBef>
+                        <a:buNone/>
+                      </a:pPr>
+                      <a:r>
+                        <a:rPr lang="en"/>
+                        <a:t>After the curtain closes, the robots are set up in a line </a:t>
+                      </a:r>
+                    </a:p>
+                  </a:txBody>
+                  <a:tcPr marT="91425" marB="91425" marR="91425" marL="91425">
+                    <a:solidFill>
+                      <a:srgbClr val="FFFF00"/>
+                    </a:solidFill>
+                  </a:tcPr>
+                </a:tc>
+                <a:tc>
+                  <a:txBody>
+                    <a:bodyPr>
+                      <a:noAutofit/>
+                    </a:bodyPr>
+                    <a:lstStyle/>
+                    <a:p>
+                      <a:pPr lvl="0" rtl="0">
+                        <a:spcBef>
+                          <a:spcPts val="0"/>
+                        </a:spcBef>
+                        <a:buNone/>
+                      </a:pPr>
+                      <a:r>
+                        <a:rPr lang="en"/>
+                        <a:t>The curtain opens again and they take a bow and wave to the crowd while music still plays</a:t>
+                      </a:r>
+                    </a:p>
+                  </a:txBody>
+                  <a:tcPr marT="91425" marB="91425" marR="91425" marL="91425">
+                    <a:solidFill>
+                      <a:srgbClr val="FFFF00"/>
+                    </a:solidFill>
+                  </a:tcPr>
+                </a:tc>
+                <a:tc>
+                  <a:txBody>
+                    <a:bodyPr>
+                      <a:noAutofit/>
+                    </a:bodyPr>
+                    <a:lstStyle/>
+                    <a:p>
+                      <a:pPr lvl="0">
+                        <a:spcBef>
+                          <a:spcPts val="0"/>
+                        </a:spcBef>
+                        <a:buNone/>
+                      </a:pPr>
+                      <a:r>
+                        <a:t/>
+                      </a:r>
+                      <a:endParaRPr/>
+                    </a:p>
+                    <a:p>
+                      <a:pPr lvl="0">
+                        <a:spcBef>
+                          <a:spcPts val="0"/>
+                        </a:spcBef>
+                        <a:buNone/>
+                      </a:pPr>
+                      <a:r>
+                        <a:t/>
+                      </a:r>
+                      <a:endParaRPr/>
+                    </a:p>
+                  </a:txBody>
+                  <a:tcPr marT="91425" marB="91425" marR="91425" marL="91425">
+                    <a:solidFill>
+                      <a:srgbClr val="FFFF00"/>
+                    </a:solidFill>
+                  </a:tcPr>
+                </a:tc>
+              </a:tr>
+              <a:tr h="381000">
+                <a:tc>
+                  <a:txBody>
+                    <a:bodyPr>
+                      <a:noAutofit/>
+                    </a:bodyPr>
+                    <a:lstStyle/>
+                    <a:p>
+                      <a:pPr lvl="0" rtl="0">
+                        <a:spcBef>
+                          <a:spcPts val="0"/>
+                        </a:spcBef>
+                        <a:buNone/>
+                      </a:pPr>
+                      <a:r>
+                        <a:t/>
+                      </a:r>
+                      <a:endParaRPr/>
+                    </a:p>
+                  </a:txBody>
+                  <a:tcPr marT="91425" marB="91425" marR="91425" marL="91425"/>
+                </a:tc>
+                <a:tc>
+                  <a:txBody>
+                    <a:bodyPr>
+                      <a:noAutofit/>
+                    </a:bodyPr>
+                    <a:lstStyle/>
+                    <a:p>
+                      <a:pPr lvl="0" rtl="0">
+                        <a:spcBef>
+                          <a:spcPts val="0"/>
+                        </a:spcBef>
+                        <a:buNone/>
+                      </a:pPr>
+                      <a:r>
+                        <a:t/>
+                      </a:r>
+                      <a:endParaRPr>
+                        <a:solidFill>
+                          <a:srgbClr val="FF0000"/>
+                        </a:solidFill>
+                      </a:endParaRPr>
+                    </a:p>
+                  </a:txBody>
+                  <a:tcPr marT="91425" marB="91425" marR="91425" marL="91425"/>
+                </a:tc>
+                <a:tc>
+                  <a:txBody>
+                    <a:bodyPr>
+                      <a:noAutofit/>
+                    </a:bodyPr>
+                    <a:lstStyle/>
+                    <a:p>
+                      <a:pPr lvl="0">
+                        <a:spcBef>
+                          <a:spcPts val="0"/>
+                        </a:spcBef>
+                        <a:buNone/>
+                      </a:pPr>
+                      <a:r>
+                        <a:t/>
+                      </a:r>
+                      <a:endParaRPr/>
+                    </a:p>
+                  </a:txBody>
+                  <a:tcPr marT="91425" marB="91425" marR="91425" marL="91425"/>
+                </a:tc>
+              </a:tr>
+            </a:tbl>
+          </a:graphicData>
+        </a:graphic>
+      </p:graphicFrame>
+    </p:spTree>
+  </p:cSld>
+  <p:clrMapOvr>
+    <a:masterClrMapping/>
+  </p:clrMapOvr>
+</p:sld>
+</file>
+
+<file path=ppt/slides/slide14.xml><?xml version="1.0" encoding="utf-8"?>
+<p:sld xmlns:a="http://schemas.openxmlformats.org/drawingml/2006/main" xmlns:r="http://schemas.openxmlformats.org/officeDocument/2006/relationships" xmlns:mc="http://schemas.openxmlformats.org/markup-compatibility/2006" xmlns:mv="urn:schemas-microsoft-com:mac:vml" xmlns:p="http://schemas.openxmlformats.org/presentationml/2006/main" xmlns:c="http://schemas.openxmlformats.org/drawingml/2006/chart" xmlns:dgm="http://schemas.openxmlformats.org/drawingml/2006/diagram" xmlns:o="urn:schemas-microsoft-com:office:office" xmlns:v="urn:schemas-microsoft-com:vml" xmlns:pvml="urn:schemas-microsoft-com:office:powerpoint" xmlns:com="http://schemas.openxmlformats.org/drawingml/2006/compatibility" xmlns:p14="http://schemas.microsoft.com/office/powerpoint/2010/main">
+  <p:cSld>
+    <p:spTree>
+      <p:nvGrpSpPr>
+        <p:cNvPr id="121" name="Shape 121"/>
+        <p:cNvGrpSpPr/>
+        <p:nvPr/>
+      </p:nvGrpSpPr>
+      <p:grpSpPr>
+        <a:xfrm>
+          <a:off x="0" y="0"/>
+          <a:ext cx="0" cy="0"/>
+          <a:chOff x="0" y="0"/>
+          <a:chExt cx="0" cy="0"/>
+        </a:xfrm>
+      </p:grpSpPr>
+      <p:sp>
+        <p:nvSpPr>
+          <p:cNvPr id="122" name="Shape 122"/>
+          <p:cNvSpPr txBox="1"/>
+          <p:nvPr>
+            <p:ph type="ctrTitle"/>
+          </p:nvPr>
+        </p:nvSpPr>
+        <p:spPr>
+          <a:xfrm>
+            <a:off x="311708" y="744575"/>
+            <a:ext cx="8520600" cy="2052600"/>
+          </a:xfrm>
+          <a:prstGeom prst="rect">
+            <a:avLst/>
+          </a:prstGeom>
+        </p:spPr>
+        <p:txBody>
+          <a:bodyPr anchorCtr="0" anchor="b" bIns="91425" lIns="91425" rIns="91425" tIns="91425">
+            <a:noAutofit/>
+          </a:bodyPr>
+          <a:lstStyle/>
+          <a:p>
+            <a:pPr lvl="0" rtl="0">
+              <a:spcBef>
+                <a:spcPts val="0"/>
+              </a:spcBef>
+              <a:buNone/>
+            </a:pPr>
+            <a:r>
+              <a:rPr lang="en"/>
+              <a:t>Scene #4B</a:t>
+            </a:r>
+          </a:p>
+        </p:txBody>
+      </p:sp>
+    </p:spTree>
+  </p:cSld>
+  <p:clrMapOvr>
+    <a:masterClrMapping/>
+  </p:clrMapOvr>
+</p:sld>
+</file>
+
+<file path=ppt/slides/slide15.xml><?xml version="1.0" encoding="utf-8"?>
+<p:sld xmlns:a="http://schemas.openxmlformats.org/drawingml/2006/main" xmlns:r="http://schemas.openxmlformats.org/officeDocument/2006/relationships" xmlns:mc="http://schemas.openxmlformats.org/markup-compatibility/2006" xmlns:mv="urn:schemas-microsoft-com:mac:vml" xmlns:p="http://schemas.openxmlformats.org/presentationml/2006/main" xmlns:c="http://schemas.openxmlformats.org/drawingml/2006/chart" xmlns:dgm="http://schemas.openxmlformats.org/drawingml/2006/diagram" xmlns:o="urn:schemas-microsoft-com:office:office" xmlns:v="urn:schemas-microsoft-com:vml" xmlns:pvml="urn:schemas-microsoft-com:office:powerpoint" xmlns:com="http://schemas.openxmlformats.org/drawingml/2006/compatibility" xmlns:p14="http://schemas.microsoft.com/office/powerpoint/2010/main">
+  <p:cSld>
+    <p:spTree>
+      <p:nvGrpSpPr>
+        <p:cNvPr id="126" name="Shape 126"/>
+        <p:cNvGrpSpPr/>
+        <p:nvPr/>
+      </p:nvGrpSpPr>
+      <p:grpSpPr>
+        <a:xfrm>
+          <a:off x="0" y="0"/>
+          <a:ext cx="0" cy="0"/>
+          <a:chOff x="0" y="0"/>
+          <a:chExt cx="0" cy="0"/>
+        </a:xfrm>
+      </p:grpSpPr>
+      <p:graphicFrame>
+        <p:nvGraphicFramePr>
+          <p:cNvPr id="127" name="Shape 127"/>
+          <p:cNvGraphicFramePr/>
+          <p:nvPr/>
+        </p:nvGraphicFramePr>
+        <p:xfrm>
+          <a:off x="0" y="0"/>
+          <a:ext cx="3000000" cy="3000000"/>
+        </p:xfrm>
+        <a:graphic>
+          <a:graphicData uri="http://schemas.openxmlformats.org/drawingml/2006/table">
+            <a:tbl>
+              <a:tblPr>
+                <a:noFill/>
+                <a:tableStyleId>{B49D1780-A627-49F9-872E-C7C48A70C06E}</a:tableStyleId>
+              </a:tblPr>
+              <a:tblGrid>
+                <a:gridCol w="2681850"/>
+                <a:gridCol w="2780125"/>
+                <a:gridCol w="3623750"/>
+              </a:tblGrid>
+              <a:tr h="381000">
+                <a:tc>
+                  <a:txBody>
+                    <a:bodyPr>
+                      <a:noAutofit/>
+                    </a:bodyPr>
+                    <a:lstStyle/>
+                    <a:p>
+                      <a:pPr lvl="0" rtl="0">
+                        <a:spcBef>
+                          <a:spcPts val="0"/>
+                        </a:spcBef>
+                        <a:buNone/>
+                      </a:pPr>
+                      <a:r>
+                        <a:rPr lang="en"/>
+                        <a:t>Mark: Looks like they didn’t like it!</a:t>
+                      </a:r>
+                    </a:p>
+                  </a:txBody>
+                  <a:tcPr marT="91425" marB="91425" marR="91425" marL="91425"/>
+                </a:tc>
+                <a:tc>
+                  <a:txBody>
+                    <a:bodyPr>
+                      <a:noAutofit/>
+                    </a:bodyPr>
+                    <a:lstStyle/>
+                    <a:p>
+                      <a:pPr lvl="0" rtl="0">
+                        <a:spcBef>
+                          <a:spcPts val="0"/>
+                        </a:spcBef>
+                        <a:buNone/>
+                      </a:pPr>
+                      <a:r>
+                        <a:rPr lang="en">
+                          <a:solidFill>
+                            <a:schemeClr val="dk1"/>
+                          </a:solidFill>
+                        </a:rPr>
+                        <a:t>Points to crowd shaking head ashamed</a:t>
+                      </a:r>
+                    </a:p>
+                  </a:txBody>
+                  <a:tcPr marT="91425" marB="91425" marR="91425" marL="91425"/>
+                </a:tc>
+                <a:tc>
+                  <a:txBody>
+                    <a:bodyPr>
+                      <a:noAutofit/>
+                    </a:bodyPr>
+                    <a:lstStyle/>
+                    <a:p>
+                      <a:pPr lvl="0" rtl="0">
+                        <a:spcBef>
+                          <a:spcPts val="0"/>
+                        </a:spcBef>
+                        <a:buNone/>
+                      </a:pPr>
+                      <a:r>
+                        <a:t/>
+                      </a:r>
+                      <a:endParaRPr/>
+                    </a:p>
+                  </a:txBody>
+                  <a:tcPr marT="91425" marB="91425" marR="91425" marL="91425"/>
+                </a:tc>
+              </a:tr>
+              <a:tr h="381000">
+                <a:tc>
+                  <a:txBody>
+                    <a:bodyPr>
+                      <a:noAutofit/>
+                    </a:bodyPr>
+                    <a:lstStyle/>
+                    <a:p>
+                      <a:pPr lvl="0" rtl="0">
+                        <a:spcBef>
+                          <a:spcPts val="0"/>
+                        </a:spcBef>
+                        <a:buNone/>
+                      </a:pPr>
+                      <a:r>
+                        <a:rPr lang="en"/>
+                        <a:t>BSR: Some people just have no appreciation for the arts!</a:t>
+                      </a:r>
+                    </a:p>
+                  </a:txBody>
+                  <a:tcPr marT="91425" marB="91425" marR="91425" marL="91425"/>
+                </a:tc>
+                <a:tc>
+                  <a:txBody>
+                    <a:bodyPr>
+                      <a:noAutofit/>
+                    </a:bodyPr>
+                    <a:lstStyle/>
+                    <a:p>
+                      <a:pPr lvl="0" rtl="0">
+                        <a:spcBef>
+                          <a:spcPts val="0"/>
+                        </a:spcBef>
+                        <a:buNone/>
+                      </a:pPr>
+                      <a:r>
+                        <a:rPr lang="en"/>
+                        <a:t>Put hands on hips and shakes head in direction of crowd.</a:t>
+                      </a:r>
+                    </a:p>
+                  </a:txBody>
+                  <a:tcPr marT="91425" marB="91425" marR="91425" marL="91425"/>
+                </a:tc>
+                <a:tc>
+                  <a:txBody>
+                    <a:bodyPr>
+                      <a:noAutofit/>
+                    </a:bodyPr>
+                    <a:lstStyle/>
+                    <a:p>
+                      <a:pPr lvl="0">
+                        <a:spcBef>
+                          <a:spcPts val="0"/>
+                        </a:spcBef>
+                        <a:buNone/>
+                      </a:pPr>
+                      <a:r>
+                        <a:t/>
+                      </a:r>
+                      <a:endParaRPr/>
+                    </a:p>
+                  </a:txBody>
+                  <a:tcPr marT="91425" marB="91425" marR="91425" marL="91425"/>
+                </a:tc>
+              </a:tr>
+              <a:tr h="381000">
+                <a:tc>
+                  <a:txBody>
+                    <a:bodyPr>
+                      <a:noAutofit/>
+                    </a:bodyPr>
+                    <a:lstStyle/>
+                    <a:p>
+                      <a:pPr lvl="0" rtl="0">
+                        <a:spcBef>
+                          <a:spcPts val="0"/>
+                        </a:spcBef>
+                        <a:buNone/>
+                      </a:pPr>
+                      <a:r>
+                        <a:rPr lang="en"/>
+                        <a:t>Brian: Well I had fun anyway!</a:t>
+                      </a:r>
+                    </a:p>
+                  </a:txBody>
+                  <a:tcPr marT="91425" marB="91425" marR="91425" marL="91425"/>
+                </a:tc>
+                <a:tc>
+                  <a:txBody>
+                    <a:bodyPr>
+                      <a:noAutofit/>
+                    </a:bodyPr>
+                    <a:lstStyle/>
+                    <a:p>
+                      <a:pPr lvl="0" rtl="0">
+                        <a:spcBef>
+                          <a:spcPts val="0"/>
+                        </a:spcBef>
+                        <a:buNone/>
+                      </a:pPr>
+                      <a:r>
+                        <a:t/>
+                      </a:r>
+                      <a:endParaRPr/>
+                    </a:p>
+                  </a:txBody>
+                  <a:tcPr marT="91425" marB="91425" marR="91425" marL="91425"/>
+                </a:tc>
+                <a:tc>
+                  <a:txBody>
+                    <a:bodyPr>
+                      <a:noAutofit/>
+                    </a:bodyPr>
+                    <a:lstStyle/>
+                    <a:p>
+                      <a:pPr lvl="0">
+                        <a:spcBef>
+                          <a:spcPts val="0"/>
+                        </a:spcBef>
+                        <a:buNone/>
+                      </a:pPr>
+                      <a:r>
+                        <a:t/>
+                      </a:r>
+                      <a:endParaRPr/>
+                    </a:p>
+                  </a:txBody>
+                  <a:tcPr marT="91425" marB="91425" marR="91425" marL="91425"/>
+                </a:tc>
+              </a:tr>
+              <a:tr h="381000">
+                <a:tc>
+                  <a:txBody>
+                    <a:bodyPr>
+                      <a:noAutofit/>
+                    </a:bodyPr>
+                    <a:lstStyle/>
+                    <a:p>
+                      <a:pPr lvl="0" rtl="0">
+                        <a:spcBef>
+                          <a:spcPts val="0"/>
+                        </a:spcBef>
+                        <a:buNone/>
+                      </a:pPr>
+                      <a:r>
+                        <a:rPr lang="en"/>
+                        <a:t>Mark: Me too! Maybe it doesn’t matter if people like it or not!</a:t>
+                      </a:r>
+                    </a:p>
+                  </a:txBody>
+                  <a:tcPr marT="91425" marB="91425" marR="91425" marL="91425"/>
+                </a:tc>
+                <a:tc>
+                  <a:txBody>
+                    <a:bodyPr>
+                      <a:noAutofit/>
+                    </a:bodyPr>
+                    <a:lstStyle/>
+                    <a:p>
+                      <a:pPr lvl="0" rtl="0">
+                        <a:spcBef>
+                          <a:spcPts val="0"/>
+                        </a:spcBef>
+                        <a:buNone/>
+                      </a:pPr>
+                      <a:r>
+                        <a:t/>
+                      </a:r>
+                      <a:endParaRPr>
+                        <a:solidFill>
+                          <a:srgbClr val="FF0000"/>
+                        </a:solidFill>
+                      </a:endParaRPr>
+                    </a:p>
+                  </a:txBody>
+                  <a:tcPr marT="91425" marB="91425" marR="91425" marL="91425"/>
+                </a:tc>
+                <a:tc>
+                  <a:txBody>
+                    <a:bodyPr>
+                      <a:noAutofit/>
+                    </a:bodyPr>
+                    <a:lstStyle/>
+                    <a:p>
+                      <a:pPr lvl="0">
+                        <a:spcBef>
+                          <a:spcPts val="0"/>
+                        </a:spcBef>
+                        <a:buNone/>
+                      </a:pPr>
+                      <a:r>
+                        <a:t/>
+                      </a:r>
+                      <a:endParaRPr/>
+                    </a:p>
+                  </a:txBody>
+                  <a:tcPr marT="91425" marB="91425" marR="91425" marL="91425"/>
+                </a:tc>
+              </a:tr>
+              <a:tr h="381000">
+                <a:tc>
+                  <a:txBody>
+                    <a:bodyPr>
+                      <a:noAutofit/>
+                    </a:bodyPr>
+                    <a:lstStyle/>
+                    <a:p>
+                      <a:pPr lvl="0" rtl="0">
+                        <a:spcBef>
+                          <a:spcPts val="0"/>
+                        </a:spcBef>
+                        <a:buNone/>
+                      </a:pPr>
+                      <a:r>
+                        <a:rPr lang="en"/>
+                        <a:t>BSR: So what do we do now?</a:t>
+                      </a:r>
+                    </a:p>
+                  </a:txBody>
+                  <a:tcPr marT="91425" marB="91425" marR="91425" marL="91425"/>
+                </a:tc>
+                <a:tc>
+                  <a:txBody>
+                    <a:bodyPr>
+                      <a:noAutofit/>
+                    </a:bodyPr>
+                    <a:lstStyle/>
+                    <a:p>
+                      <a:pPr lvl="0" rtl="0">
+                        <a:spcBef>
+                          <a:spcPts val="0"/>
+                        </a:spcBef>
+                        <a:buNone/>
+                      </a:pPr>
+                      <a:r>
+                        <a:rPr lang="en"/>
+                        <a:t>Looks Back and forth between Mark and Brian</a:t>
+                      </a:r>
+                    </a:p>
+                  </a:txBody>
+                  <a:tcPr marT="91425" marB="91425" marR="91425" marL="91425"/>
+                </a:tc>
+                <a:tc>
+                  <a:txBody>
+                    <a:bodyPr>
+                      <a:noAutofit/>
+                    </a:bodyPr>
+                    <a:lstStyle/>
+                    <a:p>
+                      <a:pPr lvl="0">
+                        <a:spcBef>
+                          <a:spcPts val="0"/>
+                        </a:spcBef>
+                        <a:buNone/>
+                      </a:pPr>
+                      <a:r>
+                        <a:t/>
+                      </a:r>
+                      <a:endParaRPr/>
+                    </a:p>
+                  </a:txBody>
+                  <a:tcPr marT="91425" marB="91425" marR="91425" marL="91425"/>
+                </a:tc>
+              </a:tr>
+              <a:tr h="381000">
+                <a:tc>
+                  <a:txBody>
+                    <a:bodyPr>
+                      <a:noAutofit/>
+                    </a:bodyPr>
+                    <a:lstStyle/>
+                    <a:p>
+                      <a:pPr lvl="0" rtl="0">
+                        <a:spcBef>
+                          <a:spcPts val="0"/>
+                        </a:spcBef>
+                        <a:buNone/>
+                      </a:pPr>
+                      <a:r>
+                        <a:rPr lang="en"/>
+                        <a:t>Mark and Brian in unison: HIT IT!</a:t>
+                      </a:r>
+                    </a:p>
+                  </a:txBody>
+                  <a:tcPr marT="91425" marB="91425" marR="91425" marL="91425"/>
+                </a:tc>
+                <a:tc>
+                  <a:txBody>
+                    <a:bodyPr>
+                      <a:noAutofit/>
+                    </a:bodyPr>
+                    <a:lstStyle/>
+                    <a:p>
+                      <a:pPr lvl="0" rtl="0">
+                        <a:spcBef>
+                          <a:spcPts val="0"/>
+                        </a:spcBef>
+                        <a:buNone/>
+                      </a:pPr>
+                      <a:r>
+                        <a:rPr lang="en"/>
+                        <a:t>Turn towards each other and then back towards the crowd</a:t>
+                      </a:r>
+                    </a:p>
+                  </a:txBody>
+                  <a:tcPr marT="91425" marB="91425" marR="91425" marL="91425"/>
+                </a:tc>
+                <a:tc>
+                  <a:txBody>
+                    <a:bodyPr>
+                      <a:noAutofit/>
+                    </a:bodyPr>
+                    <a:lstStyle/>
+                    <a:p>
+                      <a:pPr lvl="0" rtl="0">
+                        <a:spcBef>
+                          <a:spcPts val="0"/>
+                        </a:spcBef>
+                        <a:buNone/>
+                      </a:pPr>
+                      <a:r>
+                        <a:t/>
+                      </a:r>
+                      <a:endParaRPr/>
+                    </a:p>
+                  </a:txBody>
+                  <a:tcPr marT="91425" marB="91425" marR="91425" marL="91425"/>
+                </a:tc>
+              </a:tr>
+              <a:tr h="381000">
+                <a:tc>
+                  <a:txBody>
+                    <a:bodyPr>
+                      <a:noAutofit/>
+                    </a:bodyPr>
+                    <a:lstStyle/>
+                    <a:p>
+                      <a:pPr lvl="0">
+                        <a:spcBef>
+                          <a:spcPts val="0"/>
+                        </a:spcBef>
+                        <a:buNone/>
+                      </a:pPr>
+                      <a:r>
+                        <a:rPr lang="en"/>
+                        <a:t>Music starts playing</a:t>
+                      </a:r>
+                    </a:p>
+                    <a:p>
+                      <a:pPr lvl="0" rtl="0">
+                        <a:spcBef>
+                          <a:spcPts val="0"/>
+                        </a:spcBef>
+                        <a:buClr>
+                          <a:schemeClr val="dk1"/>
+                        </a:buClr>
+                        <a:buSzPct val="78571"/>
+                        <a:buFont typeface="Arial"/>
+                        <a:buNone/>
+                      </a:pPr>
+                      <a:r>
+                        <a:rPr lang="en">
+                          <a:solidFill>
+                            <a:schemeClr val="dk1"/>
+                          </a:solidFill>
+                        </a:rPr>
+                        <a:t>Mark and Brian starts dancing on their own.</a:t>
+                      </a:r>
+                    </a:p>
+                  </a:txBody>
+                  <a:tcPr marT="91425" marB="91425" marR="91425" marL="91425"/>
+                </a:tc>
+                <a:tc>
+                  <a:txBody>
+                    <a:bodyPr>
+                      <a:noAutofit/>
+                    </a:bodyPr>
+                    <a:lstStyle/>
+                    <a:p>
+                      <a:pPr lvl="0" rtl="0">
+                        <a:spcBef>
+                          <a:spcPts val="0"/>
+                        </a:spcBef>
+                        <a:buNone/>
+                      </a:pPr>
+                      <a:r>
+                        <a:rPr lang="en"/>
+                        <a:t>BSM looks at them and shakes head </a:t>
+                      </a:r>
+                      <a:r>
+                        <a:rPr lang="en"/>
+                        <a:t>disapprovingly</a:t>
+                      </a:r>
+                      <a:r>
+                        <a:rPr lang="en"/>
+                        <a:t> and starts walking away</a:t>
+                      </a:r>
+                    </a:p>
+                  </a:txBody>
+                  <a:tcPr marT="91425" marB="91425" marR="91425" marL="91425"/>
+                </a:tc>
+                <a:tc>
+                  <a:txBody>
+                    <a:bodyPr>
+                      <a:noAutofit/>
+                    </a:bodyPr>
+                    <a:lstStyle/>
+                    <a:p>
+                      <a:pPr lvl="0" rtl="0">
+                        <a:spcBef>
+                          <a:spcPts val="0"/>
+                        </a:spcBef>
+                        <a:buNone/>
+                      </a:pPr>
+                      <a:r>
+                        <a:rPr lang="en"/>
+                        <a:t>Curtain closes</a:t>
+                      </a:r>
+                    </a:p>
+                  </a:txBody>
+                  <a:tcPr marT="91425" marB="91425" marR="91425" marL="91425"/>
+                </a:tc>
+              </a:tr>
+              <a:tr h="381000">
+                <a:tc>
+                  <a:txBody>
+                    <a:bodyPr>
+                      <a:noAutofit/>
+                    </a:bodyPr>
+                    <a:lstStyle/>
+                    <a:p>
+                      <a:pPr lvl="0" rtl="0">
+                        <a:spcBef>
+                          <a:spcPts val="0"/>
+                        </a:spcBef>
+                        <a:buNone/>
+                      </a:pPr>
+                      <a:r>
+                        <a:rPr lang="en"/>
+                        <a:t>After the curtain closes, the robots are set up in a line </a:t>
+                      </a:r>
+                    </a:p>
+                  </a:txBody>
+                  <a:tcPr marT="91425" marB="91425" marR="91425" marL="91425">
+                    <a:solidFill>
+                      <a:srgbClr val="FFFF00"/>
+                    </a:solidFill>
+                  </a:tcPr>
+                </a:tc>
+                <a:tc>
+                  <a:txBody>
+                    <a:bodyPr>
+                      <a:noAutofit/>
+                    </a:bodyPr>
+                    <a:lstStyle/>
+                    <a:p>
+                      <a:pPr lvl="0" rtl="0">
+                        <a:spcBef>
+                          <a:spcPts val="0"/>
+                        </a:spcBef>
+                        <a:buNone/>
+                      </a:pPr>
+                      <a:r>
+                        <a:rPr lang="en"/>
+                        <a:t>The curtain opens again and they take a bow and wave to the crowd while music still plays</a:t>
+                      </a:r>
+                    </a:p>
+                  </a:txBody>
+                  <a:tcPr marT="91425" marB="91425" marR="91425" marL="91425">
+                    <a:solidFill>
+                      <a:srgbClr val="FFFF00"/>
+                    </a:solidFill>
+                  </a:tcPr>
+                </a:tc>
+                <a:tc>
+                  <a:txBody>
+                    <a:bodyPr>
+                      <a:noAutofit/>
+                    </a:bodyPr>
+                    <a:lstStyle/>
+                    <a:p>
+                      <a:pPr lvl="0" rtl="0">
+                        <a:spcBef>
+                          <a:spcPts val="0"/>
+                        </a:spcBef>
+                        <a:buNone/>
+                      </a:pPr>
+                      <a:r>
+                        <a:rPr lang="en"/>
+                        <a:t>Curtain closes again and the music fades</a:t>
+                      </a:r>
+                    </a:p>
+                    <a:p>
+                      <a:pPr lvl="0" rtl="0">
+                        <a:spcBef>
+                          <a:spcPts val="0"/>
+                        </a:spcBef>
+                        <a:buNone/>
+                      </a:pPr>
+                      <a:r>
+                        <a:rPr lang="en"/>
+                        <a:t>The play is over.</a:t>
+                      </a:r>
+                    </a:p>
+                  </a:txBody>
+                  <a:tcPr marT="91425" marB="91425" marR="91425" marL="91425">
+                    <a:solidFill>
+                      <a:srgbClr val="FFFF00"/>
+                    </a:solidFill>
+                  </a:tcPr>
+                </a:tc>
+              </a:tr>
+            </a:tbl>
+          </a:graphicData>
+        </a:graphic>
+      </p:graphicFrame>
     </p:spTree>
   </p:cSld>
   <p:clrMapOvr>
@@ -6446,12 +7189,13 @@
             <a:tbl>
               <a:tblPr>
                 <a:noFill/>
-                <a:tableStyleId>{FC9AC841-A61D-4312-9AED-BA9E0F85306A}</a:tableStyleId>
+                <a:tableStyleId>{B49D1780-A627-49F9-872E-C7C48A70C06E}</a:tableStyleId>
               </a:tblPr>
               <a:tblGrid>
-                <a:gridCol w="2329675"/>
-                <a:gridCol w="2329675"/>
-                <a:gridCol w="3349250"/>
+                <a:gridCol w="1561475"/>
+                <a:gridCol w="1561475"/>
+                <a:gridCol w="3966225"/>
+                <a:gridCol w="2082475"/>
               </a:tblGrid>
               <a:tr h="100000">
                 <a:tc>
@@ -6517,6 +7261,27 @@
                   </a:txBody>
                   <a:tcPr marT="91425" marB="91425" marR="91425" marL="91425"/>
                 </a:tc>
+                <a:tc>
+                  <a:txBody>
+                    <a:bodyPr>
+                      <a:noAutofit/>
+                    </a:bodyPr>
+                    <a:lstStyle/>
+                    <a:p>
+                      <a:pPr lvl="0" rtl="0" algn="ctr">
+                        <a:spcBef>
+                          <a:spcPts val="0"/>
+                        </a:spcBef>
+                        <a:buNone/>
+                      </a:pPr>
+                      <a:r>
+                        <a:rPr b="1" lang="en"/>
+                        <a:t>Motion name</a:t>
+                      </a:r>
+                    </a:p>
+                  </a:txBody>
+                  <a:tcPr marT="91425" marB="91425" marR="91425" marL="91425"/>
+                </a:tc>
               </a:tr>
               <a:tr h="781950">
                 <a:tc>
@@ -6534,7 +7299,7 @@
                       </a:pPr>
                       <a:r>
                         <a:rPr lang="en"/>
-                        <a:t>MCR is laying on back</a:t>
+                        <a:t>(Mark and Brian are laying on their backs)</a:t>
                       </a:r>
                     </a:p>
                   </a:txBody>
@@ -6590,6 +7355,27 @@
                         <a:rPr lang="en"/>
                         <a:t>Two spot lights. One on each robot</a:t>
                       </a:r>
+                    </a:p>
+                  </a:txBody>
+                  <a:tcPr marT="91425" marB="91425" marR="91425" marL="91425"/>
+                </a:tc>
+                <a:tc>
+                  <a:txBody>
+                    <a:bodyPr>
+                      <a:noAutofit/>
+                    </a:bodyPr>
+                    <a:lstStyle/>
+                    <a:p>
+                      <a:pPr lvl="0" rtl="0">
+                        <a:spcBef>
+                          <a:spcPts val="0"/>
+                        </a:spcBef>
+                        <a:buNone/>
+                      </a:pPr>
+                      <a:r>
+                        <a:t/>
+                      </a:r>
+                      <a:endParaRPr/>
                     </a:p>
                   </a:txBody>
                   <a:tcPr marT="91425" marB="91425" marR="91425" marL="91425"/>
@@ -6623,6 +7409,31 @@
                 </a:tc>
                 <a:tc hMerge="1"/>
                 <a:tc hMerge="1"/>
+                <a:tc>
+                  <a:txBody>
+                    <a:bodyPr>
+                      <a:noAutofit/>
+                    </a:bodyPr>
+                    <a:lstStyle/>
+                    <a:p>
+                      <a:pPr lvl="0" rtl="0">
+                        <a:spcBef>
+                          <a:spcPts val="0"/>
+                        </a:spcBef>
+                        <a:buNone/>
+                      </a:pPr>
+                      <a:r>
+                        <a:t/>
+                      </a:r>
+                      <a:endParaRPr>
+                        <a:solidFill>
+                          <a:schemeClr val="dk1"/>
+                        </a:solidFill>
+                      </a:endParaRPr>
+                    </a:p>
+                  </a:txBody>
+                  <a:tcPr marT="91425" marB="91425" marR="91425" marL="91425"/>
+                </a:tc>
               </a:tr>
               <a:tr h="781950">
                 <a:tc>
@@ -6640,7 +7451,7 @@
                       </a:pPr>
                       <a:r>
                         <a:rPr lang="en"/>
-                        <a:t>TWR laying on stomach</a:t>
+                        <a:t>(Mark gets up)</a:t>
                       </a:r>
                     </a:p>
                   </a:txBody>
@@ -6661,9 +7472,18 @@
                       </a:pPr>
                       <a:r>
                         <a:rPr lang="en"/>
-                        <a:t>Lay down position</a:t>
-                      </a:r>
-                    </a:p>
+                        <a:t>Stand up motion</a:t>
+                      </a:r>
+                    </a:p>
+                  </a:txBody>
+                  <a:tcPr marT="91425" marB="91425" marR="91425" marL="91425"/>
+                </a:tc>
+                <a:tc>
+                  <a:txBody>
+                    <a:bodyPr>
+                      <a:noAutofit/>
+                    </a:bodyPr>
+                    <a:lstStyle/>
                     <a:p>
                       <a:pPr lvl="0">
                         <a:spcBef>
@@ -6673,18 +7493,17 @@
                       </a:pPr>
                       <a:r>
                         <a:rPr lang="en"/>
-                        <a:t>(No mo)</a:t>
-                      </a:r>
-                    </a:p>
-                  </a:txBody>
-                  <a:tcPr marT="91425" marB="91425" marR="91425" marL="91425"/>
-                </a:tc>
-                <a:tc>
-                  <a:txBody>
-                    <a:bodyPr>
-                      <a:noAutofit/>
-                    </a:bodyPr>
-                    <a:lstStyle/>
+                        <a:t>Light on </a:t>
+                      </a:r>
+                      <a:r>
+                        <a:rPr lang="en"/>
+                        <a:t>second</a:t>
+                      </a:r>
+                      <a:r>
+                        <a:rPr lang="en"/>
+                        <a:t> robot fades, </a:t>
+                      </a:r>
+                    </a:p>
                     <a:p>
                       <a:pPr lvl="0">
                         <a:spcBef>
@@ -6694,28 +7513,29 @@
                       </a:pPr>
                       <a:r>
                         <a:rPr lang="en"/>
-                        <a:t>Light on </a:t>
-                      </a:r>
-                      <a:r>
-                        <a:rPr lang="en"/>
-                        <a:t>second</a:t>
-                      </a:r>
-                      <a:r>
-                        <a:rPr lang="en"/>
-                        <a:t> robot fades, </a:t>
-                      </a:r>
-                    </a:p>
-                    <a:p>
-                      <a:pPr lvl="0">
-                        <a:spcBef>
-                          <a:spcPts val="0"/>
-                        </a:spcBef>
-                        <a:buNone/>
-                      </a:pPr>
-                      <a:r>
-                        <a:rPr lang="en"/>
-                        <a:t>Light on TWR becomes brighter.</a:t>
-                      </a:r>
+                        <a:t>Light on Mark becomes brighter.</a:t>
+                      </a:r>
+                    </a:p>
+                  </a:txBody>
+                  <a:tcPr marT="91425" marB="91425" marR="91425" marL="91425"/>
+                </a:tc>
+                <a:tc>
+                  <a:txBody>
+                    <a:bodyPr>
+                      <a:noAutofit/>
+                    </a:bodyPr>
+                    <a:lstStyle/>
+                    <a:p>
+                      <a:pPr lvl="0" rtl="0">
+                        <a:spcBef>
+                          <a:spcPts val="0"/>
+                        </a:spcBef>
+                        <a:buNone/>
+                      </a:pPr>
+                      <a:r>
+                        <a:t/>
+                      </a:r>
+                      <a:endParaRPr/>
                     </a:p>
                   </a:txBody>
                   <a:tcPr marT="91425" marB="91425" marR="91425" marL="91425"/>
@@ -6737,7 +7557,7 @@
                       </a:pPr>
                       <a:r>
                         <a:rPr lang="en"/>
-                        <a:t>TWR: Ohh I slept really well</a:t>
+                        <a:t>Mark: I slept well, But I had really weird dreams!</a:t>
                       </a:r>
                     </a:p>
                   </a:txBody>
@@ -6757,10 +7577,19 @@
                         <a:buNone/>
                       </a:pPr>
                       <a:r>
-                        <a:rPr lang="en"/>
-                        <a:t>Gets up</a:t>
-                      </a:r>
-                    </a:p>
+                        <a:t/>
+                      </a:r>
+                      <a:endParaRPr/>
+                    </a:p>
+                  </a:txBody>
+                  <a:tcPr marT="91425" marB="91425" marR="91425" marL="91425"/>
+                </a:tc>
+                <a:tc>
+                  <a:txBody>
+                    <a:bodyPr>
+                      <a:noAutofit/>
+                    </a:bodyPr>
+                    <a:lstStyle/>
                     <a:p>
                       <a:pPr lvl="0">
                         <a:spcBef>
@@ -6769,9 +7598,9 @@
                         <a:buNone/>
                       </a:pPr>
                       <a:r>
-                        <a:rPr lang="en"/>
-                        <a:t>Standing position</a:t>
-                      </a:r>
+                        <a:t/>
+                      </a:r>
+                      <a:endParaRPr/>
                     </a:p>
                   </a:txBody>
                   <a:tcPr marT="91425" marB="91425" marR="91425" marL="91425"/>
@@ -6814,7 +7643,15 @@
                       </a:pPr>
                       <a:r>
                         <a:rPr lang="en"/>
-                        <a:t>TWR: I slept and slept but I am afraid some of my circuits are faulty. Because I has strange dreams. </a:t>
+                        <a:t>Mark: Well, better do my </a:t>
+                      </a:r>
+                      <a:r>
+                        <a:rPr lang="en"/>
+                        <a:t>stretches</a:t>
+                      </a:r>
+                      <a:r>
+                        <a:rPr lang="en"/>
+                        <a:t>! ::grunts::</a:t>
                       </a:r>
                     </a:p>
                   </a:txBody>
@@ -6835,8 +7672,29 @@
                       </a:pPr>
                       <a:r>
                         <a:rPr lang="en"/>
-                        <a:t>Stretching position</a:t>
-                      </a:r>
+                        <a:t>Stretching</a:t>
+                      </a:r>
+                    </a:p>
+                  </a:txBody>
+                  <a:tcPr marT="91425" marB="91425" marR="91425" marL="91425"/>
+                </a:tc>
+                <a:tc>
+                  <a:txBody>
+                    <a:bodyPr>
+                      <a:noAutofit/>
+                    </a:bodyPr>
+                    <a:lstStyle/>
+                    <a:p>
+                      <a:pPr lvl="0">
+                        <a:spcBef>
+                          <a:spcPts val="0"/>
+                        </a:spcBef>
+                        <a:buNone/>
+                      </a:pPr>
+                      <a:r>
+                        <a:t/>
+                      </a:r>
+                      <a:endParaRPr/>
                     </a:p>
                   </a:txBody>
                   <a:tcPr marT="91425" marB="91425" marR="91425" marL="91425"/>
@@ -6945,12 +7803,13 @@
             <a:tbl>
               <a:tblPr>
                 <a:noFill/>
-                <a:tableStyleId>{FC9AC841-A61D-4312-9AED-BA9E0F85306A}</a:tableStyleId>
+                <a:tableStyleId>{B49D1780-A627-49F9-872E-C7C48A70C06E}</a:tableStyleId>
               </a:tblPr>
               <a:tblGrid>
-                <a:gridCol w="2672075"/>
-                <a:gridCol w="2672075"/>
-                <a:gridCol w="2672075"/>
+                <a:gridCol w="2827225"/>
+                <a:gridCol w="2147450"/>
+                <a:gridCol w="2061325"/>
+                <a:gridCol w="2135050"/>
               </a:tblGrid>
               <a:tr h="381000">
                 <a:tc>
@@ -6960,27 +7819,6 @@
                     </a:bodyPr>
                     <a:lstStyle/>
                     <a:p>
-                      <a:pPr lvl="0" rtl="0">
-                        <a:spcBef>
-                          <a:spcPts val="0"/>
-                        </a:spcBef>
-                        <a:buNone/>
-                      </a:pPr>
-                      <a:r>
-                        <a:rPr lang="en"/>
-                        <a:t>TWR: Such dreams only occur to me only when there is sparking in my cables.</a:t>
-                      </a:r>
-                    </a:p>
-                  </a:txBody>
-                  <a:tcPr marT="91425" marB="91425" marR="91425" marL="91425"/>
-                </a:tc>
-                <a:tc>
-                  <a:txBody>
-                    <a:bodyPr>
-                      <a:noAutofit/>
-                    </a:bodyPr>
-                    <a:lstStyle/>
-                    <a:p>
                       <a:pPr lvl="0">
                         <a:spcBef>
                           <a:spcPts val="0"/>
@@ -6989,7 +7827,40 @@
                       </a:pPr>
                       <a:r>
                         <a:rPr lang="en"/>
-                        <a:t>Moving Forward position</a:t>
+                        <a:t>Mark:  What about you, Brian?</a:t>
+                      </a:r>
+                    </a:p>
+                    <a:p>
+                      <a:pPr lvl="0" rtl="0">
+                        <a:spcBef>
+                          <a:spcPts val="0"/>
+                        </a:spcBef>
+                        <a:buNone/>
+                      </a:pPr>
+                      <a:r>
+                        <a:rPr lang="en"/>
+                        <a:t>Did you have any….</a:t>
+                      </a:r>
+                    </a:p>
+                  </a:txBody>
+                  <a:tcPr marT="91425" marB="91425" marR="91425" marL="91425"/>
+                </a:tc>
+                <a:tc>
+                  <a:txBody>
+                    <a:bodyPr>
+                      <a:noAutofit/>
+                    </a:bodyPr>
+                    <a:lstStyle/>
+                    <a:p>
+                      <a:pPr lvl="0">
+                        <a:spcBef>
+                          <a:spcPts val="0"/>
+                        </a:spcBef>
+                        <a:buNone/>
+                      </a:pPr>
+                      <a:r>
+                        <a:rPr lang="en"/>
+                        <a:t>Turns towards Brian!</a:t>
                       </a:r>
                     </a:p>
                     <a:p>
@@ -7015,6 +7886,27 @@
                     <a:lstStyle/>
                     <a:p>
                       <a:pPr lvl="0">
+                        <a:spcBef>
+                          <a:spcPts val="0"/>
+                        </a:spcBef>
+                        <a:buNone/>
+                      </a:pPr>
+                      <a:r>
+                        <a:rPr lang="en"/>
+                        <a:t>Spotlight on Brian</a:t>
+                      </a:r>
+                    </a:p>
+                  </a:txBody>
+                  <a:tcPr marT="91425" marB="91425" marR="91425" marL="91425"/>
+                </a:tc>
+                <a:tc>
+                  <a:txBody>
+                    <a:bodyPr>
+                      <a:noAutofit/>
+                    </a:bodyPr>
+                    <a:lstStyle/>
+                    <a:p>
+                      <a:pPr lvl="0" rtl="0">
                         <a:spcBef>
                           <a:spcPts val="0"/>
                         </a:spcBef>
@@ -7045,7 +7937,7 @@
                       </a:pPr>
                       <a:r>
                         <a:rPr lang="en"/>
-                        <a:t>TWR: I dreamt that I was in a dark hall and in front of me there were humans who sat there and looked at me.</a:t>
+                        <a:t>Mark: AHH! Oh my god! BRIAN?</a:t>
                       </a:r>
                     </a:p>
                   </a:txBody>
@@ -7066,9 +7958,18 @@
                       </a:pPr>
                       <a:r>
                         <a:rPr lang="en"/>
-                        <a:t>Stretching legs one by one position</a:t>
-                      </a:r>
-                    </a:p>
+                        <a:t>Freaks out</a:t>
+                      </a:r>
+                    </a:p>
+                  </a:txBody>
+                  <a:tcPr marT="91425" marB="91425" marR="91425" marL="91425"/>
+                </a:tc>
+                <a:tc>
+                  <a:txBody>
+                    <a:bodyPr>
+                      <a:noAutofit/>
+                    </a:bodyPr>
+                    <a:lstStyle/>
                     <a:p>
                       <a:pPr lvl="0">
                         <a:spcBef>
@@ -7077,21 +7978,9 @@
                         <a:buNone/>
                       </a:pPr>
                       <a:r>
-                        <a:rPr lang="en"/>
-                        <a:t>Then</a:t>
-                      </a:r>
-                    </a:p>
-                    <a:p>
-                      <a:pPr lvl="0">
-                        <a:spcBef>
-                          <a:spcPts val="0"/>
-                        </a:spcBef>
-                        <a:buNone/>
-                      </a:pPr>
-                      <a:r>
-                        <a:rPr lang="en"/>
-                        <a:t>Moving head position (Looking around)</a:t>
-                      </a:r>
+                        <a:t/>
+                      </a:r>
+                      <a:endParaRPr/>
                     </a:p>
                   </a:txBody>
                   <a:tcPr marT="91425" marB="91425" marR="91425" marL="91425"/>
@@ -7133,9 +8022,9 @@
                         <a:buNone/>
                       </a:pPr>
                       <a:r>
-                        <a:rPr lang="en"/>
-                        <a:t>TWR: Well, I guess I better do my stretches!</a:t>
-                      </a:r>
+                        <a:t/>
+                      </a:r>
+                      <a:endParaRPr/>
                     </a:p>
                   </a:txBody>
                   <a:tcPr marT="91425" marB="91425" marR="91425" marL="91425"/>
@@ -7155,9 +8044,18 @@
                       </a:pPr>
                       <a:r>
                         <a:rPr lang="en"/>
-                        <a:t>Pushup position</a:t>
-                      </a:r>
-                    </a:p>
+                        <a:t>Mark walks over to Brian</a:t>
+                      </a:r>
+                    </a:p>
+                  </a:txBody>
+                  <a:tcPr marT="91425" marB="91425" marR="91425" marL="91425"/>
+                </a:tc>
+                <a:tc>
+                  <a:txBody>
+                    <a:bodyPr>
+                      <a:noAutofit/>
+                    </a:bodyPr>
+                    <a:lstStyle/>
                     <a:p>
                       <a:pPr lvl="0">
                         <a:spcBef>
@@ -7166,21 +8064,9 @@
                         <a:buNone/>
                       </a:pPr>
                       <a:r>
-                        <a:rPr lang="en"/>
-                        <a:t>j</a:t>
-                      </a:r>
-                      <a:r>
-                        <a:rPr lang="en"/>
-                        <a:t>umps or boxing position </a:t>
-                      </a:r>
-                      <a:r>
-                        <a:rPr lang="en">
-                          <a:solidFill>
-                            <a:srgbClr val="FF0000"/>
-                          </a:solidFill>
-                        </a:rPr>
-                        <a:t>(To be decided)</a:t>
-                      </a:r>
+                        <a:t/>
+                      </a:r>
+                      <a:endParaRPr/>
                     </a:p>
                   </a:txBody>
                   <a:tcPr marT="91425" marB="91425" marR="91425" marL="91425"/>
@@ -7218,7 +8104,7 @@
           <p:nvPr/>
         </p:nvGraphicFramePr>
         <p:xfrm>
-          <a:off x="0" y="2857700"/>
+          <a:off x="8200" y="1370350"/>
           <a:ext cx="3000000" cy="3000000"/>
         </p:xfrm>
         <a:graphic>
@@ -7226,14 +8112,15 @@
             <a:tbl>
               <a:tblPr>
                 <a:noFill/>
-                <a:tableStyleId>{FC9AC841-A61D-4312-9AED-BA9E0F85306A}</a:tableStyleId>
+                <a:tableStyleId>{B49D1780-A627-49F9-872E-C7C48A70C06E}</a:tableStyleId>
               </a:tblPr>
               <a:tblGrid>
-                <a:gridCol w="2669525"/>
-                <a:gridCol w="2669525"/>
-                <a:gridCol w="2669525"/>
+                <a:gridCol w="2834225"/>
+                <a:gridCol w="2129825"/>
+                <a:gridCol w="2046425"/>
+                <a:gridCol w="2136500"/>
               </a:tblGrid>
-              <a:tr h="683700">
+              <a:tr h="618350">
                 <a:tc>
                   <a:txBody>
                     <a:bodyPr>
@@ -7249,7 +8136,7 @@
                       </a:pPr>
                       <a:r>
                         <a:rPr lang="en"/>
-                        <a:t>TWR: My head is bursting</a:t>
+                        <a:t>Mark: WHYYYY?!!</a:t>
                       </a:r>
                     </a:p>
                   </a:txBody>
@@ -7270,7 +8157,7 @@
                       </a:pPr>
                       <a:r>
                         <a:rPr lang="en"/>
-                        <a:t>Holding head with both hands position</a:t>
+                        <a:t>Why?! Pose stops on knees</a:t>
                       </a:r>
                     </a:p>
                   </a:txBody>
@@ -7297,8 +8184,104 @@
                   </a:txBody>
                   <a:tcPr marT="91425" marB="91425" marR="91425" marL="91425"/>
                 </a:tc>
+                <a:tc>
+                  <a:txBody>
+                    <a:bodyPr>
+                      <a:noAutofit/>
+                    </a:bodyPr>
+                    <a:lstStyle/>
+                    <a:p>
+                      <a:pPr lvl="0">
+                        <a:spcBef>
+                          <a:spcPts val="0"/>
+                        </a:spcBef>
+                        <a:buNone/>
+                      </a:pPr>
+                      <a:r>
+                        <a:t/>
+                      </a:r>
+                      <a:endParaRPr/>
+                    </a:p>
+                  </a:txBody>
+                  <a:tcPr marT="91425" marB="91425" marR="91425" marL="91425"/>
+                </a:tc>
               </a:tr>
-              <a:tr h="1034650">
+              <a:tr h="564775">
+                <a:tc>
+                  <a:txBody>
+                    <a:bodyPr>
+                      <a:noAutofit/>
+                    </a:bodyPr>
+                    <a:lstStyle/>
+                    <a:p>
+                      <a:pPr lvl="0" rtl="0">
+                        <a:spcBef>
+                          <a:spcPts val="0"/>
+                        </a:spcBef>
+                        <a:buNone/>
+                      </a:pPr>
+                      <a:r>
+                        <a:rPr lang="en"/>
+                        <a:t>Brian: What’s wrong?</a:t>
+                      </a:r>
+                    </a:p>
+                    <a:p>
+                      <a:pPr lvl="0" rtl="0">
+                        <a:spcBef>
+                          <a:spcPts val="0"/>
+                        </a:spcBef>
+                        <a:buNone/>
+                      </a:pPr>
+                      <a:r>
+                        <a:t/>
+                      </a:r>
+                      <a:endParaRPr/>
+                    </a:p>
+                  </a:txBody>
+                  <a:tcPr marT="91425" marB="91425" marR="91425" marL="91425"/>
+                </a:tc>
+                <a:tc>
+                  <a:txBody>
+                    <a:bodyPr>
+                      <a:noAutofit/>
+                    </a:bodyPr>
+                    <a:lstStyle/>
+                    <a:p>
+                      <a:pPr lvl="0" rtl="0">
+                        <a:spcBef>
+                          <a:spcPts val="0"/>
+                        </a:spcBef>
+                        <a:buClr>
+                          <a:schemeClr val="dk1"/>
+                        </a:buClr>
+                        <a:buSzPct val="78571"/>
+                        <a:buFont typeface="Arial"/>
+                        <a:buNone/>
+                      </a:pPr>
+                      <a:r>
+                        <a:rPr lang="en">
+                          <a:solidFill>
+                            <a:schemeClr val="dk1"/>
+                          </a:solidFill>
+                        </a:rPr>
+                        <a:t>turns Head towards Mark rapidly as if woken up</a:t>
+                      </a:r>
+                    </a:p>
+                    <a:p>
+                      <a:pPr lvl="0" rtl="0">
+                        <a:spcBef>
+                          <a:spcPts val="0"/>
+                        </a:spcBef>
+                        <a:buNone/>
+                      </a:pPr>
+                      <a:r>
+                        <a:t/>
+                      </a:r>
+                      <a:endParaRPr/>
+                    </a:p>
+                  </a:txBody>
+                  <a:tcPr marT="91425" marB="91425" marR="91425" marL="91425"/>
+                </a:tc>
                 <a:tc>
                   <a:txBody>
                     <a:bodyPr>
@@ -7313,9 +8296,87 @@
                         <a:buNone/>
                       </a:pPr>
                       <a:r>
-                        <a:rPr lang="en"/>
-                        <a:t>TWR: Because I don’t know what should I tell these humans</a:t>
-                      </a:r>
+                        <a:t/>
+                      </a:r>
+                      <a:endParaRPr/>
+                    </a:p>
+                  </a:txBody>
+                  <a:tcPr marT="91425" marB="91425" marR="91425" marL="91425"/>
+                </a:tc>
+                <a:tc>
+                  <a:txBody>
+                    <a:bodyPr>
+                      <a:noAutofit/>
+                    </a:bodyPr>
+                    <a:lstStyle/>
+                    <a:p>
+                      <a:pPr lvl="0" rtl="0">
+                        <a:spcBef>
+                          <a:spcPts val="0"/>
+                        </a:spcBef>
+                        <a:buNone/>
+                      </a:pPr>
+                      <a:r>
+                        <a:t/>
+                      </a:r>
+                      <a:endParaRPr/>
+                    </a:p>
+                  </a:txBody>
+                  <a:tcPr marT="91425" marB="91425" marR="91425" marL="91425"/>
+                </a:tc>
+              </a:tr>
+              <a:tr h="425525">
+                <a:tc>
+                  <a:txBody>
+                    <a:bodyPr>
+                      <a:noAutofit/>
+                    </a:bodyPr>
+                    <a:lstStyle/>
+                    <a:p>
+                      <a:pPr lvl="0" rtl="0">
+                        <a:spcBef>
+                          <a:spcPts val="0"/>
+                        </a:spcBef>
+                        <a:buClr>
+                          <a:schemeClr val="dk1"/>
+                        </a:buClr>
+                        <a:buSzPct val="78571"/>
+                        <a:buFont typeface="Arial"/>
+                        <a:buNone/>
+                      </a:pPr>
+                      <a:r>
+                        <a:rPr lang="en">
+                          <a:solidFill>
+                            <a:schemeClr val="dk1"/>
+                          </a:solidFill>
+                        </a:rPr>
+                        <a:t>Mark: Why were you sleeping with a knife?!</a:t>
+                      </a:r>
+                    </a:p>
+                  </a:txBody>
+                  <a:tcPr marT="91425" marB="91425" marR="91425" marL="91425"/>
+                </a:tc>
+                <a:tc>
+                  <a:txBody>
+                    <a:bodyPr>
+                      <a:noAutofit/>
+                    </a:bodyPr>
+                    <a:lstStyle/>
+                    <a:p>
+                      <a:pPr lvl="0" rtl="0">
+                        <a:spcBef>
+                          <a:spcPts val="0"/>
+                        </a:spcBef>
+                        <a:buNone/>
+                      </a:pPr>
+                      <a:r>
+                        <a:t/>
+                      </a:r>
+                      <a:endParaRPr>
+                        <a:solidFill>
+                          <a:schemeClr val="dk1"/>
+                        </a:solidFill>
+                      </a:endParaRPr>
                     </a:p>
                   </a:txBody>
                   <a:tcPr marT="91425" marB="91425" marR="91425" marL="91425"/>
@@ -7334,10 +8395,92 @@
                         <a:buNone/>
                       </a:pPr>
                       <a:r>
-                        <a:rPr lang="en"/>
-                        <a:t>Leaning forward </a:t>
-                      </a:r>
-                    </a:p>
+                        <a:t/>
+                      </a:r>
+                      <a:endParaRPr/>
+                    </a:p>
+                  </a:txBody>
+                  <a:tcPr marT="91425" marB="91425" marR="91425" marL="91425"/>
+                </a:tc>
+                <a:tc>
+                  <a:txBody>
+                    <a:bodyPr>
+                      <a:noAutofit/>
+                    </a:bodyPr>
+                    <a:lstStyle/>
+                    <a:p>
+                      <a:pPr lvl="0" rtl="0">
+                        <a:spcBef>
+                          <a:spcPts val="0"/>
+                        </a:spcBef>
+                        <a:buNone/>
+                      </a:pPr>
+                      <a:r>
+                        <a:t/>
+                      </a:r>
+                      <a:endParaRPr/>
+                    </a:p>
+                  </a:txBody>
+                  <a:tcPr marT="91425" marB="91425" marR="91425" marL="91425"/>
+                </a:tc>
+              </a:tr>
+              <a:tr h="425525">
+                <a:tc>
+                  <a:txBody>
+                    <a:bodyPr>
+                      <a:noAutofit/>
+                    </a:bodyPr>
+                    <a:lstStyle/>
+                    <a:p>
+                      <a:pPr lvl="0" rtl="0">
+                        <a:spcBef>
+                          <a:spcPts val="0"/>
+                        </a:spcBef>
+                        <a:buNone/>
+                      </a:pPr>
+                      <a:r>
+                        <a:rPr lang="en">
+                          <a:solidFill>
+                            <a:schemeClr val="dk1"/>
+                          </a:solidFill>
+                        </a:rPr>
+                        <a:t>Brian: Sometimes I can’t sleep without it!</a:t>
+                      </a:r>
+                    </a:p>
+                  </a:txBody>
+                  <a:tcPr marT="91425" marB="91425" marR="91425" marL="91425"/>
+                </a:tc>
+                <a:tc>
+                  <a:txBody>
+                    <a:bodyPr>
+                      <a:noAutofit/>
+                    </a:bodyPr>
+                    <a:lstStyle/>
+                    <a:p>
+                      <a:pPr lvl="0" rtl="0">
+                        <a:spcBef>
+                          <a:spcPts val="0"/>
+                        </a:spcBef>
+                        <a:buNone/>
+                      </a:pPr>
+                      <a:r>
+                        <a:t/>
+                      </a:r>
+                      <a:endParaRPr>
+                        <a:solidFill>
+                          <a:schemeClr val="dk1"/>
+                        </a:solidFill>
+                      </a:endParaRPr>
+                    </a:p>
+                  </a:txBody>
+                  <a:tcPr marT="91425" marB="91425" marR="91425" marL="91425"/>
+                </a:tc>
+                <a:tc>
+                  <a:txBody>
+                    <a:bodyPr>
+                      <a:noAutofit/>
+                    </a:bodyPr>
+                    <a:lstStyle/>
                     <a:p>
                       <a:pPr lvl="0">
                         <a:spcBef>
@@ -7346,10 +8489,186 @@
                         <a:buNone/>
                       </a:pPr>
                       <a:r>
-                        <a:rPr lang="en"/>
-                        <a:t>Raising hand above eyes</a:t>
-                      </a:r>
-                    </a:p>
+                        <a:t/>
+                      </a:r>
+                      <a:endParaRPr/>
+                    </a:p>
+                  </a:txBody>
+                  <a:tcPr marT="91425" marB="91425" marR="91425" marL="91425"/>
+                </a:tc>
+                <a:tc>
+                  <a:txBody>
+                    <a:bodyPr>
+                      <a:noAutofit/>
+                    </a:bodyPr>
+                    <a:lstStyle/>
+                    <a:p>
+                      <a:pPr lvl="0">
+                        <a:spcBef>
+                          <a:spcPts val="0"/>
+                        </a:spcBef>
+                        <a:buNone/>
+                      </a:pPr>
+                      <a:r>
+                        <a:t/>
+                      </a:r>
+                      <a:endParaRPr/>
+                    </a:p>
+                  </a:txBody>
+                  <a:tcPr marT="91425" marB="91425" marR="91425" marL="91425"/>
+                </a:tc>
+              </a:tr>
+              <a:tr h="425525">
+                <a:tc>
+                  <a:txBody>
+                    <a:bodyPr>
+                      <a:noAutofit/>
+                    </a:bodyPr>
+                    <a:lstStyle/>
+                    <a:p>
+                      <a:pPr lvl="0" rtl="0">
+                        <a:spcBef>
+                          <a:spcPts val="0"/>
+                        </a:spcBef>
+                        <a:buNone/>
+                      </a:pPr>
+                      <a:r>
+                        <a:t/>
+                      </a:r>
+                      <a:endParaRPr>
+                        <a:solidFill>
+                          <a:schemeClr val="dk1"/>
+                        </a:solidFill>
+                      </a:endParaRPr>
+                    </a:p>
+                  </a:txBody>
+                  <a:tcPr marT="91425" marB="91425" marR="91425" marL="91425"/>
+                </a:tc>
+                <a:tc>
+                  <a:txBody>
+                    <a:bodyPr>
+                      <a:noAutofit/>
+                    </a:bodyPr>
+                    <a:lstStyle/>
+                    <a:p>
+                      <a:pPr lvl="0" rtl="0">
+                        <a:spcBef>
+                          <a:spcPts val="0"/>
+                        </a:spcBef>
+                        <a:buNone/>
+                      </a:pPr>
+                      <a:r>
+                        <a:rPr lang="en">
+                          <a:solidFill>
+                            <a:schemeClr val="dk1"/>
+                          </a:solidFill>
+                        </a:rPr>
+                        <a:t>Mark turns to crowd and shakes head</a:t>
+                      </a:r>
+                    </a:p>
+                  </a:txBody>
+                  <a:tcPr marT="91425" marB="91425" marR="91425" marL="91425"/>
+                </a:tc>
+                <a:tc>
+                  <a:txBody>
+                    <a:bodyPr>
+                      <a:noAutofit/>
+                    </a:bodyPr>
+                    <a:lstStyle/>
+                    <a:p>
+                      <a:pPr lvl="0">
+                        <a:spcBef>
+                          <a:spcPts val="0"/>
+                        </a:spcBef>
+                        <a:buNone/>
+                      </a:pPr>
+                      <a:r>
+                        <a:t/>
+                      </a:r>
+                      <a:endParaRPr/>
+                    </a:p>
+                  </a:txBody>
+                  <a:tcPr marT="91425" marB="91425" marR="91425" marL="91425"/>
+                </a:tc>
+                <a:tc>
+                  <a:txBody>
+                    <a:bodyPr>
+                      <a:noAutofit/>
+                    </a:bodyPr>
+                    <a:lstStyle/>
+                    <a:p>
+                      <a:pPr lvl="0">
+                        <a:spcBef>
+                          <a:spcPts val="0"/>
+                        </a:spcBef>
+                        <a:buNone/>
+                      </a:pPr>
+                      <a:r>
+                        <a:t/>
+                      </a:r>
+                      <a:endParaRPr/>
+                    </a:p>
+                  </a:txBody>
+                  <a:tcPr marT="91425" marB="91425" marR="91425" marL="91425"/>
+                </a:tc>
+              </a:tr>
+              <a:tr h="425525">
+                <a:tc>
+                  <a:txBody>
+                    <a:bodyPr>
+                      <a:noAutofit/>
+                    </a:bodyPr>
+                    <a:lstStyle/>
+                    <a:p>
+                      <a:pPr lvl="0" rtl="0">
+                        <a:spcBef>
+                          <a:spcPts val="0"/>
+                        </a:spcBef>
+                        <a:buNone/>
+                      </a:pPr>
+                      <a:r>
+                        <a:rPr lang="en">
+                          <a:solidFill>
+                            <a:schemeClr val="dk1"/>
+                          </a:solidFill>
+                        </a:rPr>
+                        <a:t>Mark: This has to be a dream!</a:t>
+                      </a:r>
+                    </a:p>
+                  </a:txBody>
+                  <a:tcPr marT="91425" marB="91425" marR="91425" marL="91425"/>
+                </a:tc>
+                <a:tc>
+                  <a:txBody>
+                    <a:bodyPr>
+                      <a:noAutofit/>
+                    </a:bodyPr>
+                    <a:lstStyle/>
+                    <a:p>
+                      <a:pPr lvl="0" rtl="0">
+                        <a:spcBef>
+                          <a:spcPts val="0"/>
+                        </a:spcBef>
+                        <a:buNone/>
+                      </a:pPr>
+                      <a:r>
+                        <a:rPr lang="en">
+                          <a:solidFill>
+                            <a:schemeClr val="dk1"/>
+                          </a:solidFill>
+                        </a:rPr>
+                        <a:t>Brian stands up</a:t>
+                      </a:r>
+                    </a:p>
+                  </a:txBody>
+                  <a:tcPr marT="91425" marB="91425" marR="91425" marL="91425"/>
+                </a:tc>
+                <a:tc>
+                  <a:txBody>
+                    <a:bodyPr>
+                      <a:noAutofit/>
+                    </a:bodyPr>
+                    <a:lstStyle/>
                     <a:p>
                       <a:pPr lvl="0">
                         <a:spcBef>
@@ -7431,12 +8750,13 @@
             <a:tbl>
               <a:tblPr>
                 <a:noFill/>
-                <a:tableStyleId>{FC9AC841-A61D-4312-9AED-BA9E0F85306A}</a:tableStyleId>
+                <a:tableStyleId>{B49D1780-A627-49F9-872E-C7C48A70C06E}</a:tableStyleId>
               </a:tblPr>
               <a:tblGrid>
-                <a:gridCol w="2681850"/>
-                <a:gridCol w="2681850"/>
-                <a:gridCol w="2681850"/>
+                <a:gridCol w="2371150"/>
+                <a:gridCol w="2469400"/>
+                <a:gridCol w="2626300"/>
+                <a:gridCol w="1692600"/>
               </a:tblGrid>
               <a:tr h="381000">
                 <a:tc>
@@ -7454,7 +8774,7 @@
                       </a:pPr>
                       <a:r>
                         <a:rPr lang="en"/>
-                        <a:t>TWR: Oh, oh! And may be this is not a dream? Am I mistaken that i see somebody sitting here?</a:t>
+                        <a:t>Mark: Well if this is a dream I guess I can do this in front of this crowd!</a:t>
                       </a:r>
                     </a:p>
                   </a:txBody>
@@ -7471,6 +8791,11 @@
                         <a:spcBef>
                           <a:spcPts val="0"/>
                         </a:spcBef>
+                        <a:buClr>
+                          <a:schemeClr val="dk1"/>
+                        </a:buClr>
+                        <a:buSzPct val="78571"/>
+                        <a:buFont typeface="Arial"/>
                         <a:buNone/>
                       </a:pPr>
                       <a:r>
@@ -7479,62 +8804,41 @@
                             <a:schemeClr val="dk1"/>
                           </a:solidFill>
                         </a:rPr>
-                        <a:t>Moving head </a:t>
-                      </a:r>
-                    </a:p>
+                        <a:t>Shakes butt at the crowd</a:t>
+                      </a:r>
+                    </a:p>
+                  </a:txBody>
+                  <a:tcPr marT="91425" marB="91425" marR="91425" marL="91425"/>
+                </a:tc>
+                <a:tc>
+                  <a:txBody>
+                    <a:bodyPr>
+                      <a:noAutofit/>
+                    </a:bodyPr>
+                    <a:lstStyle/>
                     <a:p>
                       <a:pPr lvl="0">
                         <a:spcBef>
                           <a:spcPts val="0"/>
                         </a:spcBef>
-                        <a:buClr>
-                          <a:schemeClr val="dk1"/>
-                        </a:buClr>
-                        <a:buSzPct val="78571"/>
-                        <a:buFont typeface="Arial"/>
-                        <a:buNone/>
-                      </a:pPr>
-                      <a:r>
-                        <a:rPr lang="en">
-                          <a:solidFill>
-                            <a:schemeClr val="dk1"/>
-                          </a:solidFill>
-                        </a:rPr>
-                        <a:t>(Looking around) </a:t>
-                      </a:r>
-                    </a:p>
-                    <a:p>
-                      <a:pPr lvl="0">
-                        <a:spcBef>
-                          <a:spcPts val="0"/>
-                        </a:spcBef>
-                        <a:buClr>
-                          <a:schemeClr val="dk1"/>
-                        </a:buClr>
-                        <a:buSzPct val="78571"/>
-                        <a:buFont typeface="Arial"/>
-                        <a:buNone/>
-                      </a:pPr>
-                      <a:r>
-                        <a:rPr lang="en">
-                          <a:solidFill>
-                            <a:schemeClr val="dk1"/>
-                          </a:solidFill>
-                        </a:rPr>
-                        <a:t>Hand over eyes in “look out” pose</a:t>
-                      </a:r>
-                    </a:p>
-                  </a:txBody>
-                  <a:tcPr marT="91425" marB="91425" marR="91425" marL="91425"/>
-                </a:tc>
-                <a:tc>
-                  <a:txBody>
-                    <a:bodyPr>
-                      <a:noAutofit/>
-                    </a:bodyPr>
-                    <a:lstStyle/>
-                    <a:p>
-                      <a:pPr lvl="0">
+                        <a:buNone/>
+                      </a:pPr>
+                      <a:r>
+                        <a:rPr lang="en"/>
+                        <a:t>“Shake your Bon-bon” play</a:t>
+                      </a:r>
+                    </a:p>
+                  </a:txBody>
+                  <a:tcPr marT="91425" marB="91425" marR="91425" marL="91425"/>
+                </a:tc>
+                <a:tc>
+                  <a:txBody>
+                    <a:bodyPr>
+                      <a:noAutofit/>
+                    </a:bodyPr>
+                    <a:lstStyle/>
+                    <a:p>
+                      <a:pPr lvl="0" rtl="0">
                         <a:spcBef>
                           <a:spcPts val="0"/>
                         </a:spcBef>
@@ -7565,9 +8869,18 @@
                       </a:pPr>
                       <a:r>
                         <a:rPr lang="en"/>
-                        <a:t>TWR: Hey humans are you here? Are you? Tell me.</a:t>
-                      </a:r>
-                    </a:p>
+                        <a:t>Mark: … Wait! Crowd? This isn’t a dream! Brian! Get over here! We have guests!</a:t>
+                      </a:r>
+                    </a:p>
+                  </a:txBody>
+                  <a:tcPr marT="91425" marB="91425" marR="91425" marL="91425"/>
+                </a:tc>
+                <a:tc>
+                  <a:txBody>
+                    <a:bodyPr>
+                      <a:noAutofit/>
+                    </a:bodyPr>
+                    <a:lstStyle/>
                     <a:p>
                       <a:pPr lvl="0">
                         <a:spcBef>
@@ -7577,26 +8890,9 @@
                       </a:pPr>
                       <a:r>
                         <a:rPr lang="en"/>
-                        <a:t>Somehow </a:t>
-                      </a:r>
-                      <a:r>
-                        <a:rPr lang="en"/>
-                        <a:t>silence</a:t>
-                      </a:r>
-                      <a:r>
-                        <a:rPr lang="en"/>
-                        <a:t> is the answer</a:t>
-                      </a:r>
-                    </a:p>
-                  </a:txBody>
-                  <a:tcPr marT="91425" marB="91425" marR="91425" marL="91425"/>
-                </a:tc>
-                <a:tc>
-                  <a:txBody>
-                    <a:bodyPr>
-                      <a:noAutofit/>
-                    </a:bodyPr>
-                    <a:lstStyle/>
+                        <a:t>Mark gestures to Brian to come closer.</a:t>
+                      </a:r>
+                    </a:p>
                     <a:p>
                       <a:pPr lvl="0">
                         <a:spcBef>
@@ -7606,8 +8902,41 @@
                       </a:pPr>
                       <a:r>
                         <a:rPr lang="en"/>
-                        <a:t>Walks a little towards the cowd</a:t>
-                      </a:r>
+                        <a:t>Mark turns around</a:t>
+                      </a:r>
+                    </a:p>
+                    <a:p>
+                      <a:pPr lvl="0">
+                        <a:spcBef>
+                          <a:spcPts val="0"/>
+                        </a:spcBef>
+                        <a:buNone/>
+                      </a:pPr>
+                      <a:r>
+                        <a:rPr lang="en"/>
+                        <a:t>Brian comes towards stage</a:t>
+                      </a:r>
+                    </a:p>
+                  </a:txBody>
+                  <a:tcPr marT="91425" marB="91425" marR="91425" marL="91425"/>
+                </a:tc>
+                <a:tc>
+                  <a:txBody>
+                    <a:bodyPr>
+                      <a:noAutofit/>
+                    </a:bodyPr>
+                    <a:lstStyle/>
+                    <a:p>
+                      <a:pPr lvl="0">
+                        <a:spcBef>
+                          <a:spcPts val="0"/>
+                        </a:spcBef>
+                        <a:buNone/>
+                      </a:pPr>
+                      <a:r>
+                        <a:t/>
+                      </a:r>
+                      <a:endParaRPr/>
                     </a:p>
                   </a:txBody>
                   <a:tcPr marT="91425" marB="91425" marR="91425" marL="91425"/>
@@ -7650,9 +8979,132 @@
                       </a:pPr>
                       <a:r>
                         <a:rPr lang="en"/>
-                        <a:t>TWR: Hey shout loudly “We are!” </a:t>
-                      </a:r>
-                    </a:p>
+                        <a:t>Mark: Hello humans! My name is Mark and this is my friend Brian.  Welcome to Portland cyber </a:t>
+                      </a:r>
+                      <a:r>
+                        <a:rPr lang="en"/>
+                        <a:t>theater</a:t>
+                      </a:r>
+                      <a:r>
+                        <a:rPr lang="en"/>
+                        <a:t>!</a:t>
+                      </a:r>
+                    </a:p>
+                  </a:txBody>
+                  <a:tcPr marT="91425" marB="91425" marR="91425" marL="91425"/>
+                </a:tc>
+                <a:tc>
+                  <a:txBody>
+                    <a:bodyPr>
+                      <a:noAutofit/>
+                    </a:bodyPr>
+                    <a:lstStyle/>
+                    <a:p>
+                      <a:pPr lvl="0">
+                        <a:spcBef>
+                          <a:spcPts val="0"/>
+                        </a:spcBef>
+                        <a:buNone/>
+                      </a:pPr>
+                      <a:r>
+                        <a:rPr lang="en"/>
+                        <a:t>Brian waves when his name is said.</a:t>
+                      </a:r>
+                    </a:p>
+                    <a:p>
+                      <a:pPr lvl="0">
+                        <a:spcBef>
+                          <a:spcPts val="0"/>
+                        </a:spcBef>
+                        <a:buNone/>
+                      </a:pPr>
+                      <a:r>
+                        <a:rPr lang="en"/>
+                        <a:t>Mark gestures as he explains</a:t>
+                      </a:r>
+                    </a:p>
+                  </a:txBody>
+                  <a:tcPr marT="91425" marB="91425" marR="91425" marL="91425"/>
+                </a:tc>
+                <a:tc>
+                  <a:txBody>
+                    <a:bodyPr>
+                      <a:noAutofit/>
+                    </a:bodyPr>
+                    <a:lstStyle/>
+                    <a:p>
+                      <a:pPr lvl="0">
+                        <a:spcBef>
+                          <a:spcPts val="0"/>
+                        </a:spcBef>
+                        <a:buNone/>
+                      </a:pPr>
+                      <a:r>
+                        <a:t/>
+                      </a:r>
+                      <a:endParaRPr/>
+                    </a:p>
+                  </a:txBody>
+                  <a:tcPr marT="91425" marB="91425" marR="91425" marL="91425"/>
+                </a:tc>
+                <a:tc>
+                  <a:txBody>
+                    <a:bodyPr>
+                      <a:noAutofit/>
+                    </a:bodyPr>
+                    <a:lstStyle/>
+                    <a:p>
+                      <a:pPr lvl="0">
+                        <a:spcBef>
+                          <a:spcPts val="0"/>
+                        </a:spcBef>
+                        <a:buNone/>
+                      </a:pPr>
+                      <a:r>
+                        <a:t/>
+                      </a:r>
+                      <a:endParaRPr/>
+                    </a:p>
+                  </a:txBody>
+                  <a:tcPr marT="91425" marB="91425" marR="91425" marL="91425"/>
+                </a:tc>
+              </a:tr>
+              <a:tr h="381000">
+                <a:tc>
+                  <a:txBody>
+                    <a:bodyPr>
+                      <a:noAutofit/>
+                    </a:bodyPr>
+                    <a:lstStyle/>
+                    <a:p>
+                      <a:pPr lvl="0">
+                        <a:spcBef>
+                          <a:spcPts val="0"/>
+                        </a:spcBef>
+                        <a:buNone/>
+                      </a:pPr>
+                      <a:r>
+                        <a:rPr lang="en"/>
+                        <a:t>Brian: (Whispers)  Mark, what are we </a:t>
+                      </a:r>
+                      <a:r>
+                        <a:rPr lang="en"/>
+                        <a:t>supposed</a:t>
+                      </a:r>
+                      <a:r>
+                        <a:rPr lang="en"/>
+                        <a:t> to do?  I never got a script! Did you?</a:t>
+                      </a:r>
+                    </a:p>
+                  </a:txBody>
+                  <a:tcPr marT="91425" marB="91425" marR="91425" marL="91425"/>
+                </a:tc>
+                <a:tc>
+                  <a:txBody>
+                    <a:bodyPr>
+                      <a:noAutofit/>
+                    </a:bodyPr>
+                    <a:lstStyle/>
                     <a:p>
                       <a:pPr lvl="0">
                         <a:spcBef>
@@ -7666,9 +9118,18 @@
                             <a:srgbClr val="FF0000"/>
                           </a:solidFill>
                         </a:rPr>
-                        <a:t>Pause</a:t>
-                      </a:r>
-                    </a:p>
+                        <a:t>Hand to brian’s mouth as if he is whispering to Mark</a:t>
+                      </a:r>
+                    </a:p>
+                  </a:txBody>
+                  <a:tcPr marT="91425" marB="91425" marR="91425" marL="91425"/>
+                </a:tc>
+                <a:tc>
+                  <a:txBody>
+                    <a:bodyPr>
+                      <a:noAutofit/>
+                    </a:bodyPr>
+                    <a:lstStyle/>
                     <a:p>
                       <a:pPr lvl="0">
                         <a:spcBef>
@@ -7677,12 +9138,65 @@
                         <a:buNone/>
                       </a:pPr>
                       <a:r>
-                        <a:rPr lang="en"/>
-                        <a:t>TWR: It could be louder still.</a:t>
-                      </a:r>
-                    </a:p>
+                        <a:t/>
+                      </a:r>
+                      <a:endParaRPr/>
+                    </a:p>
+                  </a:txBody>
+                  <a:tcPr marT="91425" marB="91425" marR="91425" marL="91425"/>
+                </a:tc>
+                <a:tc>
+                  <a:txBody>
+                    <a:bodyPr>
+                      <a:noAutofit/>
+                    </a:bodyPr>
+                    <a:lstStyle/>
                     <a:p>
                       <a:pPr lvl="0">
+                        <a:spcBef>
+                          <a:spcPts val="0"/>
+                        </a:spcBef>
+                        <a:buNone/>
+                      </a:pPr>
+                      <a:r>
+                        <a:t/>
+                      </a:r>
+                      <a:endParaRPr/>
+                    </a:p>
+                  </a:txBody>
+                  <a:tcPr marT="91425" marB="91425" marR="91425" marL="91425"/>
+                </a:tc>
+              </a:tr>
+              <a:tr h="381000">
+                <a:tc>
+                  <a:txBody>
+                    <a:bodyPr>
+                      <a:noAutofit/>
+                    </a:bodyPr>
+                    <a:lstStyle/>
+                    <a:p>
+                      <a:pPr lvl="0" rtl="0">
+                        <a:spcBef>
+                          <a:spcPts val="0"/>
+                        </a:spcBef>
+                        <a:buNone/>
+                      </a:pPr>
+                      <a:r>
+                        <a:rPr lang="en"/>
+                        <a:t>Mark: I don’t know, try anything!</a:t>
+                      </a:r>
+                    </a:p>
+                  </a:txBody>
+                  <a:tcPr marT="91425" marB="91425" marR="91425" marL="91425"/>
+                </a:tc>
+                <a:tc>
+                  <a:txBody>
+                    <a:bodyPr>
+                      <a:noAutofit/>
+                    </a:bodyPr>
+                    <a:lstStyle/>
+                    <a:p>
+                      <a:pPr lvl="0" rtl="0">
                         <a:spcBef>
                           <a:spcPts val="0"/>
                         </a:spcBef>
@@ -7694,7 +9208,7 @@
                             <a:srgbClr val="FF0000"/>
                           </a:solidFill>
                         </a:rPr>
-                        <a:t>Pause</a:t>
+                        <a:t>Both of the robot break into a bunch of random poses </a:t>
                       </a:r>
                     </a:p>
                   </a:txBody>
@@ -7714,9 +9228,9 @@
                         <a:buNone/>
                       </a:pPr>
                       <a:r>
-                        <a:rPr lang="en"/>
-                        <a:t>Presses palms to his ears (Trying to hear better)</a:t>
-                      </a:r>
+                        <a:t/>
+                      </a:r>
+                      <a:endParaRPr/>
                     </a:p>
                   </a:txBody>
                   <a:tcPr marT="91425" marB="91425" marR="91425" marL="91425"/>
@@ -7751,140 +9265,28 @@
                     </a:bodyPr>
                     <a:lstStyle/>
                     <a:p>
-                      <a:pPr lvl="0">
-                        <a:spcBef>
-                          <a:spcPts val="0"/>
-                        </a:spcBef>
-                        <a:buNone/>
-                      </a:pPr>
-                      <a:r>
-                        <a:rPr lang="en"/>
-                        <a:t>TWR: </a:t>
-                      </a:r>
-                      <a:r>
-                        <a:rPr lang="en">
-                          <a:solidFill>
-                            <a:schemeClr val="dk1"/>
-                          </a:solidFill>
-                        </a:rPr>
-                        <a:t>I’m sorry, I forgot that you are humans and not robots like me! If I want to be louder, all I have to do is turn up my volume potentiometer!</a:t>
-                      </a:r>
-                    </a:p>
-                    <a:p>
-                      <a:pPr lvl="0">
-                        <a:spcBef>
-                          <a:spcPts val="0"/>
-                        </a:spcBef>
-                        <a:buNone/>
-                      </a:pPr>
-                      <a:r>
-                        <a:t/>
-                      </a:r>
-                      <a:endParaRPr>
-                        <a:solidFill>
-                          <a:schemeClr val="dk1"/>
-                        </a:solidFill>
-                      </a:endParaRPr>
-                    </a:p>
-                    <a:p>
-                      <a:pPr lvl="0">
-                        <a:spcBef>
-                          <a:spcPts val="0"/>
-                        </a:spcBef>
-                        <a:buNone/>
-                      </a:pPr>
-                      <a:r>
-                        <a:rPr lang="en">
-                          <a:solidFill>
-                            <a:srgbClr val="FF0000"/>
-                          </a:solidFill>
-                        </a:rPr>
-                        <a:t>Roar of a speaker:</a:t>
-                      </a:r>
-                      <a:r>
-                        <a:rPr lang="en">
-                          <a:solidFill>
-                            <a:schemeClr val="dk1"/>
-                          </a:solidFill>
-                        </a:rPr>
-                        <a:t> “I am!”</a:t>
-                      </a:r>
-                    </a:p>
-                    <a:p>
-                      <a:pPr lvl="0">
-                        <a:spcBef>
-                          <a:spcPts val="0"/>
-                        </a:spcBef>
-                        <a:buNone/>
-                      </a:pPr>
-                      <a:r>
-                        <a:t/>
-                      </a:r>
-                      <a:endParaRPr>
-                        <a:solidFill>
-                          <a:schemeClr val="dk1"/>
-                        </a:solidFill>
-                      </a:endParaRPr>
-                    </a:p>
-                    <a:p>
-                      <a:pPr lvl="0">
-                        <a:spcBef>
-                          <a:spcPts val="0"/>
-                        </a:spcBef>
-                        <a:buNone/>
-                      </a:pPr>
-                      <a:r>
-                        <a:rPr lang="en">
-                          <a:solidFill>
-                            <a:srgbClr val="FF0000"/>
-                          </a:solidFill>
-                        </a:rPr>
-                        <a:t>Normal sound again:</a:t>
-                      </a:r>
-                      <a:r>
-                        <a:rPr lang="en">
-                          <a:solidFill>
-                            <a:schemeClr val="dk1"/>
-                          </a:solidFill>
-                        </a:rPr>
-                        <a:t> Like that!</a:t>
-                      </a:r>
-                    </a:p>
-                  </a:txBody>
-                  <a:tcPr marT="91425" marB="91425" marR="91425" marL="91425"/>
-                </a:tc>
-                <a:tc>
-                  <a:txBody>
-                    <a:bodyPr>
-                      <a:noAutofit/>
-                    </a:bodyPr>
-                    <a:lstStyle/>
-                    <a:p>
-                      <a:pPr lvl="0">
-                        <a:spcBef>
-                          <a:spcPts val="0"/>
-                        </a:spcBef>
-                        <a:buNone/>
-                      </a:pPr>
-                      <a:r>
-                        <a:rPr lang="en">
-                          <a:solidFill>
-                            <a:srgbClr val="FF0000"/>
-                          </a:solidFill>
-                        </a:rPr>
-                        <a:t>Possible motion: </a:t>
-                      </a:r>
-                      <a:r>
-                        <a:rPr lang="en">
-                          <a:solidFill>
-                            <a:srgbClr val="FF0000"/>
-                          </a:solidFill>
-                        </a:rPr>
-                        <a:t>scratching his head using his hand / Or shaking his head</a:t>
-                      </a:r>
-                    </a:p>
-                    <a:p>
-                      <a:pPr lvl="0">
+                      <a:pPr lvl="0" rtl="0">
+                        <a:spcBef>
+                          <a:spcPts val="0"/>
+                        </a:spcBef>
+                        <a:buNone/>
+                      </a:pPr>
+                      <a:r>
+                        <a:rPr lang="en"/>
+                        <a:t>Mark:  We are losing them!  What are we going to do?!</a:t>
+                      </a:r>
+                    </a:p>
+                  </a:txBody>
+                  <a:tcPr marT="91425" marB="91425" marR="91425" marL="91425"/>
+                </a:tc>
+                <a:tc>
+                  <a:txBody>
+                    <a:bodyPr>
+                      <a:noAutofit/>
+                    </a:bodyPr>
+                    <a:lstStyle/>
+                    <a:p>
+                      <a:pPr lvl="0" rtl="0">
                         <a:spcBef>
                           <a:spcPts val="0"/>
                         </a:spcBef>
@@ -7899,6 +9301,15 @@
                         </a:solidFill>
                       </a:endParaRPr>
                     </a:p>
+                  </a:txBody>
+                  <a:tcPr marT="91425" marB="91425" marR="91425" marL="91425"/>
+                </a:tc>
+                <a:tc>
+                  <a:txBody>
+                    <a:bodyPr>
+                      <a:noAutofit/>
+                    </a:bodyPr>
+                    <a:lstStyle/>
                     <a:p>
                       <a:pPr lvl="0">
                         <a:spcBef>
@@ -7907,13 +9318,9 @@
                         <a:buNone/>
                       </a:pPr>
                       <a:r>
-                        <a:rPr lang="en">
-                          <a:solidFill>
-                            <a:srgbClr val="FF0000"/>
-                          </a:solidFill>
-                        </a:rPr>
-                        <a:t>Hand turns as if turning a potentiometer up </a:t>
-                      </a:r>
+                        <a:t/>
+                      </a:r>
+                      <a:endParaRPr/>
                     </a:p>
                   </a:txBody>
                   <a:tcPr marT="91425" marB="91425" marR="91425" marL="91425"/>
@@ -8045,12 +9452,13 @@
             <a:tbl>
               <a:tblPr>
                 <a:noFill/>
-                <a:tableStyleId>{FC9AC841-A61D-4312-9AED-BA9E0F85306A}</a:tableStyleId>
+                <a:tableStyleId>{B49D1780-A627-49F9-872E-C7C48A70C06E}</a:tableStyleId>
               </a:tblPr>
               <a:tblGrid>
-                <a:gridCol w="2329675"/>
-                <a:gridCol w="2329675"/>
-                <a:gridCol w="3394900"/>
+                <a:gridCol w="2615375"/>
+                <a:gridCol w="2000225"/>
+                <a:gridCol w="2845500"/>
+                <a:gridCol w="1674275"/>
               </a:tblGrid>
               <a:tr h="348250">
                 <a:tc>
@@ -8116,6 +9524,27 @@
                   </a:txBody>
                   <a:tcPr marT="91425" marB="91425" marR="91425" marL="91425"/>
                 </a:tc>
+                <a:tc>
+                  <a:txBody>
+                    <a:bodyPr>
+                      <a:noAutofit/>
+                    </a:bodyPr>
+                    <a:lstStyle/>
+                    <a:p>
+                      <a:pPr lvl="0" rtl="0" algn="ctr">
+                        <a:spcBef>
+                          <a:spcPts val="0"/>
+                        </a:spcBef>
+                        <a:buNone/>
+                      </a:pPr>
+                      <a:r>
+                        <a:rPr b="1" lang="en"/>
+                        <a:t>Motion Name</a:t>
+                      </a:r>
+                    </a:p>
+                  </a:txBody>
+                  <a:tcPr marT="91425" marB="91425" marR="91425" marL="91425"/>
+                </a:tc>
               </a:tr>
               <a:tr h="633525">
                 <a:tc>
@@ -8132,90 +9561,34 @@
                         <a:buNone/>
                       </a:pPr>
                       <a:r>
-                        <a:t/>
-                      </a:r>
-                      <a:endParaRPr/>
-                    </a:p>
-                  </a:txBody>
-                  <a:tcPr marT="91425" marB="91425" marR="91425" marL="91425"/>
-                </a:tc>
-                <a:tc>
-                  <a:txBody>
-                    <a:bodyPr>
-                      <a:noAutofit/>
-                    </a:bodyPr>
-                    <a:lstStyle/>
-                    <a:p>
-                      <a:pPr lvl="0" rtl="0">
-                        <a:spcBef>
-                          <a:spcPts val="0"/>
-                        </a:spcBef>
-                        <a:buNone/>
-                      </a:pPr>
-                      <a:r>
-                        <a:rPr lang="en"/>
-                        <a:t>MCR starts to move as if woken by the yelling</a:t>
-                      </a:r>
-                    </a:p>
-                  </a:txBody>
-                  <a:tcPr marT="91425" marB="91425" marR="91425" marL="91425"/>
-                </a:tc>
-                <a:tc>
-                  <a:txBody>
-                    <a:bodyPr>
-                      <a:noAutofit/>
-                    </a:bodyPr>
-                    <a:lstStyle/>
-                    <a:p>
-                      <a:pPr lvl="0" rtl="0">
-                        <a:spcBef>
-                          <a:spcPts val="0"/>
-                        </a:spcBef>
-                        <a:buNone/>
-                      </a:pPr>
-                      <a:r>
-                        <a:rPr lang="en"/>
-                        <a:t>The spot light on MRC gets brighter to match the intensity of light on TWR</a:t>
-                      </a:r>
-                    </a:p>
-                  </a:txBody>
-                  <a:tcPr marT="91425" marB="91425" marR="91425" marL="91425"/>
-                </a:tc>
-              </a:tr>
-              <a:tr h="633525">
-                <a:tc gridSpan="3">
-                  <a:txBody>
-                    <a:bodyPr>
-                      <a:noAutofit/>
-                    </a:bodyPr>
-                    <a:lstStyle/>
-                    <a:p>
-                      <a:pPr lvl="0" rtl="0">
-                        <a:spcBef>
-                          <a:spcPts val="0"/>
-                        </a:spcBef>
-                        <a:buNone/>
-                      </a:pPr>
-                      <a:r>
-                        <a:rPr lang="en"/>
-                        <a:t>MCR starts </a:t>
-                      </a:r>
-                      <a:r>
-                        <a:rPr lang="en"/>
-                        <a:t>stretching</a:t>
-                      </a:r>
-                      <a:r>
-                        <a:rPr lang="en"/>
-                        <a:t> and walks over to TWR</a:t>
-                      </a:r>
-                    </a:p>
-                  </a:txBody>
-                  <a:tcPr marT="91425" marB="91425" marR="91425" marL="91425"/>
-                </a:tc>
-                <a:tc hMerge="1"/>
-                <a:tc hMerge="1"/>
-              </a:tr>
-              <a:tr h="906200">
+                        <a:rPr lang="en"/>
+                        <a:t>BSR:  Need some help boys?</a:t>
+                      </a:r>
+                    </a:p>
+                  </a:txBody>
+                  <a:tcPr marT="91425" marB="91425" marR="91425" marL="91425"/>
+                </a:tc>
+                <a:tc>
+                  <a:txBody>
+                    <a:bodyPr>
+                      <a:noAutofit/>
+                    </a:bodyPr>
+                    <a:lstStyle/>
+                    <a:p>
+                      <a:pPr lvl="0" rtl="0">
+                        <a:spcBef>
+                          <a:spcPts val="0"/>
+                        </a:spcBef>
+                        <a:buNone/>
+                      </a:pPr>
+                      <a:r>
+                        <a:rPr lang="en"/>
+                        <a:t>Poses dramatically</a:t>
+                      </a:r>
+                    </a:p>
+                  </a:txBody>
+                  <a:tcPr marT="91425" marB="91425" marR="91425" marL="91425"/>
+                </a:tc>
                 <a:tc>
                   <a:txBody>
                     <a:bodyPr>
@@ -8229,19 +9602,45 @@
                         </a:spcBef>
                         <a:buNone/>
                       </a:pPr>
-                      <a:r>
-                        <a:rPr lang="en"/>
-                        <a:t>MCR: </a:t>
-                      </a:r>
                       <a:r>
                         <a:rPr lang="en">
                           <a:solidFill>
                             <a:schemeClr val="dk1"/>
                           </a:solidFill>
                         </a:rPr>
-                        <a:t>What’s going on here? I was sleeping so well. </a:t>
-                      </a:r>
-                    </a:p>
+                        <a:t>A spotlight pink appears on BSR</a:t>
+                      </a:r>
+                    </a:p>
+                    <a:p>
+                      <a:pPr lvl="0" rtl="0">
+                        <a:spcBef>
+                          <a:spcPts val="0"/>
+                        </a:spcBef>
+                        <a:buClr>
+                          <a:schemeClr val="dk1"/>
+                        </a:buClr>
+                        <a:buSzPct val="78571"/>
+                        <a:buFont typeface="Arial"/>
+                        <a:buNone/>
+                      </a:pPr>
+                      <a:r>
+                        <a:rPr lang="en">
+                          <a:solidFill>
+                            <a:schemeClr val="dk1"/>
+                          </a:solidFill>
+                        </a:rPr>
+                        <a:t>on the side of the stage and smoke comes out around her</a:t>
+                      </a:r>
+                    </a:p>
+                  </a:txBody>
+                  <a:tcPr marT="91425" marB="91425" marR="91425" marL="91425"/>
+                </a:tc>
+                <a:tc>
+                  <a:txBody>
+                    <a:bodyPr>
+                      <a:noAutofit/>
+                    </a:bodyPr>
+                    <a:lstStyle/>
                     <a:p>
                       <a:pPr lvl="0" rtl="0">
                         <a:spcBef>
@@ -8252,6 +9651,49 @@
                       <a:r>
                         <a:t/>
                       </a:r>
+                      <a:endParaRPr>
+                        <a:solidFill>
+                          <a:schemeClr val="dk1"/>
+                        </a:solidFill>
+                      </a:endParaRPr>
+                    </a:p>
+                  </a:txBody>
+                  <a:tcPr marT="91425" marB="91425" marR="91425" marL="91425"/>
+                </a:tc>
+              </a:tr>
+              <a:tr h="594950">
+                <a:tc>
+                  <a:txBody>
+                    <a:bodyPr>
+                      <a:noAutofit/>
+                    </a:bodyPr>
+                    <a:lstStyle/>
+                    <a:p>
+                      <a:pPr lvl="0">
+                        <a:spcBef>
+                          <a:spcPts val="0"/>
+                        </a:spcBef>
+                        <a:buNone/>
+                      </a:pPr>
+                      <a:r>
+                        <a:t/>
+                      </a:r>
+                      <a:endParaRPr>
+                        <a:solidFill>
+                          <a:schemeClr val="dk1"/>
+                        </a:solidFill>
+                      </a:endParaRPr>
+                    </a:p>
+                    <a:p>
+                      <a:pPr lvl="0" rtl="0">
+                        <a:spcBef>
+                          <a:spcPts val="0"/>
+                        </a:spcBef>
+                        <a:buNone/>
+                      </a:pPr>
+                      <a:r>
+                        <a:t/>
+                      </a:r>
                       <a:endParaRPr/>
                     </a:p>
                   </a:txBody>
@@ -8272,81 +9714,287 @@
                       </a:pPr>
                       <a:r>
                         <a:rPr lang="en"/>
-                        <a:t>MCR touches the shoulder of MCR who is near front of stage</a:t>
-                      </a:r>
-                    </a:p>
-                  </a:txBody>
-                  <a:tcPr marT="91425" marB="91425" marR="91425" marL="91425"/>
-                </a:tc>
-                <a:tc>
-                  <a:txBody>
-                    <a:bodyPr>
-                      <a:noAutofit/>
-                    </a:bodyPr>
-                    <a:lstStyle/>
-                    <a:p>
-                      <a:pPr lvl="0" rtl="0">
-                        <a:spcBef>
-                          <a:spcPts val="0"/>
-                        </a:spcBef>
-                        <a:buNone/>
-                      </a:pPr>
-                      <a:r>
-                        <a:rPr lang="en"/>
-                        <a:t>Main lights for the front of the stage come on to </a:t>
-                      </a:r>
-                      <a:r>
-                        <a:rPr lang="en"/>
-                        <a:t>illuminate</a:t>
-                      </a:r>
-                      <a:r>
-                        <a:rPr lang="en"/>
-                        <a:t> the entire scene </a:t>
-                      </a:r>
+                        <a:t>Mark and Brian look at each other confused</a:t>
+                      </a:r>
+                    </a:p>
+                  </a:txBody>
+                  <a:tcPr marT="91425" marB="91425" marR="91425" marL="91425"/>
+                </a:tc>
+                <a:tc>
+                  <a:txBody>
+                    <a:bodyPr>
+                      <a:noAutofit/>
+                    </a:bodyPr>
+                    <a:lstStyle/>
+                    <a:p>
+                      <a:pPr lvl="0" rtl="0">
+                        <a:spcBef>
+                          <a:spcPts val="0"/>
+                        </a:spcBef>
+                        <a:buNone/>
+                      </a:pPr>
+                      <a:r>
+                        <a:t/>
+                      </a:r>
+                      <a:endParaRPr/>
+                    </a:p>
+                  </a:txBody>
+                  <a:tcPr marT="91425" marB="91425" marR="91425" marL="91425"/>
+                </a:tc>
+                <a:tc>
+                  <a:txBody>
+                    <a:bodyPr>
+                      <a:noAutofit/>
+                    </a:bodyPr>
+                    <a:lstStyle/>
+                    <a:p>
+                      <a:pPr lvl="0" rtl="0">
+                        <a:spcBef>
+                          <a:spcPts val="0"/>
+                        </a:spcBef>
+                        <a:buNone/>
+                      </a:pPr>
+                      <a:r>
+                        <a:t/>
+                      </a:r>
+                      <a:endParaRPr/>
                     </a:p>
                   </a:txBody>
                   <a:tcPr marT="91425" marB="91425" marR="91425" marL="91425"/>
                 </a:tc>
               </a:tr>
-              <a:tr h="633525">
-                <a:tc>
-                  <a:txBody>
-                    <a:bodyPr>
-                      <a:noAutofit/>
-                    </a:bodyPr>
-                    <a:lstStyle/>
-                    <a:p>
-                      <a:pPr lvl="0" rtl="0">
-                        <a:spcBef>
-                          <a:spcPts val="0"/>
-                        </a:spcBef>
-                        <a:buNone/>
-                      </a:pPr>
-                      <a:r>
-                        <a:rPr lang="en"/>
-                        <a:t>TWR: Did you dream?</a:t>
-                      </a:r>
-                    </a:p>
-                  </a:txBody>
-                  <a:tcPr marT="91425" marB="91425" marR="91425" marL="91425"/>
-                </a:tc>
-                <a:tc>
-                  <a:txBody>
-                    <a:bodyPr>
-                      <a:noAutofit/>
-                    </a:bodyPr>
-                    <a:lstStyle/>
-                    <a:p>
-                      <a:pPr lvl="0" rtl="0">
-                        <a:spcBef>
-                          <a:spcPts val="0"/>
-                        </a:spcBef>
-                        <a:buNone/>
-                      </a:pPr>
-                      <a:r>
-                        <a:rPr lang="en"/>
-                        <a:t>TWR turns to face MCR</a:t>
-                      </a:r>
+              <a:tr h="420600">
+                <a:tc>
+                  <a:txBody>
+                    <a:bodyPr>
+                      <a:noAutofit/>
+                    </a:bodyPr>
+                    <a:lstStyle/>
+                    <a:p>
+                      <a:pPr lvl="0" rtl="0">
+                        <a:spcBef>
+                          <a:spcPts val="0"/>
+                        </a:spcBef>
+                        <a:buNone/>
+                      </a:pPr>
+                      <a:r>
+                        <a:rPr lang="en"/>
+                        <a:t>Brian: and who might you be?</a:t>
+                      </a:r>
+                    </a:p>
+                  </a:txBody>
+                  <a:tcPr marT="91425" marB="91425" marR="91425" marL="91425"/>
+                </a:tc>
+                <a:tc>
+                  <a:txBody>
+                    <a:bodyPr>
+                      <a:noAutofit/>
+                    </a:bodyPr>
+                    <a:lstStyle/>
+                    <a:p>
+                      <a:pPr lvl="0" rtl="0">
+                        <a:spcBef>
+                          <a:spcPts val="0"/>
+                        </a:spcBef>
+                        <a:buNone/>
+                      </a:pPr>
+                      <a:r>
+                        <a:t/>
+                      </a:r>
+                      <a:endParaRPr/>
+                    </a:p>
+                  </a:txBody>
+                  <a:tcPr marT="91425" marB="91425" marR="91425" marL="91425"/>
+                </a:tc>
+                <a:tc>
+                  <a:txBody>
+                    <a:bodyPr>
+                      <a:noAutofit/>
+                    </a:bodyPr>
+                    <a:lstStyle/>
+                    <a:p>
+                      <a:pPr lvl="0" rtl="0">
+                        <a:spcBef>
+                          <a:spcPts val="0"/>
+                        </a:spcBef>
+                        <a:buNone/>
+                      </a:pPr>
+                      <a:r>
+                        <a:t/>
+                      </a:r>
+                      <a:endParaRPr/>
+                    </a:p>
+                  </a:txBody>
+                  <a:tcPr marT="91425" marB="91425" marR="91425" marL="91425"/>
+                </a:tc>
+                <a:tc>
+                  <a:txBody>
+                    <a:bodyPr>
+                      <a:noAutofit/>
+                    </a:bodyPr>
+                    <a:lstStyle/>
+                    <a:p>
+                      <a:pPr lvl="0" rtl="0">
+                        <a:spcBef>
+                          <a:spcPts val="0"/>
+                        </a:spcBef>
+                        <a:buNone/>
+                      </a:pPr>
+                      <a:r>
+                        <a:t/>
+                      </a:r>
+                      <a:endParaRPr/>
+                    </a:p>
+                  </a:txBody>
+                  <a:tcPr marT="91425" marB="91425" marR="91425" marL="91425"/>
+                </a:tc>
+              </a:tr>
+              <a:tr h="602000">
+                <a:tc>
+                  <a:txBody>
+                    <a:bodyPr>
+                      <a:noAutofit/>
+                    </a:bodyPr>
+                    <a:lstStyle/>
+                    <a:p>
+                      <a:pPr lvl="0" rtl="0">
+                        <a:spcBef>
+                          <a:spcPts val="0"/>
+                        </a:spcBef>
+                        <a:buNone/>
+                      </a:pPr>
+                      <a:r>
+                        <a:rPr lang="en"/>
+                        <a:t>BSR: (annoyed)  You don’t know who I am?</a:t>
+                      </a:r>
+                    </a:p>
+                  </a:txBody>
+                  <a:tcPr marT="91425" marB="91425" marR="91425" marL="91425"/>
+                </a:tc>
+                <a:tc>
+                  <a:txBody>
+                    <a:bodyPr>
+                      <a:noAutofit/>
+                    </a:bodyPr>
+                    <a:lstStyle/>
+                    <a:p>
+                      <a:pPr lvl="0" rtl="0">
+                        <a:spcBef>
+                          <a:spcPts val="0"/>
+                        </a:spcBef>
+                        <a:buNone/>
+                      </a:pPr>
+                      <a:r>
+                        <a:rPr lang="en"/>
+                        <a:t>BSR puts her hands on her hips</a:t>
+                      </a:r>
+                    </a:p>
+                  </a:txBody>
+                  <a:tcPr marT="91425" marB="91425" marR="91425" marL="91425"/>
+                </a:tc>
+                <a:tc>
+                  <a:txBody>
+                    <a:bodyPr>
+                      <a:noAutofit/>
+                    </a:bodyPr>
+                    <a:lstStyle/>
+                    <a:p>
+                      <a:pPr lvl="0" rtl="0">
+                        <a:spcBef>
+                          <a:spcPts val="0"/>
+                        </a:spcBef>
+                        <a:buNone/>
+                      </a:pPr>
+                      <a:r>
+                        <a:t/>
+                      </a:r>
+                      <a:endParaRPr/>
+                    </a:p>
+                  </a:txBody>
+                  <a:tcPr marT="91425" marB="91425" marR="91425" marL="91425"/>
+                </a:tc>
+                <a:tc>
+                  <a:txBody>
+                    <a:bodyPr>
+                      <a:noAutofit/>
+                    </a:bodyPr>
+                    <a:lstStyle/>
+                    <a:p>
+                      <a:pPr lvl="0" rtl="0">
+                        <a:spcBef>
+                          <a:spcPts val="0"/>
+                        </a:spcBef>
+                        <a:buNone/>
+                      </a:pPr>
+                      <a:r>
+                        <a:t/>
+                      </a:r>
+                      <a:endParaRPr/>
+                    </a:p>
+                  </a:txBody>
+                  <a:tcPr marT="91425" marB="91425" marR="91425" marL="91425"/>
+                </a:tc>
+              </a:tr>
+              <a:tr h="790350">
+                <a:tc>
+                  <a:txBody>
+                    <a:bodyPr>
+                      <a:noAutofit/>
+                    </a:bodyPr>
+                    <a:lstStyle/>
+                    <a:p>
+                      <a:pPr lvl="0" rtl="0">
+                        <a:spcBef>
+                          <a:spcPts val="0"/>
+                        </a:spcBef>
+                        <a:buNone/>
+                      </a:pPr>
+                      <a:r>
+                        <a:t/>
+                      </a:r>
+                      <a:endParaRPr/>
+                    </a:p>
+                  </a:txBody>
+                  <a:tcPr marT="91425" marB="91425" marR="91425" marL="91425"/>
+                </a:tc>
+                <a:tc>
+                  <a:txBody>
+                    <a:bodyPr>
+                      <a:noAutofit/>
+                    </a:bodyPr>
+                    <a:lstStyle/>
+                    <a:p>
+                      <a:pPr lvl="0" rtl="0">
+                        <a:spcBef>
+                          <a:spcPts val="0"/>
+                        </a:spcBef>
+                        <a:buNone/>
+                      </a:pPr>
+                      <a:r>
+                        <a:rPr lang="en"/>
+                        <a:t>Mark and brian look at each other then shake their heads no</a:t>
+                      </a:r>
+                    </a:p>
+                  </a:txBody>
+                  <a:tcPr marT="91425" marB="91425" marR="91425" marL="91425"/>
+                </a:tc>
+                <a:tc>
+                  <a:txBody>
+                    <a:bodyPr>
+                      <a:noAutofit/>
+                    </a:bodyPr>
+                    <a:lstStyle/>
+                    <a:p>
+                      <a:pPr lvl="0" rtl="0">
+                        <a:spcBef>
+                          <a:spcPts val="0"/>
+                        </a:spcBef>
+                        <a:buNone/>
+                      </a:pPr>
+                      <a:r>
+                        <a:t/>
+                      </a:r>
+                      <a:endParaRPr/>
                     </a:p>
                   </a:txBody>
                   <a:tcPr marT="91425" marB="91425" marR="91425" marL="91425"/>
@@ -8385,33 +10033,63 @@
                         <a:spcBef>
                           <a:spcPts val="0"/>
                         </a:spcBef>
-                        <a:buNone/>
-                      </a:pPr>
-                      <a:r>
-                        <a:rPr lang="en"/>
-                        <a:t>MCR: no, I did not.</a:t>
-                      </a:r>
-                    </a:p>
-                  </a:txBody>
-                  <a:tcPr marT="91425" marB="91425" marR="91425" marL="91425"/>
-                </a:tc>
-                <a:tc>
-                  <a:txBody>
-                    <a:bodyPr>
-                      <a:noAutofit/>
-                    </a:bodyPr>
-                    <a:lstStyle/>
-                    <a:p>
-                      <a:pPr lvl="0" rtl="0">
-                        <a:spcBef>
-                          <a:spcPts val="0"/>
-                        </a:spcBef>
-                        <a:buNone/>
-                      </a:pPr>
-                      <a:r>
-                        <a:rPr lang="en"/>
-                        <a:t>MCR shakes head “no”</a:t>
-                      </a:r>
+                        <a:buClr>
+                          <a:schemeClr val="dk1"/>
+                        </a:buClr>
+                        <a:buSzPct val="78571"/>
+                        <a:buFont typeface="Arial"/>
+                        <a:buNone/>
+                      </a:pPr>
+                      <a:r>
+                        <a:rPr lang="en">
+                          <a:solidFill>
+                            <a:schemeClr val="dk1"/>
+                          </a:solidFill>
+                        </a:rPr>
+                        <a:t>BSR: (annoyed)  I am BSR, The Beautiful Singing Robot, I have performed all over the world for huge adoring crowds</a:t>
+                      </a:r>
+                    </a:p>
+                  </a:txBody>
+                  <a:tcPr marT="91425" marB="91425" marR="91425" marL="91425"/>
+                </a:tc>
+                <a:tc>
+                  <a:txBody>
+                    <a:bodyPr>
+                      <a:noAutofit/>
+                    </a:bodyPr>
+                    <a:lstStyle/>
+                    <a:p>
+                      <a:pPr lvl="0" rtl="0">
+                        <a:spcBef>
+                          <a:spcPts val="0"/>
+                        </a:spcBef>
+                        <a:buNone/>
+                      </a:pPr>
+                      <a:r>
+                        <a:rPr lang="en"/>
+                        <a:t>BSM poses dramatically as she speaks</a:t>
+                      </a:r>
+                    </a:p>
+                  </a:txBody>
+                  <a:tcPr marT="91425" marB="91425" marR="91425" marL="91425"/>
+                </a:tc>
+                <a:tc>
+                  <a:txBody>
+                    <a:bodyPr>
+                      <a:noAutofit/>
+                    </a:bodyPr>
+                    <a:lstStyle/>
+                    <a:p>
+                      <a:pPr lvl="0" rtl="0">
+                        <a:spcBef>
+                          <a:spcPts val="0"/>
+                        </a:spcBef>
+                        <a:buNone/>
+                      </a:pPr>
+                      <a:r>
+                        <a:t/>
+                      </a:r>
+                      <a:endParaRPr/>
                     </a:p>
                   </a:txBody>
                   <a:tcPr marT="91425" marB="91425" marR="91425" marL="91425"/>
@@ -8451,7 +10129,7 @@
         <p:spPr>
           <a:xfrm>
             <a:off x="0" y="0"/>
-            <a:ext cx="6528300" cy="319500"/>
+            <a:ext cx="8695200" cy="319500"/>
           </a:xfrm>
           <a:prstGeom prst="rect">
             <a:avLst/>
@@ -8475,7 +10153,7 @@
             </a:pPr>
             <a:r>
               <a:rPr lang="en"/>
-              <a:t>Two robots used to perform the scene. Both  robots will be moving.</a:t>
+              <a:t>On the side of the stage and smoke comes out around her</a:t>
             </a:r>
           </a:p>
         </p:txBody>
@@ -8520,36 +10198,21 @@
             <a:tbl>
               <a:tblPr>
                 <a:noFill/>
-                <a:tableStyleId>{FC9AC841-A61D-4312-9AED-BA9E0F85306A}</a:tableStyleId>
+                <a:tableStyleId>{B49D1780-A627-49F9-872E-C7C48A70C06E}</a:tableStyleId>
               </a:tblPr>
               <a:tblGrid>
-                <a:gridCol w="2672075"/>
-                <a:gridCol w="2672075"/>
-                <a:gridCol w="2672075"/>
+                <a:gridCol w="2837500"/>
+                <a:gridCol w="1797325"/>
+                <a:gridCol w="2923350"/>
+                <a:gridCol w="1588325"/>
               </a:tblGrid>
-              <a:tr h="1318450">
-                <a:tc>
-                  <a:txBody>
-                    <a:bodyPr>
-                      <a:noAutofit/>
-                    </a:bodyPr>
-                    <a:lstStyle/>
-                    <a:p>
-                      <a:pPr lvl="0" rtl="0">
-                        <a:spcBef>
-                          <a:spcPts val="0"/>
-                        </a:spcBef>
-                        <a:buNone/>
-                      </a:pPr>
-                      <a:r>
-                        <a:rPr lang="en"/>
-                        <a:t>TWR:</a:t>
-                      </a:r>
-                      <a:r>
-                        <a:rPr lang="en"/>
-                        <a:t>Perhaps you did not spark.     </a:t>
-                      </a:r>
-                    </a:p>
+              <a:tr h="900575">
+                <a:tc>
+                  <a:txBody>
+                    <a:bodyPr>
+                      <a:noAutofit/>
+                    </a:bodyPr>
+                    <a:lstStyle/>
                     <a:p>
                       <a:pPr lvl="0" rtl="0">
                         <a:spcBef>
@@ -8564,36 +10227,40 @@
                       </a:pPr>
                       <a:r>
                         <a:rPr lang="en"/>
-                        <a:t>I sparked..... and look what a dream I had</a:t>
-                      </a:r>
-                    </a:p>
-                  </a:txBody>
-                  <a:tcPr marT="91425" marB="91425" marR="91425" marL="91425"/>
-                </a:tc>
-                <a:tc>
-                  <a:txBody>
-                    <a:bodyPr>
-                      <a:noAutofit/>
-                    </a:bodyPr>
-                    <a:lstStyle/>
-                    <a:p>
-                      <a:pPr lvl="0" rtl="0">
-                        <a:spcBef>
-                          <a:spcPts val="0"/>
-                        </a:spcBef>
-                        <a:buNone/>
-                      </a:pPr>
-                      <a:r>
-                        <a:rPr lang="en"/>
-                        <a:t>Does a presenting gesture towards the </a:t>
-                      </a:r>
-                      <a:r>
-                        <a:rPr lang="en"/>
-                        <a:t>audience</a:t>
-                      </a:r>
-                    </a:p>
-                    <a:p>
-                      <a:pPr lvl="0" rtl="0">
+                        <a:t>Mark: (sarcastically) well thank GOD you are here, because we have a crowd and nothing to </a:t>
+                      </a:r>
+                      <a:r>
+                        <a:rPr lang="en"/>
+                        <a:t>perform</a:t>
+                      </a:r>
+                      <a:r>
+                        <a:rPr lang="en"/>
+                        <a:t> for them!</a:t>
+                      </a:r>
+                    </a:p>
+                  </a:txBody>
+                  <a:tcPr marT="91425" marB="91425" marR="91425" marL="91425"/>
+                </a:tc>
+                <a:tc>
+                  <a:txBody>
+                    <a:bodyPr>
+                      <a:noAutofit/>
+                    </a:bodyPr>
+                    <a:lstStyle/>
+                    <a:p>
+                      <a:pPr lvl="0">
+                        <a:spcBef>
+                          <a:spcPts val="0"/>
+                        </a:spcBef>
+                        <a:buNone/>
+                      </a:pPr>
+                      <a:r>
+                        <a:rPr lang="en"/>
+                        <a:t>Gestures at crowd</a:t>
+                      </a:r>
+                    </a:p>
+                    <a:p>
+                      <a:pPr lvl="0">
                         <a:spcBef>
                           <a:spcPts val="0"/>
                         </a:spcBef>
@@ -8604,6 +10271,18 @@
                       </a:r>
                       <a:endParaRPr/>
                     </a:p>
+                    <a:p>
+                      <a:pPr lvl="0" rtl="0">
+                        <a:spcBef>
+                          <a:spcPts val="0"/>
+                        </a:spcBef>
+                        <a:buNone/>
+                      </a:pPr>
+                      <a:r>
+                        <a:t/>
+                      </a:r>
+                      <a:endParaRPr/>
+                    </a:p>
                   </a:txBody>
                   <a:tcPr marT="91425" marB="91425" marR="91425" marL="91425"/>
                 </a:tc>
@@ -8628,45 +10307,66 @@
                   </a:txBody>
                   <a:tcPr marT="91425" marB="91425" marR="91425" marL="91425"/>
                 </a:tc>
+                <a:tc>
+                  <a:txBody>
+                    <a:bodyPr>
+                      <a:noAutofit/>
+                    </a:bodyPr>
+                    <a:lstStyle/>
+                    <a:p>
+                      <a:pPr lvl="0" rtl="0">
+                        <a:spcBef>
+                          <a:spcPts val="0"/>
+                        </a:spcBef>
+                        <a:buNone/>
+                      </a:pPr>
+                      <a:r>
+                        <a:t/>
+                      </a:r>
+                      <a:endParaRPr/>
+                    </a:p>
+                  </a:txBody>
+                  <a:tcPr marT="91425" marB="91425" marR="91425" marL="91425"/>
+                </a:tc>
               </a:tr>
-              <a:tr h="506700">
-                <a:tc>
-                  <a:txBody>
-                    <a:bodyPr>
-                      <a:noAutofit/>
-                    </a:bodyPr>
-                    <a:lstStyle/>
-                    <a:p>
-                      <a:pPr lvl="0" rtl="0">
-                        <a:spcBef>
-                          <a:spcPts val="0"/>
-                        </a:spcBef>
-                        <a:buNone/>
-                      </a:pPr>
-                      <a:r>
-                        <a:rPr lang="en"/>
-                        <a:t>MCR: I see nothing.</a:t>
-                      </a:r>
-                    </a:p>
-                  </a:txBody>
-                  <a:tcPr marT="91425" marB="91425" marR="91425" marL="91425"/>
-                </a:tc>
-                <a:tc>
-                  <a:txBody>
-                    <a:bodyPr>
-                      <a:noAutofit/>
-                    </a:bodyPr>
-                    <a:lstStyle/>
-                    <a:p>
-                      <a:pPr lvl="0" rtl="0">
-                        <a:spcBef>
-                          <a:spcPts val="0"/>
-                        </a:spcBef>
-                        <a:buNone/>
-                      </a:pPr>
-                      <a:r>
-                        <a:rPr lang="en"/>
-                        <a:t>MCR looks around stage </a:t>
+              <a:tr h="715750">
+                <a:tc>
+                  <a:txBody>
+                    <a:bodyPr>
+                      <a:noAutofit/>
+                    </a:bodyPr>
+                    <a:lstStyle/>
+                    <a:p>
+                      <a:pPr lvl="0" rtl="0">
+                        <a:spcBef>
+                          <a:spcPts val="0"/>
+                        </a:spcBef>
+                        <a:buNone/>
+                      </a:pPr>
+                      <a:r>
+                        <a:rPr lang="en"/>
+                        <a:t>BSR: Don’t mind if I do! Step aside and watch a professional entertain!</a:t>
+                      </a:r>
+                    </a:p>
+                  </a:txBody>
+                  <a:tcPr marT="91425" marB="91425" marR="91425" marL="91425"/>
+                </a:tc>
+                <a:tc>
+                  <a:txBody>
+                    <a:bodyPr>
+                      <a:noAutofit/>
+                    </a:bodyPr>
+                    <a:lstStyle/>
+                    <a:p>
+                      <a:pPr lvl="0" rtl="0">
+                        <a:spcBef>
+                          <a:spcPts val="0"/>
+                        </a:spcBef>
+                        <a:buNone/>
+                      </a:pPr>
+                      <a:r>
+                        <a:rPr lang="en"/>
+                        <a:t>BSR walks to middle of stage</a:t>
                       </a:r>
                     </a:p>
                   </a:txBody>
@@ -8686,6 +10386,27 @@
                         <a:buNone/>
                       </a:pPr>
                       <a:r>
+                        <a:rPr lang="en"/>
+                        <a:t>Lights dim, bright spotlight on BSM in the middle of the stage</a:t>
+                      </a:r>
+                    </a:p>
+                  </a:txBody>
+                  <a:tcPr marT="91425" marB="91425" marR="91425" marL="91425"/>
+                </a:tc>
+                <a:tc>
+                  <a:txBody>
+                    <a:bodyPr>
+                      <a:noAutofit/>
+                    </a:bodyPr>
+                    <a:lstStyle/>
+                    <a:p>
+                      <a:pPr lvl="0" rtl="0">
+                        <a:spcBef>
+                          <a:spcPts val="0"/>
+                        </a:spcBef>
+                        <a:buNone/>
+                      </a:pPr>
+                      <a:r>
                         <a:t/>
                       </a:r>
                       <a:endParaRPr/>
@@ -8694,23 +10415,23 @@
                   <a:tcPr marT="91425" marB="91425" marR="91425" marL="91425"/>
                 </a:tc>
               </a:tr>
-              <a:tr h="1047850">
-                <a:tc>
-                  <a:txBody>
-                    <a:bodyPr>
-                      <a:noAutofit/>
-                    </a:bodyPr>
-                    <a:lstStyle/>
-                    <a:p>
-                      <a:pPr lvl="0" rtl="0">
-                        <a:spcBef>
-                          <a:spcPts val="0"/>
-                        </a:spcBef>
-                        <a:buNone/>
-                      </a:pPr>
-                      <a:r>
-                        <a:rPr lang="en"/>
-                        <a:t>MCR: Perhaps it is just a daydream.              </a:t>
+              <a:tr h="924200">
+                <a:tc>
+                  <a:txBody>
+                    <a:bodyPr>
+                      <a:noAutofit/>
+                    </a:bodyPr>
+                    <a:lstStyle/>
+                    <a:p>
+                      <a:pPr lvl="0" rtl="0">
+                        <a:spcBef>
+                          <a:spcPts val="0"/>
+                        </a:spcBef>
+                        <a:buNone/>
+                      </a:pPr>
+                      <a:r>
+                        <a:rPr lang="en"/>
+                        <a:t>Music starts and BSR starts sing really loud opera           </a:t>
                       </a:r>
                       <a:br>
                         <a:rPr lang="en"/>
@@ -8734,7 +10455,7 @@
                       </a:pPr>
                       <a:r>
                         <a:rPr lang="en"/>
-                        <a:t>Turns to TWR</a:t>
+                        <a:t>Mark and Brian cover ears and shake heads in pain </a:t>
                       </a:r>
                     </a:p>
                   </a:txBody>
@@ -8761,76 +10482,75 @@
                   </a:txBody>
                   <a:tcPr marT="91425" marB="91425" marR="91425" marL="91425"/>
                 </a:tc>
+                <a:tc>
+                  <a:txBody>
+                    <a:bodyPr>
+                      <a:noAutofit/>
+                    </a:bodyPr>
+                    <a:lstStyle/>
+                    <a:p>
+                      <a:pPr lvl="0">
+                        <a:spcBef>
+                          <a:spcPts val="0"/>
+                        </a:spcBef>
+                        <a:buNone/>
+                      </a:pPr>
+                      <a:r>
+                        <a:t/>
+                      </a:r>
+                      <a:endParaRPr/>
+                    </a:p>
+                  </a:txBody>
+                  <a:tcPr marT="91425" marB="91425" marR="91425" marL="91425"/>
+                </a:tc>
               </a:tr>
-            </a:tbl>
-          </a:graphicData>
-        </a:graphic>
-      </p:graphicFrame>
-      <p:graphicFrame>
-        <p:nvGraphicFramePr>
-          <p:cNvPr id="88" name="Shape 88"/>
-          <p:cNvGraphicFramePr/>
-          <p:nvPr/>
-        </p:nvGraphicFramePr>
-        <p:xfrm>
-          <a:off x="0" y="2857700"/>
-          <a:ext cx="3000000" cy="3000000"/>
-        </p:xfrm>
-        <a:graphic>
-          <a:graphicData uri="http://schemas.openxmlformats.org/drawingml/2006/table">
-            <a:tbl>
-              <a:tblPr>
-                <a:noFill/>
-                <a:tableStyleId>{FC9AC841-A61D-4312-9AED-BA9E0F85306A}</a:tableStyleId>
-              </a:tblPr>
-              <a:tblGrid>
-                <a:gridCol w="2669525"/>
-                <a:gridCol w="2669525"/>
-                <a:gridCol w="2669525"/>
-              </a:tblGrid>
-              <a:tr h="683700">
-                <a:tc>
-                  <a:txBody>
-                    <a:bodyPr>
-                      <a:noAutofit/>
-                    </a:bodyPr>
-                    <a:lstStyle/>
-                    <a:p>
-                      <a:pPr lvl="0" rtl="0">
-                        <a:spcBef>
-                          <a:spcPts val="0"/>
-                        </a:spcBef>
-                        <a:buNone/>
-                      </a:pPr>
-                      <a:r>
-                        <a:rPr lang="en"/>
-                        <a:t>TWR: </a:t>
-                      </a:r>
-                      <a:r>
-                        <a:rPr lang="en"/>
-                        <a:t>That’s what I just said! I slept and I dreamed about humans sitting in the audience looking at us. I presume they really exist!</a:t>
-                      </a:r>
-                    </a:p>
-                  </a:txBody>
-                  <a:tcPr marT="91425" marB="91425" marR="91425" marL="91425"/>
-                </a:tc>
-                <a:tc>
-                  <a:txBody>
-                    <a:bodyPr>
-                      <a:noAutofit/>
-                    </a:bodyPr>
-                    <a:lstStyle/>
-                    <a:p>
-                      <a:pPr lvl="0" rtl="0">
-                        <a:spcBef>
-                          <a:spcPts val="0"/>
-                        </a:spcBef>
-                        <a:buNone/>
-                      </a:pPr>
-                      <a:r>
-                        <a:rPr lang="en"/>
-                        <a:t>Throws hands in the air excitedly</a:t>
-                      </a:r>
+              <a:tr h="924200">
+                <a:tc>
+                  <a:txBody>
+                    <a:bodyPr>
+                      <a:noAutofit/>
+                    </a:bodyPr>
+                    <a:lstStyle/>
+                    <a:p>
+                      <a:pPr lvl="0" rtl="0">
+                        <a:spcBef>
+                          <a:spcPts val="0"/>
+                        </a:spcBef>
+                        <a:buNone/>
+                      </a:pPr>
+                      <a:r>
+                        <a:rPr lang="en"/>
+                        <a:t>Mark: They came to be </a:t>
+                      </a:r>
+                      <a:r>
+                        <a:rPr lang="en"/>
+                        <a:t>entertained</a:t>
+                      </a:r>
+                      <a:r>
+                        <a:rPr lang="en"/>
+                        <a:t>, not tortured</a:t>
+                      </a:r>
+                    </a:p>
+                  </a:txBody>
+                  <a:tcPr marT="91425" marB="91425" marR="91425" marL="91425"/>
+                </a:tc>
+                <a:tc>
+                  <a:txBody>
+                    <a:bodyPr>
+                      <a:noAutofit/>
+                    </a:bodyPr>
+                    <a:lstStyle/>
+                    <a:p>
+                      <a:pPr lvl="0" rtl="0">
+                        <a:spcBef>
+                          <a:spcPts val="0"/>
+                        </a:spcBef>
+                        <a:buNone/>
+                      </a:pPr>
+                      <a:r>
+                        <a:t/>
+                      </a:r>
+                      <a:endParaRPr/>
                     </a:p>
                   </a:txBody>
                   <a:tcPr marT="91425" marB="91425" marR="91425" marL="91425"/>
@@ -8856,54 +10576,87 @@
                   </a:txBody>
                   <a:tcPr marT="91425" marB="91425" marR="91425" marL="91425"/>
                 </a:tc>
+                <a:tc>
+                  <a:txBody>
+                    <a:bodyPr>
+                      <a:noAutofit/>
+                    </a:bodyPr>
+                    <a:lstStyle/>
+                    <a:p>
+                      <a:pPr lvl="0">
+                        <a:spcBef>
+                          <a:spcPts val="0"/>
+                        </a:spcBef>
+                        <a:buNone/>
+                      </a:pPr>
+                      <a:r>
+                        <a:t/>
+                      </a:r>
+                      <a:endParaRPr/>
+                    </a:p>
+                  </a:txBody>
+                  <a:tcPr marT="91425" marB="91425" marR="91425" marL="91425"/>
+                </a:tc>
               </a:tr>
-              <a:tr h="1034650">
-                <a:tc>
-                  <a:txBody>
-                    <a:bodyPr>
-                      <a:noAutofit/>
-                    </a:bodyPr>
-                    <a:lstStyle/>
-                    <a:p>
-                      <a:pPr lvl="0" rtl="0">
-                        <a:spcBef>
-                          <a:spcPts val="0"/>
-                        </a:spcBef>
-                        <a:buClr>
-                          <a:srgbClr val="000000"/>
-                        </a:buClr>
-                        <a:buSzPct val="78571"/>
-                        <a:buFont typeface="Arial"/>
-                        <a:buNone/>
-                      </a:pPr>
-                      <a:r>
-                        <a:rPr lang="en"/>
-                        <a:t>MCR: Seriously?</a:t>
-                      </a:r>
-                    </a:p>
-                  </a:txBody>
-                  <a:tcPr marT="91425" marB="91425" marR="91425" marL="91425"/>
-                </a:tc>
-                <a:tc>
-                  <a:txBody>
-                    <a:bodyPr>
-                      <a:noAutofit/>
-                    </a:bodyPr>
-                    <a:lstStyle/>
-                    <a:p>
-                      <a:pPr lvl="0" rtl="0">
-                        <a:spcBef>
-                          <a:spcPts val="0"/>
-                        </a:spcBef>
-                        <a:buNone/>
-                      </a:pPr>
-                      <a:r>
-                        <a:rPr lang="en"/>
-                        <a:t>Leans in towards TWR </a:t>
-                      </a:r>
-                    </a:p>
-                    <a:p>
-                      <a:pPr lvl="0" rtl="0">
+              <a:tr h="1430575">
+                <a:tc>
+                  <a:txBody>
+                    <a:bodyPr>
+                      <a:noAutofit/>
+                    </a:bodyPr>
+                    <a:lstStyle/>
+                    <a:p>
+                      <a:pPr lvl="0" rtl="0">
+                        <a:spcBef>
+                          <a:spcPts val="0"/>
+                        </a:spcBef>
+                        <a:buNone/>
+                      </a:pPr>
+                      <a:r>
+                        <a:rPr lang="en"/>
+                        <a:t>BSR: It’s not my fault that these people don’t </a:t>
+                      </a:r>
+                      <a:r>
+                        <a:rPr lang="en"/>
+                        <a:t>recognize</a:t>
+                      </a:r>
+                      <a:r>
+                        <a:rPr lang="en"/>
+                        <a:t> beautiful music when they hear it</a:t>
+                      </a:r>
+                    </a:p>
+                  </a:txBody>
+                  <a:tcPr marT="91425" marB="91425" marR="91425" marL="91425"/>
+                </a:tc>
+                <a:tc>
+                  <a:txBody>
+                    <a:bodyPr>
+                      <a:noAutofit/>
+                    </a:bodyPr>
+                    <a:lstStyle/>
+                    <a:p>
+                      <a:pPr lvl="0" rtl="0">
+                        <a:spcBef>
+                          <a:spcPts val="0"/>
+                        </a:spcBef>
+                        <a:buNone/>
+                      </a:pPr>
+                      <a:r>
+                        <a:rPr lang="en"/>
+                        <a:t>Mark and Brian look at each other concerned </a:t>
+                      </a:r>
+                    </a:p>
+                  </a:txBody>
+                  <a:tcPr marT="91425" marB="91425" marR="91425" marL="91425"/>
+                </a:tc>
+                <a:tc>
+                  <a:txBody>
+                    <a:bodyPr>
+                      <a:noAutofit/>
+                    </a:bodyPr>
+                    <a:lstStyle/>
+                    <a:p>
+                      <a:pPr lvl="0">
                         <a:spcBef>
                           <a:spcPts val="0"/>
                         </a:spcBef>
@@ -8956,7 +10709,7 @@
   <p:cSld>
     <p:spTree>
       <p:nvGrpSpPr>
-        <p:cNvPr id="92" name="Shape 92"/>
+        <p:cNvPr id="91" name="Shape 91"/>
         <p:cNvGrpSpPr/>
         <p:nvPr/>
       </p:nvGrpSpPr>
@@ -8970,7 +10723,7 @@
       </p:grpSpPr>
       <p:graphicFrame>
         <p:nvGraphicFramePr>
-          <p:cNvPr id="93" name="Shape 93"/>
+          <p:cNvPr id="92" name="Shape 92"/>
           <p:cNvGraphicFramePr/>
           <p:nvPr/>
         </p:nvGraphicFramePr>
@@ -8983,12 +10736,12 @@
             <a:tbl>
               <a:tblPr>
                 <a:noFill/>
-                <a:tableStyleId>{FC9AC841-A61D-4312-9AED-BA9E0F85306A}</a:tableStyleId>
+                <a:tableStyleId>{B49D1780-A627-49F9-872E-C7C48A70C06E}</a:tableStyleId>
               </a:tblPr>
               <a:tblGrid>
                 <a:gridCol w="3170575"/>
                 <a:gridCol w="2529650"/>
-                <a:gridCol w="2414225"/>
+                <a:gridCol w="3470775"/>
               </a:tblGrid>
               <a:tr h="1318450">
                 <a:tc>
@@ -9006,7 +10759,7 @@
                       </a:pPr>
                       <a:r>
                         <a:rPr lang="en"/>
-                        <a:t>TWR: Regulate your camera focusing mechanisms and you will see!</a:t>
+                        <a:t>Mark: well what are we going to do to entertain these people?</a:t>
                       </a:r>
                     </a:p>
                   </a:txBody>
@@ -9059,17 +10812,9 @@
                         <a:buNone/>
                       </a:pPr>
                       <a:r>
-                        <a:rPr lang="en"/>
-                        <a:t>Font stage lights dim and back ones turn on so </a:t>
-                      </a:r>
-                      <a:r>
-                        <a:rPr lang="en"/>
-                        <a:t>audience</a:t>
-                      </a:r>
-                      <a:r>
-                        <a:rPr lang="en"/>
-                        <a:t> can be seen better</a:t>
-                      </a:r>
+                        <a:t/>
+                      </a:r>
+                      <a:endParaRPr/>
                     </a:p>
                   </a:txBody>
                   <a:tcPr marT="91425" marB="91425" marR="91425" marL="91425"/>
@@ -9090,6 +10835,48 @@
                         <a:buNone/>
                       </a:pPr>
                       <a:r>
+                        <a:rPr lang="en"/>
+                        <a:t>Brian: Well I have this mix tape!</a:t>
+                      </a:r>
+                    </a:p>
+                  </a:txBody>
+                  <a:tcPr marT="91425" marB="91425" marR="91425" marL="91425"/>
+                </a:tc>
+                <a:tc>
+                  <a:txBody>
+                    <a:bodyPr>
+                      <a:noAutofit/>
+                    </a:bodyPr>
+                    <a:lstStyle/>
+                    <a:p>
+                      <a:pPr lvl="0" rtl="0">
+                        <a:spcBef>
+                          <a:spcPts val="0"/>
+                        </a:spcBef>
+                        <a:buNone/>
+                      </a:pPr>
+                      <a:r>
+                        <a:rPr lang="en"/>
+                        <a:t>Gestures towards CD</a:t>
+                      </a:r>
+                    </a:p>
+                  </a:txBody>
+                  <a:tcPr marT="91425" marB="91425" marR="91425" marL="91425"/>
+                </a:tc>
+                <a:tc>
+                  <a:txBody>
+                    <a:bodyPr>
+                      <a:noAutofit/>
+                    </a:bodyPr>
+                    <a:lstStyle/>
+                    <a:p>
+                      <a:pPr lvl="0">
+                        <a:spcBef>
+                          <a:spcPts val="0"/>
+                        </a:spcBef>
+                        <a:buNone/>
+                      </a:pPr>
+                      <a:r>
                         <a:t/>
                       </a:r>
                       <a:endParaRPr/>
@@ -9097,23 +10884,62 @@
                   </a:txBody>
                   <a:tcPr marT="91425" marB="91425" marR="91425" marL="91425"/>
                 </a:tc>
-                <a:tc>
-                  <a:txBody>
-                    <a:bodyPr>
-                      <a:noAutofit/>
-                    </a:bodyPr>
-                    <a:lstStyle/>
-                    <a:p>
-                      <a:pPr lvl="0" rtl="0">
-                        <a:spcBef>
-                          <a:spcPts val="0"/>
-                        </a:spcBef>
-                        <a:buNone/>
-                      </a:pPr>
-                      <a:r>
-                        <a:rPr lang="en"/>
-                        <a:t>MCR “rubs” his eyes and looks around</a:t>
-                      </a:r>
+              </a:tr>
+              <a:tr h="638325">
+                <a:tc>
+                  <a:txBody>
+                    <a:bodyPr>
+                      <a:noAutofit/>
+                    </a:bodyPr>
+                    <a:lstStyle/>
+                    <a:p>
+                      <a:pPr lvl="0" rtl="0">
+                        <a:spcBef>
+                          <a:spcPts val="0"/>
+                        </a:spcBef>
+                        <a:buNone/>
+                      </a:pPr>
+                      <a:r>
+                        <a:rPr lang="en"/>
+                        <a:t>Mark: Well what we you waiting for?</a:t>
+                      </a:r>
+                    </a:p>
+                    <a:p>
+                      <a:pPr lvl="0" rtl="0">
+                        <a:spcBef>
+                          <a:spcPts val="0"/>
+                        </a:spcBef>
+                        <a:buNone/>
+                      </a:pPr>
+                      <a:r>
+                        <a:rPr lang="en"/>
+                        <a:t>LET’S DANCE!</a:t>
+                      </a:r>
+                    </a:p>
+                  </a:txBody>
+                  <a:tcPr marT="91425" marB="91425" marR="91425" marL="91425"/>
+                </a:tc>
+                <a:tc>
+                  <a:txBody>
+                    <a:bodyPr>
+                      <a:noAutofit/>
+                    </a:bodyPr>
+                    <a:lstStyle/>
+                    <a:p>
+                      <a:pPr lvl="0" rtl="0">
+                        <a:spcBef>
+                          <a:spcPts val="0"/>
+                        </a:spcBef>
+                        <a:buNone/>
+                      </a:pPr>
+                      <a:r>
+                        <a:t/>
+                      </a:r>
+                      <a:endParaRPr>
+                        <a:solidFill>
+                          <a:srgbClr val="FF0000"/>
+                        </a:solidFill>
+                      </a:endParaRPr>
                     </a:p>
                   </a:txBody>
                   <a:tcPr marT="91425" marB="91425" marR="91425" marL="91425"/>
@@ -9133,63 +10959,63 @@
                       </a:pPr>
                       <a:r>
                         <a:rPr lang="en"/>
-                        <a:t>Maybe a camera can be on the </a:t>
-                      </a:r>
-                      <a:r>
-                        <a:rPr lang="en"/>
-                        <a:t>audience</a:t>
-                      </a:r>
-                      <a:r>
-                        <a:rPr lang="en"/>
-                        <a:t> and project on screen as if it were the robot was seeing?</a:t>
+                        <a:t>Lights dim as curtain closes</a:t>
                       </a:r>
                     </a:p>
                   </a:txBody>
                   <a:tcPr marT="91425" marB="91425" marR="91425" marL="91425"/>
                 </a:tc>
               </a:tr>
-              <a:tr h="1047850">
-                <a:tc>
-                  <a:txBody>
-                    <a:bodyPr>
-                      <a:noAutofit/>
-                    </a:bodyPr>
-                    <a:lstStyle/>
-                    <a:p>
-                      <a:pPr lvl="0" rtl="0">
-                        <a:spcBef>
-                          <a:spcPts val="0"/>
-                        </a:spcBef>
-                        <a:buNone/>
-                      </a:pPr>
-                      <a:r>
-                        <a:rPr lang="en"/>
-                        <a:t>MCR: Something, it seems as... Something like.. One moment please, one moment, ... just wait..., if they are your dream, then why should I see them?</a:t>
-                      </a:r>
-                    </a:p>
-                  </a:txBody>
-                  <a:tcPr marT="91425" marB="91425" marR="91425" marL="91425"/>
-                </a:tc>
-                <a:tc>
-                  <a:txBody>
-                    <a:bodyPr>
-                      <a:noAutofit/>
-                    </a:bodyPr>
-                    <a:lstStyle/>
-                    <a:p>
-                      <a:pPr lvl="0" rtl="0">
-                        <a:spcBef>
-                          <a:spcPts val="0"/>
-                        </a:spcBef>
-                        <a:buNone/>
-                      </a:pPr>
-                      <a:r>
-                        <a:rPr lang="en"/>
-                        <a:t>Talking  to TWR</a:t>
-                      </a:r>
-                    </a:p>
-                  </a:txBody>
-                  <a:tcPr marT="91425" marB="91425" marR="91425" marL="91425"/>
+              <a:tr h="638325">
+                <a:tc>
+                  <a:txBody>
+                    <a:bodyPr>
+                      <a:noAutofit/>
+                    </a:bodyPr>
+                    <a:lstStyle/>
+                    <a:p>
+                      <a:pPr lvl="0" rtl="0">
+                        <a:spcBef>
+                          <a:spcPts val="0"/>
+                        </a:spcBef>
+                        <a:buNone/>
+                      </a:pPr>
+                      <a:r>
+                        <a:rPr lang="en"/>
+                        <a:t>BSM: We’ll see if you can keep up with this raw talent! Hopefully you can do better than I saw earlier </a:t>
+                      </a:r>
+                    </a:p>
+                  </a:txBody>
+                  <a:tcPr marT="91425" marB="91425" marR="91425" marL="91425">
+                    <a:solidFill>
+                      <a:srgbClr val="00FFFF"/>
+                    </a:solidFill>
+                  </a:tcPr>
+                </a:tc>
+                <a:tc>
+                  <a:txBody>
+                    <a:bodyPr>
+                      <a:noAutofit/>
+                    </a:bodyPr>
+                    <a:lstStyle/>
+                    <a:p>
+                      <a:pPr lvl="0" rtl="0">
+                        <a:spcBef>
+                          <a:spcPts val="0"/>
+                        </a:spcBef>
+                        <a:buNone/>
+                      </a:pPr>
+                      <a:r>
+                        <a:t/>
+                      </a:r>
+                      <a:endParaRPr/>
+                    </a:p>
+                  </a:txBody>
+                  <a:tcPr marT="91425" marB="91425" marR="91425" marL="91425">
+                    <a:solidFill>
+                      <a:srgbClr val="00FFFF"/>
+                    </a:solidFill>
+                  </a:tcPr>
                 </a:tc>
                 <a:tc>
                   <a:txBody>
@@ -9205,47 +11031,94 @@
                         <a:buNone/>
                       </a:pPr>
                       <a:r>
+                        <a:rPr lang="en"/>
+                        <a:t>(move all in blue to after dance?)</a:t>
+                      </a:r>
+                    </a:p>
+                  </a:txBody>
+                  <a:tcPr marT="91425" marB="91425" marR="91425" marL="91425">
+                    <a:solidFill>
+                      <a:srgbClr val="00FFFF"/>
+                    </a:solidFill>
+                  </a:tcPr>
+                </a:tc>
+              </a:tr>
+              <a:tr h="638325">
+                <a:tc>
+                  <a:txBody>
+                    <a:bodyPr>
+                      <a:noAutofit/>
+                    </a:bodyPr>
+                    <a:lstStyle/>
+                    <a:p>
+                      <a:pPr lvl="0" rtl="0">
+                        <a:spcBef>
+                          <a:spcPts val="0"/>
+                        </a:spcBef>
+                        <a:buNone/>
+                      </a:pPr>
+                      <a:r>
+                        <a:rPr lang="en"/>
+                        <a:t>Brian and Mark: “We got this”</a:t>
+                      </a:r>
+                    </a:p>
+                    <a:p>
+                      <a:pPr lvl="0" rtl="0">
+                        <a:spcBef>
+                          <a:spcPts val="0"/>
+                        </a:spcBef>
+                        <a:buNone/>
+                      </a:pPr>
+                      <a:r>
                         <a:t/>
                       </a:r>
                       <a:endParaRPr/>
                     </a:p>
                   </a:txBody>
-                  <a:tcPr marT="91425" marB="91425" marR="91425" marL="91425"/>
-                </a:tc>
-              </a:tr>
-            </a:tbl>
-          </a:graphicData>
-        </a:graphic>
-      </p:graphicFrame>
-      <p:graphicFrame>
-        <p:nvGraphicFramePr>
-          <p:cNvPr id="94" name="Shape 94"/>
-          <p:cNvGraphicFramePr/>
-          <p:nvPr/>
-        </p:nvGraphicFramePr>
-        <p:xfrm>
-          <a:off x="-12" y="3570100"/>
-          <a:ext cx="3000000" cy="3000000"/>
-        </p:xfrm>
-        <a:graphic>
-          <a:graphicData uri="http://schemas.openxmlformats.org/drawingml/2006/table">
-            <a:tbl>
-              <a:tblPr>
-                <a:noFill/>
-                <a:tableStyleId>{FC9AC841-A61D-4312-9AED-BA9E0F85306A}</a:tableStyleId>
-              </a:tblPr>
-              <a:tblGrid>
-                <a:gridCol w="3177975"/>
-                <a:gridCol w="2525750"/>
-                <a:gridCol w="2414975"/>
-              </a:tblGrid>
-              <a:tr h="683700">
-                <a:tc>
-                  <a:txBody>
-                    <a:bodyPr>
-                      <a:noAutofit/>
-                    </a:bodyPr>
-                    <a:lstStyle/>
+                  <a:tcPr marT="91425" marB="91425" marR="91425" marL="91425">
+                    <a:solidFill>
+                      <a:srgbClr val="00FFFF"/>
+                    </a:solidFill>
+                  </a:tcPr>
+                </a:tc>
+                <a:tc>
+                  <a:txBody>
+                    <a:bodyPr>
+                      <a:noAutofit/>
+                    </a:bodyPr>
+                    <a:lstStyle/>
+                    <a:p>
+                      <a:pPr lvl="0" rtl="0">
+                        <a:spcBef>
+                          <a:spcPts val="0"/>
+                        </a:spcBef>
+                        <a:buNone/>
+                      </a:pPr>
+                      <a:r>
+                        <a:rPr lang="en">
+                          <a:solidFill>
+                            <a:schemeClr val="dk1"/>
+                          </a:solidFill>
+                        </a:rPr>
+                        <a:t>Mark and Brian and Mark look at each other</a:t>
+                      </a:r>
+                    </a:p>
+                    <a:p>
+                      <a:pPr lvl="0" rtl="0">
+                        <a:spcBef>
+                          <a:spcPts val="0"/>
+                        </a:spcBef>
+                        <a:buNone/>
+                      </a:pPr>
+                      <a:r>
+                        <a:rPr lang="en">
+                          <a:solidFill>
+                            <a:schemeClr val="dk1"/>
+                          </a:solidFill>
+                        </a:rPr>
+                        <a:t>And nod</a:t>
+                      </a:r>
+                    </a:p>
                     <a:p>
                       <a:pPr lvl="0" rtl="0">
                         <a:spcBef>
@@ -9264,32 +11137,15 @@
                             <a:schemeClr val="dk1"/>
                           </a:solidFill>
                         </a:rPr>
-                        <a:t>TWR: That is what is so amazing! Perhaps you will tell me that they do not exist there? Maybe you’ll insist that they don’t exist? Eh?</a:t>
-                      </a:r>
-                    </a:p>
-                  </a:txBody>
-                  <a:tcPr marT="91425" marB="91425" marR="91425" marL="91425"/>
-                </a:tc>
-                <a:tc>
-                  <a:txBody>
-                    <a:bodyPr>
-                      <a:noAutofit/>
-                    </a:bodyPr>
-                    <a:lstStyle/>
-                    <a:p>
-                      <a:pPr lvl="0" rtl="0">
-                        <a:spcBef>
-                          <a:spcPts val="0"/>
-                        </a:spcBef>
-                        <a:buNone/>
-                      </a:pPr>
-                      <a:r>
-                        <a:rPr lang="en"/>
-                        <a:t>Paces around then turns to MCR</a:t>
-                      </a:r>
-                    </a:p>
-                  </a:txBody>
-                  <a:tcPr marT="91425" marB="91425" marR="91425" marL="91425"/>
+                        <a:t>And the curtain closes </a:t>
+                      </a:r>
+                    </a:p>
+                  </a:txBody>
+                  <a:tcPr marT="91425" marB="91425" marR="91425" marL="91425">
+                    <a:solidFill>
+                      <a:srgbClr val="00FFFF"/>
+                    </a:solidFill>
+                  </a:tcPr>
                 </a:tc>
                 <a:tc>
                   <a:txBody>
@@ -9305,12 +11161,113 @@
                         <a:buNone/>
                       </a:pPr>
                       <a:r>
-                        <a:t/>
-                      </a:r>
-                      <a:endParaRPr/>
-                    </a:p>
-                  </a:txBody>
-                  <a:tcPr marT="91425" marB="91425" marR="91425" marL="91425"/>
+                        <a:rPr lang="en">
+                          <a:solidFill>
+                            <a:srgbClr val="FF0000"/>
+                          </a:solidFill>
+                        </a:rPr>
+                        <a:t>Later maybe make it so audience can select the song using the paddles.</a:t>
+                      </a:r>
+                    </a:p>
+                  </a:txBody>
+                  <a:tcPr marT="91425" marB="91425" marR="91425" marL="91425">
+                    <a:solidFill>
+                      <a:srgbClr val="00FFFF"/>
+                    </a:solidFill>
+                  </a:tcPr>
+                </a:tc>
+              </a:tr>
+              <a:tr h="638325">
+                <a:tc>
+                  <a:txBody>
+                    <a:bodyPr>
+                      <a:noAutofit/>
+                    </a:bodyPr>
+                    <a:lstStyle/>
+                    <a:p>
+                      <a:pPr lvl="0">
+                        <a:spcBef>
+                          <a:spcPts val="0"/>
+                        </a:spcBef>
+                        <a:buNone/>
+                      </a:pPr>
+                      <a:r>
+                        <a:rPr lang="en"/>
+                        <a:t>The robots are set up in a V formation</a:t>
+                      </a:r>
+                    </a:p>
+                    <a:p>
+                      <a:pPr lvl="0" rtl="0">
+                        <a:spcBef>
+                          <a:spcPts val="0"/>
+                        </a:spcBef>
+                        <a:buNone/>
+                      </a:pPr>
+                      <a:r>
+                        <a:rPr lang="en"/>
+                        <a:t>The music starts and the curtain opens</a:t>
+                      </a:r>
+                    </a:p>
+                  </a:txBody>
+                  <a:tcPr marT="91425" marB="91425" marR="91425" marL="91425">
+                    <a:solidFill>
+                      <a:srgbClr val="FFFF00"/>
+                    </a:solidFill>
+                  </a:tcPr>
+                </a:tc>
+                <a:tc>
+                  <a:txBody>
+                    <a:bodyPr>
+                      <a:noAutofit/>
+                    </a:bodyPr>
+                    <a:lstStyle/>
+                    <a:p>
+                      <a:pPr lvl="0" rtl="0">
+                        <a:spcBef>
+                          <a:spcPts val="0"/>
+                        </a:spcBef>
+                        <a:buNone/>
+                      </a:pPr>
+                      <a:r>
+                        <a:rPr lang="en">
+                          <a:solidFill>
+                            <a:schemeClr val="dk1"/>
+                          </a:solidFill>
+                        </a:rPr>
+                        <a:t>All robots do the same dance depending on the song selected</a:t>
+                      </a:r>
+                    </a:p>
+                  </a:txBody>
+                  <a:tcPr marT="91425" marB="91425" marR="91425" marL="91425">
+                    <a:solidFill>
+                      <a:srgbClr val="FFFF00"/>
+                    </a:solidFill>
+                  </a:tcPr>
+                </a:tc>
+                <a:tc>
+                  <a:txBody>
+                    <a:bodyPr>
+                      <a:noAutofit/>
+                    </a:bodyPr>
+                    <a:lstStyle/>
+                    <a:p>
+                      <a:pPr lvl="0">
+                        <a:spcBef>
+                          <a:spcPts val="0"/>
+                        </a:spcBef>
+                        <a:buNone/>
+                      </a:pPr>
+                      <a:r>
+                        <a:rPr lang="en"/>
+                        <a:t>Spotlights on the middle of the stage with lots of colours and flashing</a:t>
+                      </a:r>
+                    </a:p>
+                  </a:txBody>
+                  <a:tcPr marT="91425" marB="91425" marR="91425" marL="91425">
+                    <a:solidFill>
+                      <a:srgbClr val="FFFF00"/>
+                    </a:solidFill>
+                  </a:tcPr>
                 </a:tc>
               </a:tr>
             </a:tbl>
@@ -9330,7 +11287,7 @@
   <p:cSld>
     <p:spTree>
       <p:nvGrpSpPr>
-        <p:cNvPr id="98" name="Shape 98"/>
+        <p:cNvPr id="96" name="Shape 96"/>
         <p:cNvGrpSpPr/>
         <p:nvPr/>
       </p:nvGrpSpPr>
@@ -9342,359 +11299,42 @@
           <a:chExt cx="0" cy="0"/>
         </a:xfrm>
       </p:grpSpPr>
-      <p:graphicFrame>
-        <p:nvGraphicFramePr>
-          <p:cNvPr id="99" name="Shape 99"/>
-          <p:cNvGraphicFramePr/>
-          <p:nvPr/>
-        </p:nvGraphicFramePr>
-        <p:xfrm>
-          <a:off x="0" y="0"/>
-          <a:ext cx="3000000" cy="3000000"/>
-        </p:xfrm>
-        <a:graphic>
-          <a:graphicData uri="http://schemas.openxmlformats.org/drawingml/2006/table">
-            <a:tbl>
-              <a:tblPr>
-                <a:noFill/>
-                <a:tableStyleId>{FC9AC841-A61D-4312-9AED-BA9E0F85306A}</a:tableStyleId>
-              </a:tblPr>
-              <a:tblGrid>
-                <a:gridCol w="2672075"/>
-                <a:gridCol w="2672075"/>
-                <a:gridCol w="2672075"/>
-              </a:tblGrid>
-              <a:tr h="1318450">
-                <a:tc>
-                  <a:txBody>
-                    <a:bodyPr>
-                      <a:noAutofit/>
-                    </a:bodyPr>
-                    <a:lstStyle/>
-                    <a:p>
-                      <a:pPr lvl="0" rtl="0">
-                        <a:spcBef>
-                          <a:spcPts val="0"/>
-                        </a:spcBef>
-                        <a:buNone/>
-                      </a:pPr>
-                      <a:r>
-                        <a:rPr lang="en"/>
-                        <a:t>MCR: Wait... Maybe they do exist!</a:t>
-                      </a:r>
-                    </a:p>
-                  </a:txBody>
-                  <a:tcPr marT="91425" marB="91425" marR="91425" marL="91425"/>
-                </a:tc>
-                <a:tc>
-                  <a:txBody>
-                    <a:bodyPr>
-                      <a:noAutofit/>
-                    </a:bodyPr>
-                    <a:lstStyle/>
-                    <a:p>
-                      <a:pPr lvl="0" rtl="0">
-                        <a:spcBef>
-                          <a:spcPts val="0"/>
-                        </a:spcBef>
-                        <a:buNone/>
-                      </a:pPr>
-                      <a:r>
-                        <a:rPr lang="en"/>
-                        <a:t>Rubs eyes again and walks towards </a:t>
-                      </a:r>
-                      <a:r>
-                        <a:rPr lang="en"/>
-                        <a:t>audience</a:t>
-                      </a:r>
-                      <a:r>
-                        <a:rPr lang="en"/>
-                        <a:t> </a:t>
-                      </a:r>
-                    </a:p>
-                    <a:p>
-                      <a:pPr lvl="0" rtl="0">
-                        <a:spcBef>
-                          <a:spcPts val="0"/>
-                        </a:spcBef>
-                        <a:buNone/>
-                      </a:pPr>
-                      <a:r>
-                        <a:t/>
-                      </a:r>
-                      <a:endParaRPr/>
-                    </a:p>
-                  </a:txBody>
-                  <a:tcPr marT="91425" marB="91425" marR="91425" marL="91425"/>
-                </a:tc>
-                <a:tc>
-                  <a:txBody>
-                    <a:bodyPr>
-                      <a:noAutofit/>
-                    </a:bodyPr>
-                    <a:lstStyle/>
-                    <a:p>
-                      <a:pPr lvl="0">
-                        <a:spcBef>
-                          <a:spcPts val="0"/>
-                        </a:spcBef>
-                        <a:buNone/>
-                      </a:pPr>
-                      <a:r>
-                        <a:t/>
-                      </a:r>
-                      <a:endParaRPr/>
-                    </a:p>
-                  </a:txBody>
-                  <a:tcPr marT="91425" marB="91425" marR="91425" marL="91425"/>
-                </a:tc>
-              </a:tr>
-              <a:tr h="506700">
-                <a:tc>
-                  <a:txBody>
-                    <a:bodyPr>
-                      <a:noAutofit/>
-                    </a:bodyPr>
-                    <a:lstStyle/>
-                    <a:p>
-                      <a:pPr lvl="0" rtl="0">
-                        <a:spcBef>
-                          <a:spcPts val="0"/>
-                        </a:spcBef>
-                        <a:buNone/>
-                      </a:pPr>
-                      <a:r>
-                        <a:rPr lang="en"/>
-                        <a:t>MCR:</a:t>
-                      </a:r>
-                      <a:r>
-                        <a:rPr lang="en"/>
-                        <a:t>Oh, here is something, in the second row at left. it seems that this “something” really does exists. It looks like a human to me.</a:t>
-                      </a:r>
-                    </a:p>
-                  </a:txBody>
-                  <a:tcPr marT="91425" marB="91425" marR="91425" marL="91425"/>
-                </a:tc>
-                <a:tc>
-                  <a:txBody>
-                    <a:bodyPr>
-                      <a:noAutofit/>
-                    </a:bodyPr>
-                    <a:lstStyle/>
-                    <a:p>
-                      <a:pPr lvl="0" rtl="0">
-                        <a:spcBef>
-                          <a:spcPts val="0"/>
-                        </a:spcBef>
-                        <a:buNone/>
-                      </a:pPr>
-                      <a:r>
-                        <a:rPr lang="en"/>
-                        <a:t>MCR </a:t>
-                      </a:r>
-                      <a:r>
-                        <a:rPr lang="en">
-                          <a:solidFill>
-                            <a:schemeClr val="dk1"/>
-                          </a:solidFill>
-                        </a:rPr>
-                        <a:t>points to some person in approximately the second row</a:t>
-                      </a:r>
-                    </a:p>
-                  </a:txBody>
-                  <a:tcPr marT="91425" marB="91425" marR="91425" marL="91425"/>
-                </a:tc>
-                <a:tc>
-                  <a:txBody>
-                    <a:bodyPr>
-                      <a:noAutofit/>
-                    </a:bodyPr>
-                    <a:lstStyle/>
-                    <a:p>
-                      <a:pPr lvl="0">
-                        <a:spcBef>
-                          <a:spcPts val="0"/>
-                        </a:spcBef>
-                        <a:buNone/>
-                      </a:pPr>
-                      <a:r>
-                        <a:t/>
-                      </a:r>
-                      <a:endParaRPr/>
-                    </a:p>
-                  </a:txBody>
-                  <a:tcPr marT="91425" marB="91425" marR="91425" marL="91425"/>
-                </a:tc>
-              </a:tr>
-              <a:tr h="1047850">
-                <a:tc>
-                  <a:txBody>
-                    <a:bodyPr>
-                      <a:noAutofit/>
-                    </a:bodyPr>
-                    <a:lstStyle/>
-                    <a:p>
-                      <a:pPr lvl="0" rtl="0">
-                        <a:spcBef>
-                          <a:spcPts val="0"/>
-                        </a:spcBef>
-                        <a:buNone/>
-                      </a:pPr>
-                      <a:r>
-                        <a:rPr lang="en"/>
-                        <a:t>TWR: </a:t>
-                      </a:r>
-                      <a:r>
-                        <a:rPr lang="en"/>
-                        <a:t>Wait, I have to concentrate. Perhaps. It is highly probable that a human sits there and is looking at us</a:t>
-                      </a:r>
-                    </a:p>
-                  </a:txBody>
-                  <a:tcPr marT="91425" marB="91425" marR="91425" marL="91425"/>
-                </a:tc>
-                <a:tc>
-                  <a:txBody>
-                    <a:bodyPr>
-                      <a:noAutofit/>
-                    </a:bodyPr>
-                    <a:lstStyle/>
-                    <a:p>
-                      <a:pPr lvl="0" rtl="0">
-                        <a:spcBef>
-                          <a:spcPts val="0"/>
-                        </a:spcBef>
-                        <a:buNone/>
-                      </a:pPr>
-                      <a:r>
-                        <a:rPr lang="en"/>
-                        <a:t>TWR Approaches MCR and focuses eyes where MCR pointed</a:t>
-                      </a:r>
-                    </a:p>
-                  </a:txBody>
-                  <a:tcPr marT="91425" marB="91425" marR="91425" marL="91425"/>
-                </a:tc>
-                <a:tc>
-                  <a:txBody>
-                    <a:bodyPr>
-                      <a:noAutofit/>
-                    </a:bodyPr>
-                    <a:lstStyle/>
-                    <a:p>
-                      <a:pPr lvl="0">
-                        <a:spcBef>
-                          <a:spcPts val="0"/>
-                        </a:spcBef>
-                        <a:buNone/>
-                      </a:pPr>
-                      <a:r>
-                        <a:t/>
-                      </a:r>
-                      <a:endParaRPr/>
-                    </a:p>
-                  </a:txBody>
-                  <a:tcPr marT="91425" marB="91425" marR="91425" marL="91425"/>
-                </a:tc>
-              </a:tr>
-            </a:tbl>
-          </a:graphicData>
-        </a:graphic>
-      </p:graphicFrame>
-      <p:graphicFrame>
-        <p:nvGraphicFramePr>
-          <p:cNvPr id="100" name="Shape 100"/>
-          <p:cNvGraphicFramePr/>
-          <p:nvPr/>
-        </p:nvGraphicFramePr>
-        <p:xfrm>
-          <a:off x="3825" y="3596900"/>
-          <a:ext cx="3000000" cy="3000000"/>
-        </p:xfrm>
-        <a:graphic>
-          <a:graphicData uri="http://schemas.openxmlformats.org/drawingml/2006/table">
-            <a:tbl>
-              <a:tblPr>
-                <a:noFill/>
-                <a:tableStyleId>{FC9AC841-A61D-4312-9AED-BA9E0F85306A}</a:tableStyleId>
-              </a:tblPr>
-              <a:tblGrid>
-                <a:gridCol w="2669525"/>
-                <a:gridCol w="2669525"/>
-                <a:gridCol w="2669525"/>
-              </a:tblGrid>
-              <a:tr h="1529700">
-                <a:tc>
-                  <a:txBody>
-                    <a:bodyPr>
-                      <a:noAutofit/>
-                    </a:bodyPr>
-                    <a:lstStyle/>
-                    <a:p>
-                      <a:pPr lvl="0" rtl="0">
-                        <a:spcBef>
-                          <a:spcPts val="0"/>
-                        </a:spcBef>
-                        <a:buNone/>
-                      </a:pPr>
-                      <a:r>
-                        <a:rPr lang="en"/>
-                        <a:t>TWR: That’s what I just said! I slept and I dreamed about humans sitting in the audience looking at us. I presume they really exist! But maybe it is only a delusion. That is how I evaluate this image I’m seeing.</a:t>
-                      </a:r>
-                    </a:p>
-                  </a:txBody>
-                  <a:tcPr marT="91425" marB="91425" marR="91425" marL="91425"/>
-                </a:tc>
-                <a:tc>
-                  <a:txBody>
-                    <a:bodyPr>
-                      <a:noAutofit/>
-                    </a:bodyPr>
-                    <a:lstStyle/>
-                    <a:p>
-                      <a:pPr lvl="0" rtl="0">
-                        <a:spcBef>
-                          <a:spcPts val="0"/>
-                        </a:spcBef>
-                        <a:buClr>
-                          <a:srgbClr val="000000"/>
-                        </a:buClr>
-                        <a:buSzPct val="78571"/>
-                        <a:buFont typeface="Arial"/>
-                        <a:buNone/>
-                      </a:pPr>
-                      <a:r>
-                        <a:rPr lang="en"/>
-                        <a:t>TWR looks carefully to the audience. The face of the selected human appears on one of the bottom screens</a:t>
-                      </a:r>
-                    </a:p>
-                  </a:txBody>
-                  <a:tcPr marT="91425" marB="91425" marR="91425" marL="91425"/>
-                </a:tc>
-                <a:tc>
-                  <a:txBody>
-                    <a:bodyPr>
-                      <a:noAutofit/>
-                    </a:bodyPr>
-                    <a:lstStyle/>
-                    <a:p>
-                      <a:pPr lvl="0">
-                        <a:spcBef>
-                          <a:spcPts val="0"/>
-                        </a:spcBef>
-                        <a:buNone/>
-                      </a:pPr>
-                      <a:r>
-                        <a:t/>
-                      </a:r>
-                      <a:endParaRPr/>
-                    </a:p>
-                  </a:txBody>
-                  <a:tcPr marT="91425" marB="91425" marR="91425" marL="91425"/>
-                </a:tc>
-              </a:tr>
-            </a:tbl>
-          </a:graphicData>
-        </a:graphic>
-      </p:graphicFrame>
+      <p:sp>
+        <p:nvSpPr>
+          <p:cNvPr id="97" name="Shape 97"/>
+          <p:cNvSpPr txBox="1"/>
+          <p:nvPr>
+            <p:ph type="ctrTitle"/>
+          </p:nvPr>
+        </p:nvSpPr>
+        <p:spPr>
+          <a:xfrm>
+            <a:off x="311708" y="744575"/>
+            <a:ext cx="8520600" cy="2052600"/>
+          </a:xfrm>
+          <a:prstGeom prst="rect">
+            <a:avLst/>
+          </a:prstGeom>
+        </p:spPr>
+        <p:txBody>
+          <a:bodyPr anchorCtr="0" anchor="b" bIns="91425" lIns="91425" rIns="91425" tIns="91425">
+            <a:noAutofit/>
+          </a:bodyPr>
+          <a:lstStyle/>
+          <a:p>
+            <a:pPr lvl="0" rtl="0">
+              <a:spcBef>
+                <a:spcPts val="0"/>
+              </a:spcBef>
+              <a:buNone/>
+            </a:pPr>
+            <a:r>
+              <a:rPr lang="en"/>
+              <a:t>Scene #3</a:t>
+            </a:r>
+          </a:p>
+        </p:txBody>
+      </p:sp>
     </p:spTree>
   </p:cSld>
   <p:clrMapOvr>
